--- a/10-Interfaces.pptx
+++ b/10-Interfaces.pptx
@@ -11,7 +11,7 @@
     <p:handoutMasterId r:id="rId17"/>
   </p:handoutMasterIdLst>
   <p:sldIdLst>
-    <p:sldId id="800" r:id="rId5"/>
+    <p:sldId id="299" r:id="rId5"/>
     <p:sldId id="790" r:id="rId6"/>
     <p:sldId id="810" r:id="rId7"/>
     <p:sldId id="801" r:id="rId8"/>
@@ -128,7 +128,7 @@
       <p14:sectionLst xmlns:p14="http://schemas.microsoft.com/office/powerpoint/2010/main">
         <p14:section name="Title slide" id="{DE8BF54A-1323-4403-83F8-D7B5510C9D53}">
           <p14:sldIdLst>
-            <p14:sldId id="800"/>
+            <p14:sldId id="299"/>
             <p14:sldId id="790"/>
             <p14:sldId id="810"/>
             <p14:sldId id="801"/>
@@ -2886,7 +2886,7 @@
           <a:p>
             <a:fld id="{86D088FE-3E68-47FE-8BA4-634CD34BABBC}" type="datetimeFigureOut">
               <a:rPr lang="en-GB" smtClean="0"/>
-              <a:t>10/10/2022</a:t>
+              <a:t>05/12/2025</a:t>
             </a:fld>
             <a:endParaRPr lang="en-GB"/>
           </a:p>
@@ -3056,7 +3056,7 @@
             <a:fld id="{1D6B66C6-1E92-0F4E-A300-9D4ED1F0C23F}" type="datetimeFigureOut">
               <a:rPr lang="en-GB" smtClean="0"/>
               <a:pPr/>
-              <a:t>10/10/2022</a:t>
+              <a:t>05/12/2025</a:t>
             </a:fld>
             <a:endParaRPr lang="en-GB"/>
           </a:p>
@@ -3348,33 +3348,19 @@
       </p:grpSpPr>
       <p:sp>
         <p:nvSpPr>
-          <p:cNvPr id="13314" name="Slide Image Placeholder 1"/>
+          <p:cNvPr id="2" name="Slide Image Placeholder 1"/>
           <p:cNvSpPr>
-            <a:spLocks noGrp="1" noRot="1" noChangeAspect="1" noTextEdit="1"/>
+            <a:spLocks noGrp="1" noRot="1" noChangeAspect="1"/>
           </p:cNvSpPr>
           <p:nvPr>
             <p:ph type="sldImg"/>
           </p:nvPr>
         </p:nvSpPr>
-        <p:spPr bwMode="auto">
-          <a:xfrm>
-            <a:off x="-171450" y="428625"/>
-            <a:ext cx="7200900" cy="4051300"/>
-          </a:xfrm>
-          <a:noFill/>
-          <a:ln>
-            <a:solidFill>
-              <a:srgbClr val="000000"/>
-            </a:solidFill>
-            <a:miter lim="800000"/>
-            <a:headEnd/>
-            <a:tailEnd/>
-          </a:ln>
-        </p:spPr>
+        <p:spPr/>
       </p:sp>
       <p:sp>
         <p:nvSpPr>
-          <p:cNvPr id="13315" name="Notes Placeholder 2"/>
+          <p:cNvPr id="3" name="Notes Placeholder 2"/>
           <p:cNvSpPr>
             <a:spLocks noGrp="1"/>
           </p:cNvSpPr>
@@ -3382,28 +3368,42 @@
             <p:ph type="body" idx="1"/>
           </p:nvPr>
         </p:nvSpPr>
-        <p:spPr bwMode="auto">
-          <a:noFill/>
-        </p:spPr>
+        <p:spPr/>
         <p:txBody>
-          <a:bodyPr wrap="square" numCol="1" anchor="t" anchorCtr="0" compatLnSpc="1">
-            <a:prstTxWarp prst="textNoShape">
-              <a:avLst/>
-            </a:prstTxWarp>
-          </a:bodyPr>
+          <a:bodyPr/>
           <a:lstStyle/>
           <a:p>
-            <a:endParaRPr lang="en-US">
-              <a:latin typeface="Arial" charset="0"/>
-              <a:cs typeface="Arial" charset="0"/>
-            </a:endParaRPr>
+            <a:endParaRPr lang="en-US"/>
+          </a:p>
+        </p:txBody>
+      </p:sp>
+      <p:sp>
+        <p:nvSpPr>
+          <p:cNvPr id="4" name="Slide Number Placeholder 3"/>
+          <p:cNvSpPr>
+            <a:spLocks noGrp="1"/>
+          </p:cNvSpPr>
+          <p:nvPr>
+            <p:ph type="sldNum" sz="quarter" idx="5"/>
+          </p:nvPr>
+        </p:nvSpPr>
+        <p:spPr/>
+        <p:txBody>
+          <a:bodyPr/>
+          <a:lstStyle/>
+          <a:p>
+            <a:fld id="{35BE1F5F-BEC2-48D5-A890-C07C79853E26}" type="slidenum">
+              <a:rPr lang="en-GB" smtClean="0"/>
+              <a:t>1</a:t>
+            </a:fld>
+            <a:endParaRPr lang="en-GB"/>
           </a:p>
         </p:txBody>
       </p:sp>
     </p:spTree>
     <p:extLst>
       <p:ext uri="{BB962C8B-B14F-4D97-AF65-F5344CB8AC3E}">
-        <p14:creationId xmlns:p14="http://schemas.microsoft.com/office/powerpoint/2010/main" val="4283966164"/>
+        <p14:creationId xmlns:p14="http://schemas.microsoft.com/office/powerpoint/2010/main" val="2546931957"/>
       </p:ext>
     </p:extLst>
   </p:cSld>
@@ -24143,6 +24143,245 @@
 </p:sldLayout>
 </file>
 
+<file path=ppt/slideLayouts/slideLayout38.xml><?xml version="1.0" encoding="utf-8"?>
+<p:sldLayout xmlns:a="http://schemas.openxmlformats.org/drawingml/2006/main" xmlns:r="http://schemas.openxmlformats.org/officeDocument/2006/relationships" xmlns:p="http://schemas.openxmlformats.org/presentationml/2006/main" type="title">
+  <p:cSld name="Purple_divider">
+    <p:bg>
+      <p:bgPr>
+        <a:blipFill dpi="0" rotWithShape="1">
+          <a:blip r:embed="rId2">
+            <a:lum/>
+          </a:blip>
+          <a:srcRect/>
+          <a:stretch>
+            <a:fillRect/>
+          </a:stretch>
+        </a:blipFill>
+        <a:effectLst/>
+      </p:bgPr>
+    </p:bg>
+    <p:spTree>
+      <p:nvGrpSpPr>
+        <p:cNvPr id="1" name=""/>
+        <p:cNvGrpSpPr/>
+        <p:nvPr/>
+      </p:nvGrpSpPr>
+      <p:grpSpPr>
+        <a:xfrm>
+          <a:off x="0" y="0"/>
+          <a:ext cx="0" cy="0"/>
+          <a:chOff x="0" y="0"/>
+          <a:chExt cx="0" cy="0"/>
+        </a:xfrm>
+      </p:grpSpPr>
+      <p:pic>
+        <p:nvPicPr>
+          <p:cNvPr id="5" name="Picture 4">
+            <a:extLst>
+              <a:ext uri="{FF2B5EF4-FFF2-40B4-BE49-F238E27FC236}">
+                <a16:creationId xmlns:a16="http://schemas.microsoft.com/office/drawing/2014/main" id="{AB0B8D50-2C63-2F2E-599F-E921BF1F757F}"/>
+              </a:ext>
+              <a:ext uri="{C183D7F6-B498-43B3-948B-1728B52AA6E4}">
+                <adec:decorative xmlns:adec="http://schemas.microsoft.com/office/drawing/2017/decorative" val="1"/>
+              </a:ext>
+            </a:extLst>
+          </p:cNvPr>
+          <p:cNvPicPr>
+            <a:picLocks noChangeAspect="1"/>
+          </p:cNvPicPr>
+          <p:nvPr userDrawn="1"/>
+        </p:nvPicPr>
+        <p:blipFill>
+          <a:blip r:embed="rId3"/>
+          <a:stretch>
+            <a:fillRect/>
+          </a:stretch>
+        </p:blipFill>
+        <p:spPr>
+          <a:xfrm>
+            <a:off x="0" y="898802"/>
+            <a:ext cx="8062294" cy="1684800"/>
+          </a:xfrm>
+          <a:prstGeom prst="rect">
+            <a:avLst/>
+          </a:prstGeom>
+        </p:spPr>
+      </p:pic>
+      <p:sp>
+        <p:nvSpPr>
+          <p:cNvPr id="2" name="Title 1">
+            <a:extLst>
+              <a:ext uri="{FF2B5EF4-FFF2-40B4-BE49-F238E27FC236}">
+                <a16:creationId xmlns:a16="http://schemas.microsoft.com/office/drawing/2014/main" id="{909D855A-1A49-ADBE-89C8-65ECAFD2AAB3}"/>
+              </a:ext>
+            </a:extLst>
+          </p:cNvPr>
+          <p:cNvSpPr>
+            <a:spLocks noGrp="1"/>
+          </p:cNvSpPr>
+          <p:nvPr>
+            <p:ph type="ctrTitle"/>
+          </p:nvPr>
+        </p:nvSpPr>
+        <p:spPr>
+          <a:xfrm>
+            <a:off x="473406" y="1118152"/>
+            <a:ext cx="6777996" cy="1247916"/>
+          </a:xfrm>
+          <a:prstGeom prst="rect">
+            <a:avLst/>
+          </a:prstGeom>
+          <a:ln>
+            <a:noFill/>
+          </a:ln>
+        </p:spPr>
+        <p:txBody>
+          <a:bodyPr lIns="0" rIns="0" anchor="ctr"/>
+          <a:lstStyle>
+            <a:lvl1pPr algn="l">
+              <a:lnSpc>
+                <a:spcPct val="100000"/>
+              </a:lnSpc>
+              <a:defRPr sz="3600">
+                <a:solidFill>
+                  <a:schemeClr val="tx1"/>
+                </a:solidFill>
+              </a:defRPr>
+            </a:lvl1pPr>
+          </a:lstStyle>
+          <a:p>
+            <a:endParaRPr lang="en-GB"/>
+          </a:p>
+        </p:txBody>
+      </p:sp>
+      <p:sp>
+        <p:nvSpPr>
+          <p:cNvPr id="3" name="Subtitle 2">
+            <a:extLst>
+              <a:ext uri="{FF2B5EF4-FFF2-40B4-BE49-F238E27FC236}">
+                <a16:creationId xmlns:a16="http://schemas.microsoft.com/office/drawing/2014/main" id="{994AF8D4-DACD-9AF9-364C-02C474BC62A5}"/>
+              </a:ext>
+            </a:extLst>
+          </p:cNvPr>
+          <p:cNvSpPr>
+            <a:spLocks noGrp="1"/>
+          </p:cNvSpPr>
+          <p:nvPr>
+            <p:ph type="subTitle" idx="1"/>
+          </p:nvPr>
+        </p:nvSpPr>
+        <p:spPr>
+          <a:xfrm>
+            <a:off x="473406" y="2902689"/>
+            <a:ext cx="6150678" cy="863600"/>
+          </a:xfrm>
+          <a:prstGeom prst="rect">
+            <a:avLst/>
+          </a:prstGeom>
+          <a:ln>
+            <a:noFill/>
+          </a:ln>
+        </p:spPr>
+        <p:txBody>
+          <a:bodyPr lIns="0" rIns="0" anchor="t"/>
+          <a:lstStyle>
+            <a:lvl1pPr marL="0" indent="0" algn="l">
+              <a:buNone/>
+              <a:defRPr sz="1800">
+                <a:solidFill>
+                  <a:schemeClr val="tx1"/>
+                </a:solidFill>
+              </a:defRPr>
+            </a:lvl1pPr>
+            <a:lvl2pPr marL="457200" indent="0" algn="ctr">
+              <a:buNone/>
+              <a:defRPr sz="2000"/>
+            </a:lvl2pPr>
+            <a:lvl3pPr marL="914400" indent="0" algn="ctr">
+              <a:buNone/>
+              <a:defRPr sz="1800"/>
+            </a:lvl3pPr>
+            <a:lvl4pPr marL="1371600" indent="0" algn="ctr">
+              <a:buNone/>
+              <a:defRPr sz="1600"/>
+            </a:lvl4pPr>
+            <a:lvl5pPr marL="1828800" indent="0" algn="ctr">
+              <a:buNone/>
+              <a:defRPr sz="1600"/>
+            </a:lvl5pPr>
+            <a:lvl6pPr marL="2286000" indent="0" algn="ctr">
+              <a:buNone/>
+              <a:defRPr sz="1600"/>
+            </a:lvl6pPr>
+            <a:lvl7pPr marL="2743200" indent="0" algn="ctr">
+              <a:buNone/>
+              <a:defRPr sz="1600"/>
+            </a:lvl7pPr>
+            <a:lvl8pPr marL="3200400" indent="0" algn="ctr">
+              <a:buNone/>
+              <a:defRPr sz="1600"/>
+            </a:lvl8pPr>
+            <a:lvl9pPr marL="3657600" indent="0" algn="ctr">
+              <a:buNone/>
+              <a:defRPr sz="1600"/>
+            </a:lvl9pPr>
+          </a:lstStyle>
+          <a:p>
+            <a:endParaRPr lang="en-GB"/>
+          </a:p>
+        </p:txBody>
+      </p:sp>
+      <p:pic>
+        <p:nvPicPr>
+          <p:cNvPr id="9" name="Picture 8">
+            <a:extLst>
+              <a:ext uri="{FF2B5EF4-FFF2-40B4-BE49-F238E27FC236}">
+                <a16:creationId xmlns:a16="http://schemas.microsoft.com/office/drawing/2014/main" id="{ADC96ABF-C649-123E-FBF1-598689C3D553}"/>
+              </a:ext>
+              <a:ext uri="{C183D7F6-B498-43B3-948B-1728B52AA6E4}">
+                <adec:decorative xmlns:adec="http://schemas.microsoft.com/office/drawing/2017/decorative" val="1"/>
+              </a:ext>
+            </a:extLst>
+          </p:cNvPr>
+          <p:cNvPicPr>
+            <a:picLocks noChangeAspect="1"/>
+          </p:cNvPicPr>
+          <p:nvPr userDrawn="1"/>
+        </p:nvPicPr>
+        <p:blipFill>
+          <a:blip r:embed="rId4"/>
+          <a:stretch>
+            <a:fillRect/>
+          </a:stretch>
+        </p:blipFill>
+        <p:spPr>
+          <a:xfrm>
+            <a:off x="473406" y="5650088"/>
+            <a:ext cx="1972082" cy="650979"/>
+          </a:xfrm>
+          <a:prstGeom prst="rect">
+            <a:avLst/>
+          </a:prstGeom>
+        </p:spPr>
+      </p:pic>
+    </p:spTree>
+    <p:extLst>
+      <p:ext uri="{BB962C8B-B14F-4D97-AF65-F5344CB8AC3E}">
+        <p14:creationId xmlns:p14="http://schemas.microsoft.com/office/powerpoint/2010/main" val="2473099819"/>
+      </p:ext>
+    </p:extLst>
+  </p:cSld>
+  <p:clrMapOvr>
+    <a:masterClrMapping/>
+  </p:clrMapOvr>
+  <p:extLst>
+    <p:ext uri="{DCECCB84-F9BA-43D5-87BE-67443E8EF086}">
+      <p15:sldGuideLst xmlns:p15="http://schemas.microsoft.com/office/powerpoint/2012/main"/>
+    </p:ext>
+  </p:extLst>
+</p:sldLayout>
+</file>
+
 <file path=ppt/slideLayouts/slideLayout4.xml><?xml version="1.0" encoding="utf-8"?>
 <p:sldLayout xmlns:a="http://schemas.openxmlformats.org/drawingml/2006/main" xmlns:r="http://schemas.openxmlformats.org/officeDocument/2006/relationships" xmlns:p="http://schemas.openxmlformats.org/presentationml/2006/main" showMasterSp="0" preserve="1" userDrawn="1">
   <p:cSld name="Title slide 1">
@@ -28390,6 +28629,7 @@
     <p:sldLayoutId id="2147483903" r:id="rId35"/>
     <p:sldLayoutId id="2147483905" r:id="rId36"/>
     <p:sldLayoutId id="2147483906" r:id="rId37"/>
+    <p:sldLayoutId id="2147483907" r:id="rId38"/>
   </p:sldLayoutIdLst>
   <p:hf hdr="0" dt="0"/>
   <p:txStyles>
@@ -28448,7 +28688,7 @@
         <a:buSzPct val="125000"/>
         <a:buFontTx/>
         <a:buBlip>
-          <a:blip r:embed="rId39"/>
+          <a:blip r:embed="rId40"/>
         </a:buBlip>
         <a:tabLst/>
         <a:defRPr sz="2000" b="0" kern="1200">
@@ -28473,7 +28713,7 @@
         <a:buSzPct val="120000"/>
         <a:buFontTx/>
         <a:buBlip>
-          <a:blip r:embed="rId39"/>
+          <a:blip r:embed="rId40"/>
         </a:buBlip>
         <a:tabLst/>
         <a:defRPr sz="2000" b="0" i="0" kern="1200">
@@ -28498,7 +28738,7 @@
         <a:buSzPct val="120000"/>
         <a:buFontTx/>
         <a:buBlip>
-          <a:blip r:embed="rId39"/>
+          <a:blip r:embed="rId40"/>
         </a:buBlip>
         <a:tabLst/>
         <a:defRPr sz="2000" b="0" kern="1200">
@@ -28523,7 +28763,7 @@
         <a:buSzPct val="125000"/>
         <a:buFontTx/>
         <a:buBlip>
-          <a:blip r:embed="rId39"/>
+          <a:blip r:embed="rId40"/>
         </a:buBlip>
         <a:tabLst/>
         <a:defRPr sz="2000" b="0" kern="1200">
@@ -28872,26 +29112,13 @@
       </p:grpSpPr>
       <p:sp>
         <p:nvSpPr>
-          <p:cNvPr id="3" name="Text Placeholder 2"/>
-          <p:cNvSpPr>
-            <a:spLocks noGrp="1"/>
-          </p:cNvSpPr>
-          <p:nvPr>
-            <p:ph type="body" sz="quarter" idx="12"/>
-          </p:nvPr>
-        </p:nvSpPr>
-        <p:spPr/>
-        <p:txBody>
-          <a:bodyPr/>
-          <a:lstStyle/>
-          <a:p>
-            <a:endParaRPr lang="en-IN"/>
-          </a:p>
-        </p:txBody>
-      </p:sp>
-      <p:sp>
-        <p:nvSpPr>
-          <p:cNvPr id="2" name="Title 1"/>
+          <p:cNvPr id="4" name="Title 3">
+            <a:extLst>
+              <a:ext uri="{FF2B5EF4-FFF2-40B4-BE49-F238E27FC236}">
+                <a16:creationId xmlns:a16="http://schemas.microsoft.com/office/drawing/2014/main" id="{6B10A2E5-A3AA-7BE3-7C87-983A58C15C46}"/>
+              </a:ext>
+            </a:extLst>
+          </p:cNvPr>
           <p:cNvSpPr>
             <a:spLocks noGrp="1"/>
           </p:cNvSpPr>
@@ -28908,14 +29135,39 @@
               <a:rPr lang="en-GB" dirty="0"/>
               <a:t>Interfaces</a:t>
             </a:r>
-            <a:endParaRPr lang="en-IN" dirty="0"/>
+            <a:endParaRPr lang="en-US" dirty="0"/>
+          </a:p>
+        </p:txBody>
+      </p:sp>
+      <p:sp>
+        <p:nvSpPr>
+          <p:cNvPr id="3" name="Subtitle 2">
+            <a:extLst>
+              <a:ext uri="{FF2B5EF4-FFF2-40B4-BE49-F238E27FC236}">
+                <a16:creationId xmlns:a16="http://schemas.microsoft.com/office/drawing/2014/main" id="{52534D79-CFC0-C4F4-AD12-F13DBCAB1A97}"/>
+              </a:ext>
+            </a:extLst>
+          </p:cNvPr>
+          <p:cNvSpPr>
+            <a:spLocks noGrp="1"/>
+          </p:cNvSpPr>
+          <p:nvPr>
+            <p:ph type="subTitle" idx="1"/>
+          </p:nvPr>
+        </p:nvSpPr>
+        <p:spPr/>
+        <p:txBody>
+          <a:bodyPr/>
+          <a:lstStyle/>
+          <a:p>
+            <a:endParaRPr lang="en-GB"/>
           </a:p>
         </p:txBody>
       </p:sp>
     </p:spTree>
     <p:extLst>
       <p:ext uri="{BB962C8B-B14F-4D97-AF65-F5344CB8AC3E}">
-        <p14:creationId xmlns:p14="http://schemas.microsoft.com/office/powerpoint/2010/main" val="1472398117"/>
+        <p14:creationId xmlns:p14="http://schemas.microsoft.com/office/powerpoint/2010/main" val="1003932267"/>
       </p:ext>
     </p:extLst>
   </p:cSld>
@@ -29360,6 +29612,13 @@
             <a:schemeClr val="lt1"/>
           </a:fontRef>
         </p:style>
+        <p:txBody>
+          <a:bodyPr/>
+          <a:lstStyle/>
+          <a:p>
+            <a:endParaRPr lang="en-GB"/>
+          </a:p>
+        </p:txBody>
       </p:sp>
       <p:sp>
         <p:nvSpPr>
@@ -29419,6 +29678,13 @@
             <a:schemeClr val="lt1"/>
           </a:fontRef>
         </p:style>
+        <p:txBody>
+          <a:bodyPr/>
+          <a:lstStyle/>
+          <a:p>
+            <a:endParaRPr lang="en-GB"/>
+          </a:p>
+        </p:txBody>
       </p:sp>
     </p:spTree>
     <p:extLst>
@@ -29496,7 +29762,7 @@
           <p:nvPr>
             <p:extLst>
               <p:ext uri="{D42A27DB-BD31-4B8C-83A1-F6EECF244321}">
-                <p14:modId xmlns:p14="http://schemas.microsoft.com/office/powerpoint/2010/main" val="952804120"/>
+                <p14:modId xmlns:p14="http://schemas.microsoft.com/office/powerpoint/2010/main" val="3583768155"/>
               </p:ext>
             </p:extLst>
           </p:nvPr>
@@ -29567,7 +29833,7 @@
                       <a:headEnd type="none" w="med" len="med"/>
                       <a:tailEnd type="none" w="med" len="med"/>
                     </a:lnT>
-                    <a:lnB w="12700" cap="flat" cmpd="sng" algn="ctr">
+                    <a:lnB w="3175" cap="flat" cmpd="sng" algn="ctr">
                       <a:solidFill>
                         <a:schemeClr val="tx1"/>
                       </a:solidFill>
@@ -29621,7 +29887,7 @@
                       <a:headEnd type="none" w="med" len="med"/>
                       <a:tailEnd type="none" w="med" len="med"/>
                     </a:lnT>
-                    <a:lnB w="12700" cap="flat" cmpd="sng" algn="ctr">
+                    <a:lnB w="3175" cap="flat" cmpd="sng" algn="ctr">
                       <a:solidFill>
                         <a:schemeClr val="tx1"/>
                       </a:solidFill>
@@ -29669,7 +29935,7 @@
                       <a:headEnd type="none" w="med" len="med"/>
                       <a:tailEnd type="none" w="med" len="med"/>
                     </a:lnR>
-                    <a:lnT w="12700" cap="flat" cmpd="sng" algn="ctr">
+                    <a:lnT w="3175" cap="flat" cmpd="sng" algn="ctr">
                       <a:solidFill>
                         <a:schemeClr val="tx1"/>
                       </a:solidFill>
@@ -29678,7 +29944,7 @@
                       <a:headEnd type="none" w="med" len="med"/>
                       <a:tailEnd type="none" w="med" len="med"/>
                     </a:lnT>
-                    <a:lnB w="12700" cap="flat" cmpd="sng" algn="ctr">
+                    <a:lnB w="3175" cap="flat" cmpd="sng" algn="ctr">
                       <a:solidFill>
                         <a:schemeClr val="tx1"/>
                       </a:solidFill>
@@ -29727,7 +29993,7 @@
                       <a:headEnd type="none" w="med" len="med"/>
                       <a:tailEnd type="none" w="med" len="med"/>
                     </a:lnR>
-                    <a:lnT w="12700" cap="flat" cmpd="sng" algn="ctr">
+                    <a:lnT w="3175" cap="flat" cmpd="sng" algn="ctr">
                       <a:solidFill>
                         <a:schemeClr val="tx1"/>
                       </a:solidFill>
@@ -29736,7 +30002,7 @@
                       <a:headEnd type="none" w="med" len="med"/>
                       <a:tailEnd type="none" w="med" len="med"/>
                     </a:lnT>
-                    <a:lnB w="12700" cap="flat" cmpd="sng" algn="ctr">
+                    <a:lnB w="3175" cap="flat" cmpd="sng" algn="ctr">
                       <a:solidFill>
                         <a:schemeClr val="tx1"/>
                       </a:solidFill>
@@ -29784,7 +30050,7 @@
                       <a:headEnd type="none" w="med" len="med"/>
                       <a:tailEnd type="none" w="med" len="med"/>
                     </a:lnR>
-                    <a:lnT w="12700" cap="flat" cmpd="sng" algn="ctr">
+                    <a:lnT w="3175" cap="flat" cmpd="sng" algn="ctr">
                       <a:solidFill>
                         <a:schemeClr val="tx1"/>
                       </a:solidFill>
@@ -29793,7 +30059,7 @@
                       <a:headEnd type="none" w="med" len="med"/>
                       <a:tailEnd type="none" w="med" len="med"/>
                     </a:lnT>
-                    <a:lnB w="12700" cap="flat" cmpd="sng" algn="ctr">
+                    <a:lnB w="3175" cap="flat" cmpd="sng" algn="ctr">
                       <a:solidFill>
                         <a:schemeClr val="tx1"/>
                       </a:solidFill>
@@ -29842,7 +30108,7 @@
                       <a:headEnd type="none" w="med" len="med"/>
                       <a:tailEnd type="none" w="med" len="med"/>
                     </a:lnR>
-                    <a:lnT w="12700" cap="flat" cmpd="sng" algn="ctr">
+                    <a:lnT w="3175" cap="flat" cmpd="sng" algn="ctr">
                       <a:solidFill>
                         <a:schemeClr val="tx1"/>
                       </a:solidFill>
@@ -29851,7 +30117,7 @@
                       <a:headEnd type="none" w="med" len="med"/>
                       <a:tailEnd type="none" w="med" len="med"/>
                     </a:lnT>
-                    <a:lnB w="12700" cap="flat" cmpd="sng" algn="ctr">
+                    <a:lnB w="3175" cap="flat" cmpd="sng" algn="ctr">
                       <a:solidFill>
                         <a:schemeClr val="tx1"/>
                       </a:solidFill>
@@ -29899,7 +30165,7 @@
                       <a:headEnd type="none" w="med" len="med"/>
                       <a:tailEnd type="none" w="med" len="med"/>
                     </a:lnR>
-                    <a:lnT w="12700" cap="flat" cmpd="sng" algn="ctr">
+                    <a:lnT w="3175" cap="flat" cmpd="sng" algn="ctr">
                       <a:solidFill>
                         <a:schemeClr val="tx1"/>
                       </a:solidFill>
@@ -29908,7 +30174,7 @@
                       <a:headEnd type="none" w="med" len="med"/>
                       <a:tailEnd type="none" w="med" len="med"/>
                     </a:lnT>
-                    <a:lnB w="12700" cap="flat" cmpd="sng" algn="ctr">
+                    <a:lnB w="3175" cap="flat" cmpd="sng" algn="ctr">
                       <a:solidFill>
                         <a:schemeClr val="tx1"/>
                       </a:solidFill>
@@ -29957,7 +30223,7 @@
                       <a:headEnd type="none" w="med" len="med"/>
                       <a:tailEnd type="none" w="med" len="med"/>
                     </a:lnR>
-                    <a:lnT w="12700" cap="flat" cmpd="sng" algn="ctr">
+                    <a:lnT w="3175" cap="flat" cmpd="sng" algn="ctr">
                       <a:solidFill>
                         <a:schemeClr val="tx1"/>
                       </a:solidFill>
@@ -29966,7 +30232,7 @@
                       <a:headEnd type="none" w="med" len="med"/>
                       <a:tailEnd type="none" w="med" len="med"/>
                     </a:lnT>
-                    <a:lnB w="12700" cap="flat" cmpd="sng" algn="ctr">
+                    <a:lnB w="3175" cap="flat" cmpd="sng" algn="ctr">
                       <a:solidFill>
                         <a:schemeClr val="tx1"/>
                       </a:solidFill>
@@ -30014,7 +30280,7 @@
                       <a:headEnd type="none" w="med" len="med"/>
                       <a:tailEnd type="none" w="med" len="med"/>
                     </a:lnR>
-                    <a:lnT w="12700" cap="flat" cmpd="sng" algn="ctr">
+                    <a:lnT w="3175" cap="flat" cmpd="sng" algn="ctr">
                       <a:solidFill>
                         <a:schemeClr val="tx1"/>
                       </a:solidFill>
@@ -30023,7 +30289,7 @@
                       <a:headEnd type="none" w="med" len="med"/>
                       <a:tailEnd type="none" w="med" len="med"/>
                     </a:lnT>
-                    <a:lnB w="12700" cap="flat" cmpd="sng" algn="ctr">
+                    <a:lnB w="3175" cap="flat" cmpd="sng" algn="ctr">
                       <a:solidFill>
                         <a:schemeClr val="tx1"/>
                       </a:solidFill>
@@ -30080,7 +30346,7 @@
                       <a:headEnd type="none" w="med" len="med"/>
                       <a:tailEnd type="none" w="med" len="med"/>
                     </a:lnR>
-                    <a:lnT w="12700" cap="flat" cmpd="sng" algn="ctr">
+                    <a:lnT w="3175" cap="flat" cmpd="sng" algn="ctr">
                       <a:solidFill>
                         <a:schemeClr val="tx1"/>
                       </a:solidFill>
@@ -30089,7 +30355,7 @@
                       <a:headEnd type="none" w="med" len="med"/>
                       <a:tailEnd type="none" w="med" len="med"/>
                     </a:lnT>
-                    <a:lnB w="12700" cap="flat" cmpd="sng" algn="ctr">
+                    <a:lnB w="3175" cap="flat" cmpd="sng" algn="ctr">
                       <a:solidFill>
                         <a:schemeClr val="tx1"/>
                       </a:solidFill>
@@ -30137,7 +30403,7 @@
                       <a:headEnd type="none" w="med" len="med"/>
                       <a:tailEnd type="none" w="med" len="med"/>
                     </a:lnR>
-                    <a:lnT w="12700" cap="flat" cmpd="sng" algn="ctr">
+                    <a:lnT w="3175" cap="flat" cmpd="sng" algn="ctr">
                       <a:solidFill>
                         <a:schemeClr val="tx1"/>
                       </a:solidFill>
@@ -30195,7 +30461,7 @@
                       <a:headEnd type="none" w="med" len="med"/>
                       <a:tailEnd type="none" w="med" len="med"/>
                     </a:lnR>
-                    <a:lnT w="12700" cap="flat" cmpd="sng" algn="ctr">
+                    <a:lnT w="3175" cap="flat" cmpd="sng" algn="ctr">
                       <a:solidFill>
                         <a:schemeClr val="tx1"/>
                       </a:solidFill>
@@ -30252,12 +30518,10 @@
             </a:schemeClr>
           </a:solidFill>
           <a:ln>
-            <a:solidFill>
-              <a:schemeClr val="tx1"/>
-            </a:solidFill>
+            <a:noFill/>
           </a:ln>
           <a:effectLst>
-            <a:outerShdw blurRad="50800" dist="38100" dir="2700000" algn="tl" rotWithShape="0">
+            <a:outerShdw blurRad="50800" dist="38100" algn="l" rotWithShape="0">
               <a:prstClr val="black">
                 <a:alpha val="40000"/>
               </a:prstClr>
@@ -30652,7 +30916,16 @@
               <a:lumOff val="80000"/>
             </a:schemeClr>
           </a:solidFill>
-          <a:ln w="19050"/>
+          <a:ln w="19050">
+            <a:noFill/>
+          </a:ln>
+          <a:effectLst>
+            <a:outerShdw blurRad="50800" dist="38100" algn="l" rotWithShape="0">
+              <a:prstClr val="black">
+                <a:alpha val="40000"/>
+              </a:prstClr>
+            </a:outerShdw>
+          </a:effectLst>
         </p:spPr>
         <p:style>
           <a:lnRef idx="2">
@@ -31194,16 +31467,16 @@
             </a:schemeClr>
           </a:solidFill>
           <a:ln w="19050">
-            <a:solidFill>
-              <a:schemeClr val="tx1"/>
-            </a:solidFill>
+            <a:noFill/>
             <a:miter lim="800000"/>
             <a:headEnd/>
             <a:tailEnd/>
           </a:ln>
           <a:effectLst>
-            <a:outerShdw dist="53882" dir="2700000" algn="ctr" rotWithShape="0">
-              <a:schemeClr val="bg2"/>
+            <a:outerShdw blurRad="50800" dist="38100" algn="l" rotWithShape="0">
+              <a:prstClr val="black">
+                <a:alpha val="40000"/>
+              </a:prstClr>
             </a:outerShdw>
           </a:effectLst>
         </p:spPr>
@@ -31525,7 +31798,7 @@
         </p:nvSpPr>
         <p:spPr bwMode="auto">
           <a:xfrm>
-            <a:off x="1892300" y="2890118"/>
+            <a:off x="1892300" y="2643440"/>
             <a:ext cx="4322970" cy="1320874"/>
           </a:xfrm>
           <a:prstGeom prst="rect">
@@ -31535,16 +31808,16 @@
             <a:schemeClr val="bg1"/>
           </a:solidFill>
           <a:ln w="19050">
-            <a:solidFill>
-              <a:schemeClr val="tx1"/>
-            </a:solidFill>
+            <a:noFill/>
             <a:miter lim="800000"/>
             <a:headEnd/>
             <a:tailEnd/>
           </a:ln>
           <a:effectLst>
-            <a:outerShdw dist="53882" dir="2700000" algn="ctr" rotWithShape="0">
-              <a:schemeClr val="bg2"/>
+            <a:outerShdw blurRad="50800" dist="38100" algn="l" rotWithShape="0">
+              <a:prstClr val="black">
+                <a:alpha val="40000"/>
+              </a:prstClr>
             </a:outerShdw>
           </a:effectLst>
         </p:spPr>
@@ -31772,7 +32045,7 @@
         </p:nvSpPr>
         <p:spPr bwMode="auto">
           <a:xfrm>
-            <a:off x="6443663" y="2890119"/>
+            <a:off x="6396935" y="2649971"/>
             <a:ext cx="4076700" cy="835025"/>
           </a:xfrm>
           <a:prstGeom prst="rect">
@@ -31782,16 +32055,16 @@
             <a:schemeClr val="bg1"/>
           </a:solidFill>
           <a:ln w="19050">
-            <a:solidFill>
-              <a:schemeClr val="tx1"/>
-            </a:solidFill>
+            <a:noFill/>
             <a:miter lim="800000"/>
             <a:headEnd/>
             <a:tailEnd/>
           </a:ln>
           <a:effectLst>
-            <a:outerShdw dist="53882" dir="2700000" algn="ctr" rotWithShape="0">
-              <a:schemeClr val="bg2"/>
+            <a:outerShdw blurRad="50800" dist="38100" algn="l" rotWithShape="0">
+              <a:prstClr val="black">
+                <a:alpha val="40000"/>
+              </a:prstClr>
             </a:outerShdw>
           </a:effectLst>
         </p:spPr>
@@ -31948,16 +32221,16 @@
             </a:schemeClr>
           </a:solidFill>
           <a:ln w="19050">
-            <a:solidFill>
-              <a:schemeClr val="tx1"/>
-            </a:solidFill>
+            <a:noFill/>
             <a:miter lim="800000"/>
             <a:headEnd/>
             <a:tailEnd/>
           </a:ln>
           <a:effectLst>
-            <a:outerShdw dist="53882" dir="2700000" algn="ctr" rotWithShape="0">
-              <a:schemeClr val="bg2"/>
+            <a:outerShdw blurRad="50800" dist="38100" algn="l" rotWithShape="0">
+              <a:prstClr val="black">
+                <a:alpha val="40000"/>
+              </a:prstClr>
             </a:outerShdw>
           </a:effectLst>
         </p:spPr>
@@ -32353,7 +32626,7 @@
         </p:nvSpPr>
         <p:spPr bwMode="auto">
           <a:xfrm>
-            <a:off x="7443788" y="3964314"/>
+            <a:off x="8457579" y="3964314"/>
             <a:ext cx="1395412" cy="404812"/>
           </a:xfrm>
           <a:prstGeom prst="borderCallout2">
@@ -32370,14 +32643,18 @@
             <a:srgbClr val="FFCCFF"/>
           </a:solidFill>
           <a:ln w="19050">
-            <a:solidFill>
-              <a:schemeClr val="tx1"/>
-            </a:solidFill>
+            <a:noFill/>
             <a:miter lim="800000"/>
             <a:headEnd/>
             <a:tailEnd/>
           </a:ln>
-          <a:effectLst/>
+          <a:effectLst>
+            <a:outerShdw blurRad="50800" dist="38100" algn="l" rotWithShape="0">
+              <a:prstClr val="black">
+                <a:alpha val="40000"/>
+              </a:prstClr>
+            </a:outerShdw>
+          </a:effectLst>
         </p:spPr>
         <p:txBody>
           <a:bodyPr/>
@@ -32403,7 +32680,7 @@
         </p:nvSpPr>
         <p:spPr bwMode="auto">
           <a:xfrm>
-            <a:off x="8097148" y="4926339"/>
+            <a:off x="8097148" y="5463765"/>
             <a:ext cx="1309687" cy="404812"/>
           </a:xfrm>
           <a:prstGeom prst="borderCallout2">
@@ -32420,14 +32697,18 @@
             <a:srgbClr val="FFCCFF"/>
           </a:solidFill>
           <a:ln w="19050">
-            <a:solidFill>
-              <a:schemeClr val="tx1"/>
-            </a:solidFill>
+            <a:noFill/>
             <a:miter lim="800000"/>
             <a:headEnd/>
             <a:tailEnd/>
           </a:ln>
-          <a:effectLst/>
+          <a:effectLst>
+            <a:outerShdw blurRad="50800" dist="38100" algn="l" rotWithShape="0">
+              <a:prstClr val="black">
+                <a:alpha val="40000"/>
+              </a:prstClr>
+            </a:outerShdw>
+          </a:effectLst>
         </p:spPr>
         <p:txBody>
           <a:bodyPr/>
@@ -32439,56 +32720,6 @@
             <a:r>
               <a:rPr lang="en-GB" dirty="0"/>
               <a:t>Interface</a:t>
-            </a:r>
-          </a:p>
-        </p:txBody>
-      </p:sp>
-      <p:sp>
-        <p:nvSpPr>
-          <p:cNvPr id="816137" name="AutoShape 9"/>
-          <p:cNvSpPr>
-            <a:spLocks/>
-          </p:cNvSpPr>
-          <p:nvPr/>
-        </p:nvSpPr>
-        <p:spPr bwMode="auto">
-          <a:xfrm>
-            <a:off x="4913313" y="2248768"/>
-            <a:ext cx="5799714" cy="414338"/>
-          </a:xfrm>
-          <a:prstGeom prst="borderCallout2">
-            <a:avLst>
-              <a:gd name="adj1" fmla="val 27588"/>
-              <a:gd name="adj2" fmla="val -1431"/>
-              <a:gd name="adj3" fmla="val 27588"/>
-              <a:gd name="adj4" fmla="val -3731"/>
-              <a:gd name="adj5" fmla="val 167051"/>
-              <a:gd name="adj6" fmla="val -4833"/>
-            </a:avLst>
-          </a:prstGeom>
-          <a:solidFill>
-            <a:srgbClr val="FFCCFF"/>
-          </a:solidFill>
-          <a:ln w="19050">
-            <a:solidFill>
-              <a:schemeClr val="tx1"/>
-            </a:solidFill>
-            <a:miter lim="800000"/>
-            <a:headEnd/>
-            <a:tailEnd/>
-          </a:ln>
-          <a:effectLst/>
-        </p:spPr>
-        <p:txBody>
-          <a:bodyPr/>
-          <a:lstStyle/>
-          <a:p>
-            <a:pPr algn="ctr" eaLnBrk="0" hangingPunct="0">
-              <a:defRPr/>
-            </a:pPr>
-            <a:r>
-              <a:rPr lang="en-GB" dirty="0"/>
-              <a:t>Being able to draw() is now optional for a Shape</a:t>
             </a:r>
           </a:p>
         </p:txBody>
@@ -32609,7 +32840,7 @@
         <p:spPr bwMode="auto">
           <a:xfrm>
             <a:off x="2022186" y="3168136"/>
-            <a:ext cx="5645150" cy="2301875"/>
+            <a:ext cx="5645150" cy="2551981"/>
           </a:xfrm>
           <a:prstGeom prst="rect">
             <a:avLst/>
@@ -32621,16 +32852,16 @@
             </a:schemeClr>
           </a:solidFill>
           <a:ln w="19050">
-            <a:solidFill>
-              <a:srgbClr val="004050"/>
-            </a:solidFill>
+            <a:noFill/>
             <a:miter lim="800000"/>
             <a:headEnd/>
             <a:tailEnd/>
           </a:ln>
           <a:effectLst>
-            <a:outerShdw dist="53882" dir="2700000" algn="ctr" rotWithShape="0">
-              <a:schemeClr val="bg2"/>
+            <a:outerShdw blurRad="50800" dist="38100" algn="l" rotWithShape="0">
+              <a:prstClr val="black">
+                <a:alpha val="40000"/>
+              </a:prstClr>
             </a:outerShdw>
           </a:effectLst>
         </p:spPr>
@@ -32719,6 +32950,14 @@
               </a:rPr>
               <a:t> Shape[] shapes;</a:t>
             </a:r>
+            <a:br>
+              <a:rPr lang="en-GB" sz="1600" dirty="0">
+                <a:solidFill>
+                  <a:srgbClr val="000000"/>
+                </a:solidFill>
+                <a:latin typeface="Lucida Console" pitchFamily="49" charset="0"/>
+              </a:rPr>
+            </a:br>
             <a:endParaRPr lang="en-GB" sz="1600" dirty="0">
               <a:solidFill>
                 <a:srgbClr val="008000"/>
@@ -33041,8 +33280,8 @@
         </p:nvSpPr>
         <p:spPr bwMode="auto">
           <a:xfrm>
-            <a:off x="3598614" y="5142603"/>
-            <a:ext cx="6394450" cy="1323975"/>
+            <a:off x="4844761" y="5489744"/>
+            <a:ext cx="5879845" cy="828432"/>
           </a:xfrm>
           <a:prstGeom prst="rect">
             <a:avLst/>
@@ -33051,21 +33290,21 @@
             <a:schemeClr val="bg1"/>
           </a:solidFill>
           <a:ln w="19050">
-            <a:solidFill>
-              <a:srgbClr val="004050"/>
-            </a:solidFill>
+            <a:noFill/>
             <a:miter lim="800000"/>
             <a:headEnd/>
             <a:tailEnd/>
           </a:ln>
           <a:effectLst>
-            <a:outerShdw dist="53882" dir="2700000" algn="ctr" rotWithShape="0">
-              <a:schemeClr val="bg2"/>
+            <a:outerShdw blurRad="50800" dist="38100" algn="l" rotWithShape="0">
+              <a:prstClr val="black">
+                <a:alpha val="40000"/>
+              </a:prstClr>
             </a:outerShdw>
           </a:effectLst>
         </p:spPr>
         <p:txBody>
-          <a:bodyPr lIns="90488" tIns="44450" rIns="0" bIns="44450">
+          <a:bodyPr wrap="square" lIns="90488" tIns="44450" rIns="0" bIns="44450">
             <a:spAutoFit/>
           </a:bodyPr>
           <a:lstStyle/>
@@ -33090,13 +33329,7 @@
                 </a:solidFill>
                 <a:latin typeface="Lucida Console" pitchFamily="49" charset="0"/>
               </a:rPr>
-              <a:t>public class</a:t>
-            </a:r>
-            <a:r>
-              <a:rPr lang="en-GB" sz="1600" dirty="0">
-                <a:latin typeface="Lucida Console" pitchFamily="49" charset="0"/>
-              </a:rPr>
-              <a:t> </a:t>
+              <a:t>private void</a:t>
             </a:r>
             <a:r>
               <a:rPr lang="en-GB" sz="1600" dirty="0">
@@ -33105,7 +33338,61 @@
                 </a:solidFill>
                 <a:latin typeface="Lucida Console" pitchFamily="49" charset="0"/>
               </a:rPr>
-              <a:t>Canvas {</a:t>
+              <a:t> </a:t>
+            </a:r>
+            <a:r>
+              <a:rPr lang="en-GB" sz="1600" dirty="0">
+                <a:solidFill>
+                  <a:srgbClr val="0000FF"/>
+                </a:solidFill>
+                <a:latin typeface="Lucida Console" pitchFamily="49" charset="0"/>
+              </a:rPr>
+              <a:t>public </a:t>
+            </a:r>
+            <a:r>
+              <a:rPr lang="en-GB" sz="1600" dirty="0">
+                <a:solidFill>
+                  <a:srgbClr val="000000"/>
+                </a:solidFill>
+                <a:latin typeface="Lucida Console" pitchFamily="49" charset="0"/>
+              </a:rPr>
+              <a:t>Painter(</a:t>
+            </a:r>
+            <a:r>
+              <a:rPr lang="en-GB" sz="1600" dirty="0" err="1">
+                <a:solidFill>
+                  <a:srgbClr val="000000"/>
+                </a:solidFill>
+                <a:latin typeface="Lucida Console" pitchFamily="49" charset="0"/>
+              </a:rPr>
+              <a:t>Renderable</a:t>
+            </a:r>
+            <a:r>
+              <a:rPr lang="en-GB" sz="1600" dirty="0">
+                <a:solidFill>
+                  <a:srgbClr val="000000"/>
+                </a:solidFill>
+                <a:latin typeface="Lucida Console" pitchFamily="49" charset="0"/>
+              </a:rPr>
+              <a:t> </a:t>
+            </a:r>
+            <a:r>
+              <a:rPr lang="en-GB" sz="1600" dirty="0" err="1">
+                <a:solidFill>
+                  <a:srgbClr val="000000"/>
+                </a:solidFill>
+                <a:latin typeface="Lucida Console" pitchFamily="49" charset="0"/>
+              </a:rPr>
+              <a:t>ir</a:t>
+            </a:r>
+            <a:r>
+              <a:rPr lang="en-GB" sz="1600" dirty="0">
+                <a:solidFill>
+                  <a:srgbClr val="000000"/>
+                </a:solidFill>
+                <a:latin typeface="Lucida Console" pitchFamily="49" charset="0"/>
+              </a:rPr>
+              <a:t>) {</a:t>
             </a:r>
           </a:p>
           <a:p>
@@ -33125,102 +33412,6 @@
             <a:r>
               <a:rPr lang="en-GB" sz="1600" dirty="0">
                 <a:solidFill>
-                  <a:srgbClr val="000000"/>
-                </a:solidFill>
-                <a:latin typeface="Lucida Console" pitchFamily="49" charset="0"/>
-              </a:rPr>
-              <a:t>  </a:t>
-            </a:r>
-            <a:r>
-              <a:rPr lang="en-GB" sz="1600" dirty="0">
-                <a:solidFill>
-                  <a:srgbClr val="0000FF"/>
-                </a:solidFill>
-                <a:latin typeface="Lucida Console" pitchFamily="49" charset="0"/>
-              </a:rPr>
-              <a:t>private void</a:t>
-            </a:r>
-            <a:r>
-              <a:rPr lang="en-GB" sz="1600" dirty="0">
-                <a:solidFill>
-                  <a:srgbClr val="000000"/>
-                </a:solidFill>
-                <a:latin typeface="Lucida Console" pitchFamily="49" charset="0"/>
-              </a:rPr>
-              <a:t> </a:t>
-            </a:r>
-            <a:r>
-              <a:rPr lang="en-GB" sz="1600" dirty="0" err="1">
-                <a:solidFill>
-                  <a:srgbClr val="000000"/>
-                </a:solidFill>
-                <a:latin typeface="Lucida Console" pitchFamily="49" charset="0"/>
-              </a:rPr>
-              <a:t>processRenderable</a:t>
-            </a:r>
-            <a:r>
-              <a:rPr lang="en-GB" sz="1600" dirty="0">
-                <a:solidFill>
-                  <a:srgbClr val="000000"/>
-                </a:solidFill>
-                <a:latin typeface="Lucida Console" pitchFamily="49" charset="0"/>
-              </a:rPr>
-              <a:t>(</a:t>
-            </a:r>
-            <a:r>
-              <a:rPr lang="en-GB" sz="1600" dirty="0" err="1">
-                <a:solidFill>
-                  <a:srgbClr val="000000"/>
-                </a:solidFill>
-                <a:latin typeface="Lucida Console" pitchFamily="49" charset="0"/>
-              </a:rPr>
-              <a:t>Renderable</a:t>
-            </a:r>
-            <a:r>
-              <a:rPr lang="en-GB" sz="1600" dirty="0">
-                <a:solidFill>
-                  <a:srgbClr val="000000"/>
-                </a:solidFill>
-                <a:latin typeface="Lucida Console" pitchFamily="49" charset="0"/>
-              </a:rPr>
-              <a:t> </a:t>
-            </a:r>
-            <a:r>
-              <a:rPr lang="en-GB" sz="1600" dirty="0" err="1">
-                <a:solidFill>
-                  <a:srgbClr val="000000"/>
-                </a:solidFill>
-                <a:latin typeface="Lucida Console" pitchFamily="49" charset="0"/>
-              </a:rPr>
-              <a:t>ir</a:t>
-            </a:r>
-            <a:r>
-              <a:rPr lang="en-GB" sz="1600" dirty="0">
-                <a:solidFill>
-                  <a:srgbClr val="000000"/>
-                </a:solidFill>
-                <a:latin typeface="Lucida Console" pitchFamily="49" charset="0"/>
-              </a:rPr>
-              <a:t>) {</a:t>
-            </a:r>
-          </a:p>
-          <a:p>
-            <a:pPr defTabSz="739775" eaLnBrk="0" hangingPunct="0">
-              <a:tabLst>
-                <a:tab pos="347663" algn="l"/>
-                <a:tab pos="685800" algn="l"/>
-                <a:tab pos="1033463" algn="l"/>
-                <a:tab pos="1371600" algn="l"/>
-                <a:tab pos="1719263" algn="l"/>
-                <a:tab pos="2057400" algn="l"/>
-                <a:tab pos="2405063" algn="l"/>
-                <a:tab pos="2743200" algn="l"/>
-              </a:tabLst>
-              <a:defRPr/>
-            </a:pPr>
-            <a:r>
-              <a:rPr lang="en-GB" sz="1600" dirty="0">
-                <a:solidFill>
                   <a:srgbClr val="0000FF"/>
                 </a:solidFill>
                 <a:latin typeface="Lucida Console" pitchFamily="49" charset="0"/>
@@ -33239,30 +33430,12 @@
               </a:rPr>
               <a:t>();</a:t>
             </a:r>
-          </a:p>
-          <a:p>
-            <a:pPr defTabSz="739775" eaLnBrk="0" hangingPunct="0">
-              <a:tabLst>
-                <a:tab pos="347663" algn="l"/>
-                <a:tab pos="685800" algn="l"/>
-                <a:tab pos="1033463" algn="l"/>
-                <a:tab pos="1371600" algn="l"/>
-                <a:tab pos="1719263" algn="l"/>
-                <a:tab pos="2057400" algn="l"/>
-                <a:tab pos="2405063" algn="l"/>
-                <a:tab pos="2743200" algn="l"/>
-              </a:tabLst>
-              <a:defRPr/>
-            </a:pPr>
-            <a:r>
-              <a:rPr lang="en-GB" sz="1600" dirty="0">
-                <a:solidFill>
-                  <a:srgbClr val="000000"/>
-                </a:solidFill>
-                <a:latin typeface="Lucida Console" pitchFamily="49" charset="0"/>
-              </a:rPr>
-              <a:t>  }</a:t>
-            </a:r>
+            <a:endParaRPr lang="en-GB" sz="1600" dirty="0">
+              <a:solidFill>
+                <a:srgbClr val="000000"/>
+              </a:solidFill>
+              <a:latin typeface="Lucida Console" pitchFamily="49" charset="0"/>
+            </a:endParaRPr>
           </a:p>
           <a:p>
             <a:pPr defTabSz="739775" eaLnBrk="0" hangingPunct="0">
@@ -33317,14 +33490,18 @@
             <a:srgbClr val="FFCCFF"/>
           </a:solidFill>
           <a:ln w="19050">
-            <a:solidFill>
-              <a:schemeClr val="tx1"/>
-            </a:solidFill>
+            <a:noFill/>
             <a:miter lim="800000"/>
             <a:headEnd/>
             <a:tailEnd/>
           </a:ln>
-          <a:effectLst/>
+          <a:effectLst>
+            <a:outerShdw blurRad="50800" dist="38100" algn="l" rotWithShape="0">
+              <a:prstClr val="black">
+                <a:alpha val="40000"/>
+              </a:prstClr>
+            </a:outerShdw>
+          </a:effectLst>
         </p:spPr>
         <p:txBody>
           <a:bodyPr/>
@@ -33350,8 +33527,8 @@
         </p:nvSpPr>
         <p:spPr bwMode="auto">
           <a:xfrm>
-            <a:off x="6981538" y="4490010"/>
-            <a:ext cx="4219862" cy="407684"/>
+            <a:off x="6669874" y="4534373"/>
+            <a:ext cx="3677753" cy="384175"/>
           </a:xfrm>
           <a:prstGeom prst="borderCallout2">
             <a:avLst>
@@ -33367,14 +33544,18 @@
             <a:srgbClr val="FFCCFF"/>
           </a:solidFill>
           <a:ln w="19050">
-            <a:solidFill>
-              <a:schemeClr val="tx1"/>
-            </a:solidFill>
+            <a:noFill/>
             <a:miter lim="800000"/>
             <a:headEnd/>
             <a:tailEnd/>
           </a:ln>
-          <a:effectLst/>
+          <a:effectLst>
+            <a:outerShdw blurRad="50800" dist="38100" algn="l" rotWithShape="0">
+              <a:prstClr val="black">
+                <a:alpha val="40000"/>
+              </a:prstClr>
+            </a:outerShdw>
+          </a:effectLst>
         </p:spPr>
         <p:txBody>
           <a:bodyPr/>
@@ -33384,15 +33565,15 @@
               <a:defRPr/>
             </a:pPr>
             <a:r>
-              <a:rPr lang="en-GB" sz="1600" dirty="0"/>
+              <a:rPr lang="en-GB" sz="1400" dirty="0"/>
               <a:t>Cast produces  a </a:t>
             </a:r>
             <a:r>
-              <a:rPr lang="en-GB" sz="1600" dirty="0" err="1"/>
+              <a:rPr lang="en-GB" sz="1400" dirty="0" err="1"/>
               <a:t>Renderable</a:t>
             </a:r>
             <a:r>
-              <a:rPr lang="en-GB" sz="1600" dirty="0"/>
+              <a:rPr lang="en-GB" sz="1400" dirty="0"/>
               <a:t> reference </a:t>
             </a:r>
           </a:p>
@@ -33528,16 +33709,16 @@
             <a:schemeClr val="bg1"/>
           </a:solidFill>
           <a:ln w="19050">
-            <a:solidFill>
-              <a:srgbClr val="004050"/>
-            </a:solidFill>
+            <a:noFill/>
             <a:miter lim="800000"/>
             <a:headEnd/>
             <a:tailEnd/>
           </a:ln>
           <a:effectLst>
-            <a:outerShdw dist="53882" dir="2700000" algn="ctr" rotWithShape="0">
-              <a:schemeClr val="bg2"/>
+            <a:outerShdw blurRad="50800" dist="38100" algn="l" rotWithShape="0">
+              <a:prstClr val="black">
+                <a:alpha val="40000"/>
+              </a:prstClr>
             </a:outerShdw>
           </a:effectLst>
         </p:spPr>
@@ -33694,16 +33875,16 @@
             </a:schemeClr>
           </a:solidFill>
           <a:ln w="19050">
-            <a:solidFill>
-              <a:srgbClr val="004050"/>
-            </a:solidFill>
+            <a:noFill/>
             <a:miter lim="800000"/>
             <a:headEnd/>
             <a:tailEnd/>
           </a:ln>
           <a:effectLst>
-            <a:outerShdw dist="53882" dir="2700000" algn="ctr" rotWithShape="0">
-              <a:schemeClr val="bg2"/>
+            <a:outerShdw blurRad="50800" dist="38100" algn="l" rotWithShape="0">
+              <a:prstClr val="black">
+                <a:alpha val="40000"/>
+              </a:prstClr>
             </a:outerShdw>
           </a:effectLst>
         </p:spPr>
@@ -34250,16 +34431,16 @@
             <a:schemeClr val="bg1"/>
           </a:solidFill>
           <a:ln w="19050">
-            <a:solidFill>
-              <a:srgbClr val="004050"/>
-            </a:solidFill>
+            <a:noFill/>
             <a:miter lim="800000"/>
             <a:headEnd/>
             <a:tailEnd/>
           </a:ln>
           <a:effectLst>
-            <a:outerShdw dist="53882" dir="2700000" algn="ctr" rotWithShape="0">
-              <a:schemeClr val="bg2"/>
+            <a:outerShdw blurRad="50800" dist="38100" algn="l" rotWithShape="0">
+              <a:prstClr val="black">
+                <a:alpha val="40000"/>
+              </a:prstClr>
             </a:outerShdw>
           </a:effectLst>
         </p:spPr>
@@ -34552,6 +34733,13 @@
               <a:lumOff val="80000"/>
             </a:schemeClr>
           </a:solidFill>
+          <a:effectLst>
+            <a:outerShdw blurRad="50800" dist="38100" algn="l" rotWithShape="0">
+              <a:prstClr val="black">
+                <a:alpha val="40000"/>
+              </a:prstClr>
+            </a:outerShdw>
+          </a:effectLst>
         </p:spPr>
         <p:txBody>
           <a:bodyPr wrap="square">
@@ -36000,6 +36188,32 @@
 </file>
 
 <file path=customXml/item1.xml><?xml version="1.0" encoding="utf-8"?>
+<p:properties xmlns:p="http://schemas.microsoft.com/office/2006/metadata/properties" xmlns:xsi="http://www.w3.org/2001/XMLSchema-instance" xmlns:pc="http://schemas.microsoft.com/office/infopath/2007/PartnerControls">
+  <documentManagement>
+    <SequenceNumber xmlns="6794D9DE-4FDF-4DC0-8B2C-5438320C69D5" xsi:nil="true"/>
+    <IsBuildFile xmlns="6794D9DE-4FDF-4DC0-8B2C-5438320C69D5" xsi:nil="true"/>
+    <BookTypeField0 xmlns="6794D9DE-4FDF-4DC0-8B2C-5438320C69D5">
+      <Terms xmlns="http://schemas.microsoft.com/office/infopath/2007/PartnerControls">
+        <TermInfo xmlns="http://schemas.microsoft.com/office/infopath/2007/PartnerControls">
+          <TermName xmlns="http://schemas.microsoft.com/office/infopath/2007/PartnerControls">IK</TermName>
+          <TermId xmlns="http://schemas.microsoft.com/office/infopath/2007/PartnerControls">5abe6401-e87a-4499-80b4-3d21a1a6ebd7</TermId>
+        </TermInfo>
+      </Terms>
+    </BookTypeField0>
+  </documentManagement>
+</p:properties>
+</file>
+
+<file path=customXml/item2.xml><?xml version="1.0" encoding="utf-8"?>
+<?mso-contentType ?>
+<FormTemplates xmlns="http://schemas.microsoft.com/sharepoint/v3/contenttype/forms">
+  <Display>DocumentLibraryForm</Display>
+  <Edit>DocumentLibraryForm</Edit>
+  <New>DocumentLibraryForm</New>
+</FormTemplates>
+</file>
+
+<file path=customXml/item3.xml><?xml version="1.0" encoding="utf-8"?>
 <ct:contentTypeSchema xmlns:ct="http://schemas.microsoft.com/office/2006/metadata/contentType" xmlns:ma="http://schemas.microsoft.com/office/2006/metadata/properties/metaAttributes" ct:_="" ma:_="" ma:contentTypeName="Courseware" ma:contentTypeID="0x010100F0967B7CEE8D417F966757887D9466FB00B3EF5B1D149FDF49B1880C030D548140" ma:contentTypeVersion="0" ma:contentTypeDescription="Base content type which represents courseware documents" ma:contentTypeScope="" ma:versionID="ab0d7ca79e0ea5a537b031f986da336c">
   <xsd:schema xmlns:xsd="http://www.w3.org/2001/XMLSchema" xmlns:xs="http://www.w3.org/2001/XMLSchema" xmlns:p="http://schemas.microsoft.com/office/2006/metadata/properties" xmlns:ns2="6794D9DE-4FDF-4DC0-8B2C-5438320C69D5" targetNamespace="http://schemas.microsoft.com/office/2006/metadata/properties" ma:root="true" ma:fieldsID="7ff8e7c62cc10108c036e94c947d8fb9" ns2:_="">
     <xsd:import namespace="6794D9DE-4FDF-4DC0-8B2C-5438320C69D5"/>
@@ -36139,33 +36353,31 @@
 </ct:contentTypeSchema>
 </file>
 
-<file path=customXml/item2.xml><?xml version="1.0" encoding="utf-8"?>
-<?mso-contentType ?>
-<FormTemplates xmlns="http://schemas.microsoft.com/sharepoint/v3/contenttype/forms">
-  <Display>DocumentLibraryForm</Display>
-  <Edit>DocumentLibraryForm</Edit>
-  <New>DocumentLibraryForm</New>
-</FormTemplates>
+<file path=customXml/itemProps1.xml><?xml version="1.0" encoding="utf-8"?>
+<ds:datastoreItem xmlns:ds="http://schemas.openxmlformats.org/officeDocument/2006/customXml" ds:itemID="{B8CA8464-660D-407C-9BC6-65570507D9BC}">
+  <ds:schemaRefs>
+    <ds:schemaRef ds:uri="http://schemas.microsoft.com/office/2006/documentManagement/types"/>
+    <ds:schemaRef ds:uri="http://purl.org/dc/dcmitype/"/>
+    <ds:schemaRef ds:uri="6794D9DE-4FDF-4DC0-8B2C-5438320C69D5"/>
+    <ds:schemaRef ds:uri="http://schemas.microsoft.com/office/2006/metadata/properties"/>
+    <ds:schemaRef ds:uri="http://purl.org/dc/terms/"/>
+    <ds:schemaRef ds:uri="http://purl.org/dc/elements/1.1/"/>
+    <ds:schemaRef ds:uri="http://schemas.openxmlformats.org/package/2006/metadata/core-properties"/>
+    <ds:schemaRef ds:uri="http://schemas.microsoft.com/office/infopath/2007/PartnerControls"/>
+    <ds:schemaRef ds:uri="http://www.w3.org/XML/1998/namespace"/>
+  </ds:schemaRefs>
+</ds:datastoreItem>
 </file>
 
-<file path=customXml/item3.xml><?xml version="1.0" encoding="utf-8"?>
-<p:properties xmlns:p="http://schemas.microsoft.com/office/2006/metadata/properties" xmlns:xsi="http://www.w3.org/2001/XMLSchema-instance" xmlns:pc="http://schemas.microsoft.com/office/infopath/2007/PartnerControls">
-  <documentManagement>
-    <SequenceNumber xmlns="6794D9DE-4FDF-4DC0-8B2C-5438320C69D5" xsi:nil="true"/>
-    <IsBuildFile xmlns="6794D9DE-4FDF-4DC0-8B2C-5438320C69D5" xsi:nil="true"/>
-    <BookTypeField0 xmlns="6794D9DE-4FDF-4DC0-8B2C-5438320C69D5">
-      <Terms xmlns="http://schemas.microsoft.com/office/infopath/2007/PartnerControls">
-        <TermInfo xmlns="http://schemas.microsoft.com/office/infopath/2007/PartnerControls">
-          <TermName xmlns="http://schemas.microsoft.com/office/infopath/2007/PartnerControls">IK</TermName>
-          <TermId xmlns="http://schemas.microsoft.com/office/infopath/2007/PartnerControls">5abe6401-e87a-4499-80b4-3d21a1a6ebd7</TermId>
-        </TermInfo>
-      </Terms>
-    </BookTypeField0>
-  </documentManagement>
-</p:properties>
+<file path=customXml/itemProps2.xml><?xml version="1.0" encoding="utf-8"?>
+<ds:datastoreItem xmlns:ds="http://schemas.openxmlformats.org/officeDocument/2006/customXml" ds:itemID="{F5EE1230-8E06-4B7E-922E-37040E46E781}">
+  <ds:schemaRefs>
+    <ds:schemaRef ds:uri="http://schemas.microsoft.com/sharepoint/v3/contenttype/forms"/>
+  </ds:schemaRefs>
+</ds:datastoreItem>
 </file>
 
-<file path=customXml/itemProps1.xml><?xml version="1.0" encoding="utf-8"?>
+<file path=customXml/itemProps3.xml><?xml version="1.0" encoding="utf-8"?>
 <ds:datastoreItem xmlns:ds="http://schemas.openxmlformats.org/officeDocument/2006/customXml" ds:itemID="{BA980A2A-027D-4974-B588-4101B49F521D}">
   <ds:schemaRefs>
     <ds:schemaRef ds:uri="http://schemas.microsoft.com/office/2006/metadata/contentType"/>
@@ -36181,28 +36393,4 @@
     <ds:schemaRef ds:uri="http://schemas.microsoft.com/internal/obd"/>
   </ds:schemaRefs>
 </ds:datastoreItem>
-</file>
-
-<file path=customXml/itemProps2.xml><?xml version="1.0" encoding="utf-8"?>
-<ds:datastoreItem xmlns:ds="http://schemas.openxmlformats.org/officeDocument/2006/customXml" ds:itemID="{F5EE1230-8E06-4B7E-922E-37040E46E781}">
-  <ds:schemaRefs>
-    <ds:schemaRef ds:uri="http://schemas.microsoft.com/sharepoint/v3/contenttype/forms"/>
-  </ds:schemaRefs>
-</ds:datastoreItem>
-</file>
-
-<file path=customXml/itemProps3.xml><?xml version="1.0" encoding="utf-8"?>
-<ds:datastoreItem xmlns:ds="http://schemas.openxmlformats.org/officeDocument/2006/customXml" ds:itemID="{B8CA8464-660D-407C-9BC6-65570507D9BC}">
-  <ds:schemaRefs>
-    <ds:schemaRef ds:uri="http://schemas.microsoft.com/office/2006/documentManagement/types"/>
-    <ds:schemaRef ds:uri="http://purl.org/dc/dcmitype/"/>
-    <ds:schemaRef ds:uri="6794D9DE-4FDF-4DC0-8B2C-5438320C69D5"/>
-    <ds:schemaRef ds:uri="http://schemas.microsoft.com/office/2006/metadata/properties"/>
-    <ds:schemaRef ds:uri="http://purl.org/dc/terms/"/>
-    <ds:schemaRef ds:uri="http://purl.org/dc/elements/1.1/"/>
-    <ds:schemaRef ds:uri="http://schemas.openxmlformats.org/package/2006/metadata/core-properties"/>
-    <ds:schemaRef ds:uri="http://schemas.microsoft.com/office/infopath/2007/PartnerControls"/>
-    <ds:schemaRef ds:uri="http://www.w3.org/XML/1998/namespace"/>
-  </ds:schemaRefs>
-</ds:datastoreItem>
 </file>
--- a/10-Interfaces.pptx
+++ b/10-Interfaces.pptx
@@ -5,10 +5,10 @@
     <p:sldMasterId id="2147483648" r:id="rId4"/>
   </p:sldMasterIdLst>
   <p:notesMasterIdLst>
-    <p:notesMasterId r:id="rId16"/>
+    <p:notesMasterId r:id="rId17"/>
   </p:notesMasterIdLst>
   <p:handoutMasterIdLst>
-    <p:handoutMasterId r:id="rId17"/>
+    <p:handoutMasterId r:id="rId18"/>
   </p:handoutMasterIdLst>
   <p:sldIdLst>
     <p:sldId id="299" r:id="rId5"/>
@@ -18,15 +18,16 @@
     <p:sldId id="802" r:id="rId9"/>
     <p:sldId id="803" r:id="rId10"/>
     <p:sldId id="804" r:id="rId11"/>
-    <p:sldId id="805" r:id="rId12"/>
-    <p:sldId id="811" r:id="rId13"/>
-    <p:sldId id="824" r:id="rId14"/>
-    <p:sldId id="823" r:id="rId15"/>
+    <p:sldId id="825" r:id="rId12"/>
+    <p:sldId id="805" r:id="rId13"/>
+    <p:sldId id="811" r:id="rId14"/>
+    <p:sldId id="824" r:id="rId15"/>
+    <p:sldId id="823" r:id="rId16"/>
   </p:sldIdLst>
   <p:sldSz cx="12192000" cy="6858000"/>
   <p:notesSz cx="6645275" cy="9775825"/>
   <p:custDataLst>
-    <p:tags r:id="rId18"/>
+    <p:tags r:id="rId19"/>
   </p:custDataLst>
   <p:defaultTextStyle>
     <a:defPPr>
@@ -135,6 +136,7 @@
             <p14:sldId id="802"/>
             <p14:sldId id="803"/>
             <p14:sldId id="804"/>
+            <p14:sldId id="825"/>
             <p14:sldId id="805"/>
             <p14:sldId id="811"/>
             <p14:sldId id="824"/>
@@ -2886,7 +2888,7 @@
           <a:p>
             <a:fld id="{86D088FE-3E68-47FE-8BA4-634CD34BABBC}" type="datetimeFigureOut">
               <a:rPr lang="en-GB" smtClean="0"/>
-              <a:t>05/12/2025</a:t>
+              <a:t>10/12/2025</a:t>
             </a:fld>
             <a:endParaRPr lang="en-GB"/>
           </a:p>
@@ -3056,7 +3058,7 @@
             <a:fld id="{1D6B66C6-1E92-0F4E-A300-9D4ED1F0C23F}" type="datetimeFigureOut">
               <a:rPr lang="en-GB" smtClean="0"/>
               <a:pPr/>
-              <a:t>05/12/2025</a:t>
+              <a:t>10/12/2025</a:t>
             </a:fld>
             <a:endParaRPr lang="en-GB"/>
           </a:p>
@@ -3413,6 +3415,96 @@
 </p:notes>
 </file>
 
+<file path=ppt/notesSlides/notesSlide10.xml><?xml version="1.0" encoding="utf-8"?>
+<p:notes xmlns:a="http://schemas.openxmlformats.org/drawingml/2006/main" xmlns:r="http://schemas.openxmlformats.org/officeDocument/2006/relationships" xmlns:p="http://schemas.openxmlformats.org/presentationml/2006/main">
+  <p:cSld>
+    <p:spTree>
+      <p:nvGrpSpPr>
+        <p:cNvPr id="1" name=""/>
+        <p:cNvGrpSpPr/>
+        <p:nvPr/>
+      </p:nvGrpSpPr>
+      <p:grpSpPr>
+        <a:xfrm>
+          <a:off x="0" y="0"/>
+          <a:ext cx="0" cy="0"/>
+          <a:chOff x="0" y="0"/>
+          <a:chExt cx="0" cy="0"/>
+        </a:xfrm>
+      </p:grpSpPr>
+      <p:sp>
+        <p:nvSpPr>
+          <p:cNvPr id="58370" name="Rectangle 2"/>
+          <p:cNvSpPr>
+            <a:spLocks noGrp="1" noRot="1" noChangeAspect="1" noChangeArrowheads="1" noTextEdit="1"/>
+          </p:cNvSpPr>
+          <p:nvPr>
+            <p:ph type="sldImg"/>
+          </p:nvPr>
+        </p:nvSpPr>
+        <p:spPr>
+          <a:ln/>
+        </p:spPr>
+      </p:sp>
+      <p:sp>
+        <p:nvSpPr>
+          <p:cNvPr id="58371" name="Rectangle 3"/>
+          <p:cNvSpPr>
+            <a:spLocks noGrp="1" noChangeArrowheads="1"/>
+          </p:cNvSpPr>
+          <p:nvPr>
+            <p:ph type="body" idx="1"/>
+          </p:nvPr>
+        </p:nvSpPr>
+        <p:spPr>
+          <a:noFill/>
+          <a:ln/>
+        </p:spPr>
+        <p:txBody>
+          <a:bodyPr/>
+          <a:lstStyle/>
+          <a:p>
+            <a:endParaRPr lang="en-US"/>
+          </a:p>
+        </p:txBody>
+      </p:sp>
+      <p:sp>
+        <p:nvSpPr>
+          <p:cNvPr id="2" name="Slide Number Placeholder 1"/>
+          <p:cNvSpPr>
+            <a:spLocks noGrp="1"/>
+          </p:cNvSpPr>
+          <p:nvPr>
+            <p:ph type="sldNum" sz="quarter" idx="10"/>
+          </p:nvPr>
+        </p:nvSpPr>
+        <p:spPr/>
+        <p:txBody>
+          <a:bodyPr/>
+          <a:lstStyle/>
+          <a:p>
+            <a:fld id="{548901C6-1DA1-FB44-ABEE-06A0FEB7738E}" type="slidenum">
+              <a:rPr lang="en-GB" smtClean="0"/>
+              <a:pPr/>
+              <a:t>12</a:t>
+            </a:fld>
+            <a:endParaRPr lang="en-GB"/>
+          </a:p>
+        </p:txBody>
+      </p:sp>
+    </p:spTree>
+    <p:extLst>
+      <p:ext uri="{BB962C8B-B14F-4D97-AF65-F5344CB8AC3E}">
+        <p14:creationId xmlns:p14="http://schemas.microsoft.com/office/powerpoint/2010/main" val="1235038837"/>
+      </p:ext>
+    </p:extLst>
+  </p:cSld>
+  <p:clrMapOvr>
+    <a:masterClrMapping/>
+  </p:clrMapOvr>
+</p:notes>
+</file>
+
 <file path=ppt/notesSlides/notesSlide2.xml><?xml version="1.0" encoding="utf-8"?>
 <p:notes xmlns:a="http://schemas.openxmlformats.org/drawingml/2006/main" xmlns:r="http://schemas.openxmlformats.org/officeDocument/2006/relationships" xmlns:p="http://schemas.openxmlformats.org/presentationml/2006/main">
   <p:cSld>
@@ -3873,6 +3965,90 @@
   <p:cSld>
     <p:spTree>
       <p:nvGrpSpPr>
+        <p:cNvPr id="1" name="">
+          <a:extLst>
+            <a:ext uri="{FF2B5EF4-FFF2-40B4-BE49-F238E27FC236}">
+              <a16:creationId xmlns:a16="http://schemas.microsoft.com/office/drawing/2014/main" id="{9687E079-1D71-A738-6A68-15446AC8D0C7}"/>
+            </a:ext>
+          </a:extLst>
+        </p:cNvPr>
+        <p:cNvGrpSpPr/>
+        <p:nvPr/>
+      </p:nvGrpSpPr>
+      <p:grpSpPr>
+        <a:xfrm>
+          <a:off x="0" y="0"/>
+          <a:ext cx="0" cy="0"/>
+          <a:chOff x="0" y="0"/>
+          <a:chExt cx="0" cy="0"/>
+        </a:xfrm>
+      </p:grpSpPr>
+      <p:sp>
+        <p:nvSpPr>
+          <p:cNvPr id="27650" name="Rectangle 2">
+            <a:extLst>
+              <a:ext uri="{FF2B5EF4-FFF2-40B4-BE49-F238E27FC236}">
+                <a16:creationId xmlns:a16="http://schemas.microsoft.com/office/drawing/2014/main" id="{1BF6582D-624A-D533-F951-16C7F50941DD}"/>
+              </a:ext>
+            </a:extLst>
+          </p:cNvPr>
+          <p:cNvSpPr>
+            <a:spLocks noGrp="1" noRot="1" noChangeAspect="1" noChangeArrowheads="1" noTextEdit="1"/>
+          </p:cNvSpPr>
+          <p:nvPr>
+            <p:ph type="sldImg"/>
+          </p:nvPr>
+        </p:nvSpPr>
+        <p:spPr>
+          <a:ln/>
+        </p:spPr>
+      </p:sp>
+      <p:sp>
+        <p:nvSpPr>
+          <p:cNvPr id="27651" name="Rectangle 3">
+            <a:extLst>
+              <a:ext uri="{FF2B5EF4-FFF2-40B4-BE49-F238E27FC236}">
+                <a16:creationId xmlns:a16="http://schemas.microsoft.com/office/drawing/2014/main" id="{5816F3A0-4941-548D-773E-873DAE307D6D}"/>
+              </a:ext>
+            </a:extLst>
+          </p:cNvPr>
+          <p:cNvSpPr>
+            <a:spLocks noGrp="1" noChangeArrowheads="1"/>
+          </p:cNvSpPr>
+          <p:nvPr>
+            <p:ph type="body" idx="1"/>
+          </p:nvPr>
+        </p:nvSpPr>
+        <p:spPr>
+          <a:noFill/>
+          <a:ln/>
+        </p:spPr>
+        <p:txBody>
+          <a:bodyPr/>
+          <a:lstStyle/>
+          <a:p>
+            <a:endParaRPr lang="en-GB" dirty="0"/>
+          </a:p>
+        </p:txBody>
+      </p:sp>
+    </p:spTree>
+    <p:extLst>
+      <p:ext uri="{BB962C8B-B14F-4D97-AF65-F5344CB8AC3E}">
+        <p14:creationId xmlns:p14="http://schemas.microsoft.com/office/powerpoint/2010/main" val="3264251119"/>
+      </p:ext>
+    </p:extLst>
+  </p:cSld>
+  <p:clrMapOvr>
+    <a:masterClrMapping/>
+  </p:clrMapOvr>
+</p:notes>
+</file>
+
+<file path=ppt/notesSlides/notesSlide8.xml><?xml version="1.0" encoding="utf-8"?>
+<p:notes xmlns:a="http://schemas.openxmlformats.org/drawingml/2006/main" xmlns:r="http://schemas.openxmlformats.org/officeDocument/2006/relationships" xmlns:p="http://schemas.openxmlformats.org/presentationml/2006/main">
+  <p:cSld>
+    <p:spTree>
+      <p:nvGrpSpPr>
         <p:cNvPr id="1" name=""/>
         <p:cNvGrpSpPr/>
         <p:nvPr/>
@@ -3940,7 +4116,7 @@
 </p:notes>
 </file>
 
-<file path=ppt/notesSlides/notesSlide8.xml><?xml version="1.0" encoding="utf-8"?>
+<file path=ppt/notesSlides/notesSlide9.xml><?xml version="1.0" encoding="utf-8"?>
 <p:notes xmlns:a="http://schemas.openxmlformats.org/drawingml/2006/main" xmlns:r="http://schemas.openxmlformats.org/officeDocument/2006/relationships" xmlns:p="http://schemas.openxmlformats.org/presentationml/2006/main">
   <p:cSld>
     <p:spTree>
@@ -4011,7 +4187,7 @@
             <a:fld id="{548901C6-1DA1-FB44-ABEE-06A0FEB7738E}" type="slidenum">
               <a:rPr lang="en-GB" smtClean="0"/>
               <a:pPr/>
-              <a:t>10</a:t>
+              <a:t>11</a:t>
             </a:fld>
             <a:endParaRPr lang="en-GB"/>
           </a:p>
@@ -4021,96 +4197,6 @@
     <p:extLst>
       <p:ext uri="{BB962C8B-B14F-4D97-AF65-F5344CB8AC3E}">
         <p14:creationId xmlns:p14="http://schemas.microsoft.com/office/powerpoint/2010/main" val="2280072160"/>
-      </p:ext>
-    </p:extLst>
-  </p:cSld>
-  <p:clrMapOvr>
-    <a:masterClrMapping/>
-  </p:clrMapOvr>
-</p:notes>
-</file>
-
-<file path=ppt/notesSlides/notesSlide9.xml><?xml version="1.0" encoding="utf-8"?>
-<p:notes xmlns:a="http://schemas.openxmlformats.org/drawingml/2006/main" xmlns:r="http://schemas.openxmlformats.org/officeDocument/2006/relationships" xmlns:p="http://schemas.openxmlformats.org/presentationml/2006/main">
-  <p:cSld>
-    <p:spTree>
-      <p:nvGrpSpPr>
-        <p:cNvPr id="1" name=""/>
-        <p:cNvGrpSpPr/>
-        <p:nvPr/>
-      </p:nvGrpSpPr>
-      <p:grpSpPr>
-        <a:xfrm>
-          <a:off x="0" y="0"/>
-          <a:ext cx="0" cy="0"/>
-          <a:chOff x="0" y="0"/>
-          <a:chExt cx="0" cy="0"/>
-        </a:xfrm>
-      </p:grpSpPr>
-      <p:sp>
-        <p:nvSpPr>
-          <p:cNvPr id="58370" name="Rectangle 2"/>
-          <p:cNvSpPr>
-            <a:spLocks noGrp="1" noRot="1" noChangeAspect="1" noChangeArrowheads="1" noTextEdit="1"/>
-          </p:cNvSpPr>
-          <p:nvPr>
-            <p:ph type="sldImg"/>
-          </p:nvPr>
-        </p:nvSpPr>
-        <p:spPr>
-          <a:ln/>
-        </p:spPr>
-      </p:sp>
-      <p:sp>
-        <p:nvSpPr>
-          <p:cNvPr id="58371" name="Rectangle 3"/>
-          <p:cNvSpPr>
-            <a:spLocks noGrp="1" noChangeArrowheads="1"/>
-          </p:cNvSpPr>
-          <p:nvPr>
-            <p:ph type="body" idx="1"/>
-          </p:nvPr>
-        </p:nvSpPr>
-        <p:spPr>
-          <a:noFill/>
-          <a:ln/>
-        </p:spPr>
-        <p:txBody>
-          <a:bodyPr/>
-          <a:lstStyle/>
-          <a:p>
-            <a:endParaRPr lang="en-US"/>
-          </a:p>
-        </p:txBody>
-      </p:sp>
-      <p:sp>
-        <p:nvSpPr>
-          <p:cNvPr id="2" name="Slide Number Placeholder 1"/>
-          <p:cNvSpPr>
-            <a:spLocks noGrp="1"/>
-          </p:cNvSpPr>
-          <p:nvPr>
-            <p:ph type="sldNum" sz="quarter" idx="10"/>
-          </p:nvPr>
-        </p:nvSpPr>
-        <p:spPr/>
-        <p:txBody>
-          <a:bodyPr/>
-          <a:lstStyle/>
-          <a:p>
-            <a:fld id="{548901C6-1DA1-FB44-ABEE-06A0FEB7738E}" type="slidenum">
-              <a:rPr lang="en-GB" smtClean="0"/>
-              <a:pPr/>
-              <a:t>11</a:t>
-            </a:fld>
-            <a:endParaRPr lang="en-GB"/>
-          </a:p>
-        </p:txBody>
-      </p:sp>
-    </p:spTree>
-    <p:extLst>
-      <p:ext uri="{BB962C8B-B14F-4D97-AF65-F5344CB8AC3E}">
-        <p14:creationId xmlns:p14="http://schemas.microsoft.com/office/powerpoint/2010/main" val="1235038837"/>
       </p:ext>
     </p:extLst>
   </p:cSld>
@@ -29196,6 +29282,784 @@
       </p:grpSpPr>
       <p:sp>
         <p:nvSpPr>
+          <p:cNvPr id="2" name="Slide Number Placeholder 1">
+            <a:extLst>
+              <a:ext uri="{FF2B5EF4-FFF2-40B4-BE49-F238E27FC236}">
+                <a16:creationId xmlns:a16="http://schemas.microsoft.com/office/drawing/2014/main" id="{EDA65B5B-1413-AFEE-1B19-E1C311D99BC2}"/>
+              </a:ext>
+            </a:extLst>
+          </p:cNvPr>
+          <p:cNvSpPr>
+            <a:spLocks noGrp="1"/>
+          </p:cNvSpPr>
+          <p:nvPr>
+            <p:ph type="sldNum" sz="quarter" idx="4"/>
+          </p:nvPr>
+        </p:nvSpPr>
+        <p:spPr/>
+        <p:txBody>
+          <a:bodyPr/>
+          <a:lstStyle/>
+          <a:p>
+            <a:fld id="{EF892D59-8F09-EF4B-AD6D-DA609442F868}" type="slidenum">
+              <a:rPr lang="en-GB" smtClean="0"/>
+              <a:pPr/>
+              <a:t>10</a:t>
+            </a:fld>
+            <a:endParaRPr lang="en-GB" dirty="0"/>
+          </a:p>
+        </p:txBody>
+      </p:sp>
+      <p:sp>
+        <p:nvSpPr>
+          <p:cNvPr id="3" name="Title 2">
+            <a:extLst>
+              <a:ext uri="{FF2B5EF4-FFF2-40B4-BE49-F238E27FC236}">
+                <a16:creationId xmlns:a16="http://schemas.microsoft.com/office/drawing/2014/main" id="{2B46FBA8-7D51-749A-AE93-EF85E4F8EBDE}"/>
+              </a:ext>
+            </a:extLst>
+          </p:cNvPr>
+          <p:cNvSpPr>
+            <a:spLocks noGrp="1"/>
+          </p:cNvSpPr>
+          <p:nvPr>
+            <p:ph type="title"/>
+          </p:nvPr>
+        </p:nvSpPr>
+        <p:spPr/>
+        <p:txBody>
+          <a:bodyPr/>
+          <a:lstStyle/>
+          <a:p>
+            <a:r>
+              <a:rPr lang="en-GB" dirty="0"/>
+              <a:t>Extending Interfaces</a:t>
+            </a:r>
+          </a:p>
+        </p:txBody>
+      </p:sp>
+      <p:pic>
+        <p:nvPicPr>
+          <p:cNvPr id="6" name="Picture 5">
+            <a:extLst>
+              <a:ext uri="{FF2B5EF4-FFF2-40B4-BE49-F238E27FC236}">
+                <a16:creationId xmlns:a16="http://schemas.microsoft.com/office/drawing/2014/main" id="{168F9B9A-F556-86B2-5A3C-918DF879D30D}"/>
+              </a:ext>
+            </a:extLst>
+          </p:cNvPr>
+          <p:cNvPicPr>
+            <a:picLocks noChangeAspect="1"/>
+          </p:cNvPicPr>
+          <p:nvPr/>
+        </p:nvPicPr>
+        <p:blipFill>
+          <a:blip r:embed="rId2"/>
+          <a:stretch>
+            <a:fillRect/>
+          </a:stretch>
+        </p:blipFill>
+        <p:spPr>
+          <a:xfrm>
+            <a:off x="527050" y="1368256"/>
+            <a:ext cx="1943100" cy="4648200"/>
+          </a:xfrm>
+          <a:prstGeom prst="rect">
+            <a:avLst/>
+          </a:prstGeom>
+        </p:spPr>
+      </p:pic>
+      <p:sp>
+        <p:nvSpPr>
+          <p:cNvPr id="8" name="TextBox 7">
+            <a:extLst>
+              <a:ext uri="{FF2B5EF4-FFF2-40B4-BE49-F238E27FC236}">
+                <a16:creationId xmlns:a16="http://schemas.microsoft.com/office/drawing/2014/main" id="{F4C25988-E75E-1F39-3DB1-FEBE36A503FC}"/>
+              </a:ext>
+            </a:extLst>
+          </p:cNvPr>
+          <p:cNvSpPr txBox="1"/>
+          <p:nvPr/>
+        </p:nvSpPr>
+        <p:spPr>
+          <a:xfrm>
+            <a:off x="5513427" y="1544018"/>
+            <a:ext cx="6287177" cy="4493538"/>
+          </a:xfrm>
+          <a:prstGeom prst="rect">
+            <a:avLst/>
+          </a:prstGeom>
+          <a:solidFill>
+            <a:schemeClr val="accent5">
+              <a:lumMod val="20000"/>
+              <a:lumOff val="80000"/>
+            </a:schemeClr>
+          </a:solidFill>
+          <a:effectLst>
+            <a:outerShdw blurRad="50800" dist="38100" algn="l" rotWithShape="0">
+              <a:prstClr val="black">
+                <a:alpha val="40000"/>
+              </a:prstClr>
+            </a:outerShdw>
+          </a:effectLst>
+        </p:spPr>
+        <p:txBody>
+          <a:bodyPr wrap="square">
+            <a:spAutoFit/>
+          </a:bodyPr>
+          <a:lstStyle/>
+          <a:p>
+            <a:r>
+              <a:rPr lang="en-GB" sz="1600" b="1" dirty="0">
+                <a:solidFill>
+                  <a:srgbClr val="0000FF"/>
+                </a:solidFill>
+                <a:latin typeface="Cascadia Mono" panose="020B0609020000020004" pitchFamily="49" charset="0"/>
+              </a:rPr>
+              <a:t>public</a:t>
+            </a:r>
+            <a:r>
+              <a:rPr lang="en-GB" sz="1600" b="1" dirty="0">
+                <a:solidFill>
+                  <a:srgbClr val="000000"/>
+                </a:solidFill>
+                <a:latin typeface="Cascadia Mono" panose="020B0609020000020004" pitchFamily="49" charset="0"/>
+              </a:rPr>
+              <a:t> </a:t>
+            </a:r>
+            <a:r>
+              <a:rPr lang="en-GB" sz="1600" b="1" dirty="0">
+                <a:solidFill>
+                  <a:srgbClr val="0000FF"/>
+                </a:solidFill>
+                <a:latin typeface="Cascadia Mono" panose="020B0609020000020004" pitchFamily="49" charset="0"/>
+              </a:rPr>
+              <a:t>class</a:t>
+            </a:r>
+            <a:r>
+              <a:rPr lang="en-GB" sz="1600" b="1" dirty="0">
+                <a:solidFill>
+                  <a:srgbClr val="000000"/>
+                </a:solidFill>
+                <a:latin typeface="Cascadia Mono" panose="020B0609020000020004" pitchFamily="49" charset="0"/>
+              </a:rPr>
+              <a:t> </a:t>
+            </a:r>
+            <a:r>
+              <a:rPr lang="en-GB" sz="1600" b="1" dirty="0" err="1">
+                <a:solidFill>
+                  <a:srgbClr val="2B91AF"/>
+                </a:solidFill>
+                <a:latin typeface="Cascadia Mono" panose="020B0609020000020004" pitchFamily="49" charset="0"/>
+              </a:rPr>
+              <a:t>BankAccount</a:t>
+            </a:r>
+            <a:r>
+              <a:rPr lang="en-GB" sz="1600" b="1" dirty="0">
+                <a:solidFill>
+                  <a:srgbClr val="000000"/>
+                </a:solidFill>
+                <a:latin typeface="Cascadia Mono" panose="020B0609020000020004" pitchFamily="49" charset="0"/>
+              </a:rPr>
+              <a:t> </a:t>
+            </a:r>
+            <a:r>
+              <a:rPr lang="en-GB" sz="2000" b="1" dirty="0">
+                <a:solidFill>
+                  <a:srgbClr val="7F0055"/>
+                </a:solidFill>
+                <a:latin typeface="Consolas" panose="020B0609020204030204" pitchFamily="49" charset="0"/>
+              </a:rPr>
+              <a:t>:</a:t>
+            </a:r>
+            <a:r>
+              <a:rPr lang="en-GB" sz="1600" b="1" dirty="0">
+                <a:solidFill>
+                  <a:srgbClr val="000000"/>
+                </a:solidFill>
+                <a:latin typeface="Cascadia Mono" panose="020B0609020000020004" pitchFamily="49" charset="0"/>
+              </a:rPr>
+              <a:t> </a:t>
+            </a:r>
+            <a:r>
+              <a:rPr lang="en-GB" sz="1600" b="1" dirty="0" err="1">
+                <a:solidFill>
+                  <a:srgbClr val="000000"/>
+                </a:solidFill>
+                <a:latin typeface="Cascadia Mono" panose="020B0609020000020004" pitchFamily="49" charset="0"/>
+              </a:rPr>
+              <a:t>IAdminAccount</a:t>
+            </a:r>
+            <a:endParaRPr lang="en-GB" sz="1600" b="1" dirty="0">
+              <a:solidFill>
+                <a:srgbClr val="000000"/>
+              </a:solidFill>
+              <a:latin typeface="Cascadia Mono" panose="020B0609020000020004" pitchFamily="49" charset="0"/>
+            </a:endParaRPr>
+          </a:p>
+          <a:p>
+            <a:r>
+              <a:rPr lang="en-GB" sz="1400" dirty="0">
+                <a:solidFill>
+                  <a:srgbClr val="000000"/>
+                </a:solidFill>
+                <a:latin typeface="Cascadia Mono" panose="020B0609020000020004" pitchFamily="49" charset="0"/>
+              </a:rPr>
+              <a:t>{</a:t>
+            </a:r>
+          </a:p>
+          <a:p>
+            <a:r>
+              <a:rPr lang="en-GB" sz="1400" dirty="0">
+                <a:solidFill>
+                  <a:srgbClr val="000000"/>
+                </a:solidFill>
+                <a:latin typeface="Cascadia Mono" panose="020B0609020000020004" pitchFamily="49" charset="0"/>
+              </a:rPr>
+              <a:t>    </a:t>
+            </a:r>
+            <a:r>
+              <a:rPr lang="en-GB" sz="1400" dirty="0">
+                <a:solidFill>
+                  <a:srgbClr val="0000FF"/>
+                </a:solidFill>
+                <a:latin typeface="Cascadia Mono" panose="020B0609020000020004" pitchFamily="49" charset="0"/>
+              </a:rPr>
+              <a:t>public</a:t>
+            </a:r>
+            <a:r>
+              <a:rPr lang="en-GB" sz="1400" dirty="0">
+                <a:solidFill>
+                  <a:srgbClr val="000000"/>
+                </a:solidFill>
+                <a:latin typeface="Cascadia Mono" panose="020B0609020000020004" pitchFamily="49" charset="0"/>
+              </a:rPr>
+              <a:t> </a:t>
+            </a:r>
+            <a:r>
+              <a:rPr lang="en-GB" sz="1400" dirty="0">
+                <a:solidFill>
+                  <a:srgbClr val="0000FF"/>
+                </a:solidFill>
+                <a:latin typeface="Cascadia Mono" panose="020B0609020000020004" pitchFamily="49" charset="0"/>
+              </a:rPr>
+              <a:t>void</a:t>
+            </a:r>
+            <a:r>
+              <a:rPr lang="en-GB" sz="1400" dirty="0">
+                <a:solidFill>
+                  <a:srgbClr val="000000"/>
+                </a:solidFill>
+                <a:latin typeface="Cascadia Mono" panose="020B0609020000020004" pitchFamily="49" charset="0"/>
+              </a:rPr>
+              <a:t> </a:t>
+            </a:r>
+            <a:r>
+              <a:rPr lang="en-GB" sz="1400" dirty="0" err="1">
+                <a:solidFill>
+                  <a:srgbClr val="000000"/>
+                </a:solidFill>
+                <a:latin typeface="Cascadia Mono" panose="020B0609020000020004" pitchFamily="49" charset="0"/>
+              </a:rPr>
+              <a:t>changeID</a:t>
+            </a:r>
+            <a:r>
+              <a:rPr lang="en-GB" sz="1400" dirty="0">
+                <a:solidFill>
+                  <a:srgbClr val="000000"/>
+                </a:solidFill>
+                <a:latin typeface="Cascadia Mono" panose="020B0609020000020004" pitchFamily="49" charset="0"/>
+              </a:rPr>
+              <a:t>() {</a:t>
+            </a:r>
+          </a:p>
+          <a:p>
+            <a:r>
+              <a:rPr lang="en-GB" sz="1400" dirty="0">
+                <a:solidFill>
+                  <a:srgbClr val="000000"/>
+                </a:solidFill>
+                <a:latin typeface="Cascadia Mono" panose="020B0609020000020004" pitchFamily="49" charset="0"/>
+              </a:rPr>
+              <a:t>    }</a:t>
+            </a:r>
+          </a:p>
+          <a:p>
+            <a:endParaRPr lang="en-GB" sz="1400" dirty="0">
+              <a:solidFill>
+                <a:srgbClr val="000000"/>
+              </a:solidFill>
+              <a:latin typeface="Cascadia Mono" panose="020B0609020000020004" pitchFamily="49" charset="0"/>
+            </a:endParaRPr>
+          </a:p>
+          <a:p>
+            <a:r>
+              <a:rPr lang="en-GB" sz="1400" dirty="0">
+                <a:solidFill>
+                  <a:srgbClr val="000000"/>
+                </a:solidFill>
+                <a:latin typeface="Cascadia Mono" panose="020B0609020000020004" pitchFamily="49" charset="0"/>
+              </a:rPr>
+              <a:t>    </a:t>
+            </a:r>
+            <a:r>
+              <a:rPr lang="en-GB" sz="1400" dirty="0">
+                <a:solidFill>
+                  <a:srgbClr val="0000FF"/>
+                </a:solidFill>
+                <a:latin typeface="Cascadia Mono" panose="020B0609020000020004" pitchFamily="49" charset="0"/>
+              </a:rPr>
+              <a:t>public</a:t>
+            </a:r>
+            <a:r>
+              <a:rPr lang="en-GB" sz="1400" dirty="0">
+                <a:solidFill>
+                  <a:srgbClr val="000000"/>
+                </a:solidFill>
+                <a:latin typeface="Cascadia Mono" panose="020B0609020000020004" pitchFamily="49" charset="0"/>
+              </a:rPr>
+              <a:t> </a:t>
+            </a:r>
+            <a:r>
+              <a:rPr lang="en-GB" sz="1400" dirty="0">
+                <a:solidFill>
+                  <a:srgbClr val="0000FF"/>
+                </a:solidFill>
+                <a:latin typeface="Cascadia Mono" panose="020B0609020000020004" pitchFamily="49" charset="0"/>
+              </a:rPr>
+              <a:t>void</a:t>
+            </a:r>
+            <a:r>
+              <a:rPr lang="en-GB" sz="1400" dirty="0">
+                <a:solidFill>
+                  <a:srgbClr val="000000"/>
+                </a:solidFill>
+                <a:latin typeface="Cascadia Mono" panose="020B0609020000020004" pitchFamily="49" charset="0"/>
+              </a:rPr>
+              <a:t> </a:t>
+            </a:r>
+            <a:r>
+              <a:rPr lang="en-GB" sz="1400" dirty="0" err="1">
+                <a:solidFill>
+                  <a:srgbClr val="000000"/>
+                </a:solidFill>
+                <a:latin typeface="Cascadia Mono" panose="020B0609020000020004" pitchFamily="49" charset="0"/>
+              </a:rPr>
+              <a:t>closeAccount</a:t>
+            </a:r>
+            <a:r>
+              <a:rPr lang="en-GB" sz="1400" dirty="0">
+                <a:solidFill>
+                  <a:srgbClr val="000000"/>
+                </a:solidFill>
+                <a:latin typeface="Cascadia Mono" panose="020B0609020000020004" pitchFamily="49" charset="0"/>
+              </a:rPr>
+              <a:t>() {</a:t>
+            </a:r>
+          </a:p>
+          <a:p>
+            <a:r>
+              <a:rPr lang="en-GB" sz="1400" dirty="0">
+                <a:solidFill>
+                  <a:srgbClr val="000000"/>
+                </a:solidFill>
+                <a:latin typeface="Cascadia Mono" panose="020B0609020000020004" pitchFamily="49" charset="0"/>
+              </a:rPr>
+              <a:t>    }</a:t>
+            </a:r>
+          </a:p>
+          <a:p>
+            <a:endParaRPr lang="en-GB" sz="1400" dirty="0">
+              <a:solidFill>
+                <a:srgbClr val="000000"/>
+              </a:solidFill>
+              <a:latin typeface="Cascadia Mono" panose="020B0609020000020004" pitchFamily="49" charset="0"/>
+            </a:endParaRPr>
+          </a:p>
+          <a:p>
+            <a:r>
+              <a:rPr lang="en-GB" sz="1400" dirty="0">
+                <a:solidFill>
+                  <a:srgbClr val="000000"/>
+                </a:solidFill>
+                <a:latin typeface="Cascadia Mono" panose="020B0609020000020004" pitchFamily="49" charset="0"/>
+              </a:rPr>
+              <a:t>    </a:t>
+            </a:r>
+            <a:r>
+              <a:rPr lang="en-GB" sz="1400" dirty="0">
+                <a:solidFill>
+                  <a:srgbClr val="0000FF"/>
+                </a:solidFill>
+                <a:latin typeface="Cascadia Mono" panose="020B0609020000020004" pitchFamily="49" charset="0"/>
+              </a:rPr>
+              <a:t>public</a:t>
+            </a:r>
+            <a:r>
+              <a:rPr lang="en-GB" sz="1400" dirty="0">
+                <a:solidFill>
+                  <a:srgbClr val="000000"/>
+                </a:solidFill>
+                <a:latin typeface="Cascadia Mono" panose="020B0609020000020004" pitchFamily="49" charset="0"/>
+              </a:rPr>
+              <a:t> </a:t>
+            </a:r>
+            <a:r>
+              <a:rPr lang="en-GB" sz="1400" dirty="0">
+                <a:solidFill>
+                  <a:srgbClr val="0000FF"/>
+                </a:solidFill>
+                <a:latin typeface="Cascadia Mono" panose="020B0609020000020004" pitchFamily="49" charset="0"/>
+              </a:rPr>
+              <a:t>void</a:t>
+            </a:r>
+            <a:r>
+              <a:rPr lang="en-GB" sz="1400" dirty="0">
+                <a:solidFill>
+                  <a:srgbClr val="000000"/>
+                </a:solidFill>
+                <a:latin typeface="Cascadia Mono" panose="020B0609020000020004" pitchFamily="49" charset="0"/>
+              </a:rPr>
+              <a:t> </a:t>
+            </a:r>
+            <a:r>
+              <a:rPr lang="en-GB" sz="1400" dirty="0" err="1">
+                <a:solidFill>
+                  <a:srgbClr val="000000"/>
+                </a:solidFill>
+                <a:latin typeface="Cascadia Mono" panose="020B0609020000020004" pitchFamily="49" charset="0"/>
+              </a:rPr>
+              <a:t>deposite</a:t>
+            </a:r>
+            <a:r>
+              <a:rPr lang="en-GB" sz="1400" dirty="0">
+                <a:solidFill>
+                  <a:srgbClr val="000000"/>
+                </a:solidFill>
+                <a:latin typeface="Cascadia Mono" panose="020B0609020000020004" pitchFamily="49" charset="0"/>
+              </a:rPr>
+              <a:t>() {</a:t>
+            </a:r>
+          </a:p>
+          <a:p>
+            <a:r>
+              <a:rPr lang="en-GB" sz="1400" dirty="0">
+                <a:solidFill>
+                  <a:srgbClr val="000000"/>
+                </a:solidFill>
+                <a:latin typeface="Cascadia Mono" panose="020B0609020000020004" pitchFamily="49" charset="0"/>
+              </a:rPr>
+              <a:t>    }</a:t>
+            </a:r>
+          </a:p>
+          <a:p>
+            <a:endParaRPr lang="en-GB" sz="1400" dirty="0">
+              <a:solidFill>
+                <a:srgbClr val="000000"/>
+              </a:solidFill>
+              <a:latin typeface="Cascadia Mono" panose="020B0609020000020004" pitchFamily="49" charset="0"/>
+            </a:endParaRPr>
+          </a:p>
+          <a:p>
+            <a:r>
+              <a:rPr lang="en-GB" sz="1400" dirty="0">
+                <a:solidFill>
+                  <a:srgbClr val="000000"/>
+                </a:solidFill>
+                <a:latin typeface="Cascadia Mono" panose="020B0609020000020004" pitchFamily="49" charset="0"/>
+              </a:rPr>
+              <a:t>    </a:t>
+            </a:r>
+            <a:r>
+              <a:rPr lang="en-GB" sz="1400" dirty="0">
+                <a:solidFill>
+                  <a:srgbClr val="0000FF"/>
+                </a:solidFill>
+                <a:latin typeface="Cascadia Mono" panose="020B0609020000020004" pitchFamily="49" charset="0"/>
+              </a:rPr>
+              <a:t>public</a:t>
+            </a:r>
+            <a:r>
+              <a:rPr lang="en-GB" sz="1400" dirty="0">
+                <a:solidFill>
+                  <a:srgbClr val="000000"/>
+                </a:solidFill>
+                <a:latin typeface="Cascadia Mono" panose="020B0609020000020004" pitchFamily="49" charset="0"/>
+              </a:rPr>
+              <a:t> </a:t>
+            </a:r>
+            <a:r>
+              <a:rPr lang="en-GB" sz="1400" dirty="0">
+                <a:solidFill>
+                  <a:srgbClr val="0000FF"/>
+                </a:solidFill>
+                <a:latin typeface="Cascadia Mono" panose="020B0609020000020004" pitchFamily="49" charset="0"/>
+              </a:rPr>
+              <a:t>void</a:t>
+            </a:r>
+            <a:r>
+              <a:rPr lang="en-GB" sz="1400" dirty="0">
+                <a:solidFill>
+                  <a:srgbClr val="000000"/>
+                </a:solidFill>
+                <a:latin typeface="Cascadia Mono" panose="020B0609020000020004" pitchFamily="49" charset="0"/>
+              </a:rPr>
+              <a:t> </a:t>
+            </a:r>
+            <a:r>
+              <a:rPr lang="en-GB" sz="1400" dirty="0" err="1">
+                <a:solidFill>
+                  <a:srgbClr val="000000"/>
+                </a:solidFill>
+                <a:latin typeface="Cascadia Mono" panose="020B0609020000020004" pitchFamily="49" charset="0"/>
+              </a:rPr>
+              <a:t>sendNotification</a:t>
+            </a:r>
+            <a:r>
+              <a:rPr lang="en-GB" sz="1400" dirty="0">
+                <a:solidFill>
+                  <a:srgbClr val="000000"/>
+                </a:solidFill>
+                <a:latin typeface="Cascadia Mono" panose="020B0609020000020004" pitchFamily="49" charset="0"/>
+              </a:rPr>
+              <a:t>() {</a:t>
+            </a:r>
+          </a:p>
+          <a:p>
+            <a:r>
+              <a:rPr lang="en-GB" sz="1400" dirty="0">
+                <a:solidFill>
+                  <a:srgbClr val="000000"/>
+                </a:solidFill>
+                <a:latin typeface="Cascadia Mono" panose="020B0609020000020004" pitchFamily="49" charset="0"/>
+              </a:rPr>
+              <a:t>    }</a:t>
+            </a:r>
+          </a:p>
+          <a:p>
+            <a:endParaRPr lang="en-GB" sz="1400" dirty="0">
+              <a:solidFill>
+                <a:srgbClr val="000000"/>
+              </a:solidFill>
+              <a:latin typeface="Cascadia Mono" panose="020B0609020000020004" pitchFamily="49" charset="0"/>
+            </a:endParaRPr>
+          </a:p>
+          <a:p>
+            <a:r>
+              <a:rPr lang="en-GB" sz="1400" dirty="0">
+                <a:solidFill>
+                  <a:srgbClr val="000000"/>
+                </a:solidFill>
+                <a:latin typeface="Cascadia Mono" panose="020B0609020000020004" pitchFamily="49" charset="0"/>
+              </a:rPr>
+              <a:t>    </a:t>
+            </a:r>
+            <a:r>
+              <a:rPr lang="en-GB" sz="1400" dirty="0">
+                <a:solidFill>
+                  <a:srgbClr val="0000FF"/>
+                </a:solidFill>
+                <a:latin typeface="Cascadia Mono" panose="020B0609020000020004" pitchFamily="49" charset="0"/>
+              </a:rPr>
+              <a:t>public</a:t>
+            </a:r>
+            <a:r>
+              <a:rPr lang="en-GB" sz="1400" dirty="0">
+                <a:solidFill>
+                  <a:srgbClr val="000000"/>
+                </a:solidFill>
+                <a:latin typeface="Cascadia Mono" panose="020B0609020000020004" pitchFamily="49" charset="0"/>
+              </a:rPr>
+              <a:t> </a:t>
+            </a:r>
+            <a:r>
+              <a:rPr lang="en-GB" sz="1400" dirty="0">
+                <a:solidFill>
+                  <a:srgbClr val="0000FF"/>
+                </a:solidFill>
+                <a:latin typeface="Cascadia Mono" panose="020B0609020000020004" pitchFamily="49" charset="0"/>
+              </a:rPr>
+              <a:t>void</a:t>
+            </a:r>
+            <a:r>
+              <a:rPr lang="en-GB" sz="1400" dirty="0">
+                <a:solidFill>
+                  <a:srgbClr val="000000"/>
+                </a:solidFill>
+                <a:latin typeface="Cascadia Mono" panose="020B0609020000020004" pitchFamily="49" charset="0"/>
+              </a:rPr>
+              <a:t> </a:t>
+            </a:r>
+            <a:r>
+              <a:rPr lang="en-GB" sz="1400" dirty="0" err="1">
+                <a:solidFill>
+                  <a:srgbClr val="000000"/>
+                </a:solidFill>
+                <a:latin typeface="Cascadia Mono" panose="020B0609020000020004" pitchFamily="49" charset="0"/>
+              </a:rPr>
+              <a:t>viewStatement</a:t>
+            </a:r>
+            <a:r>
+              <a:rPr lang="en-GB" sz="1400" dirty="0">
+                <a:solidFill>
+                  <a:srgbClr val="000000"/>
+                </a:solidFill>
+                <a:latin typeface="Cascadia Mono" panose="020B0609020000020004" pitchFamily="49" charset="0"/>
+              </a:rPr>
+              <a:t>() {</a:t>
+            </a:r>
+          </a:p>
+          <a:p>
+            <a:r>
+              <a:rPr lang="en-GB" sz="1400" dirty="0">
+                <a:solidFill>
+                  <a:srgbClr val="000000"/>
+                </a:solidFill>
+                <a:latin typeface="Cascadia Mono" panose="020B0609020000020004" pitchFamily="49" charset="0"/>
+              </a:rPr>
+              <a:t>    }</a:t>
+            </a:r>
+          </a:p>
+          <a:p>
+            <a:endParaRPr lang="en-GB" sz="1400" dirty="0">
+              <a:solidFill>
+                <a:srgbClr val="000000"/>
+              </a:solidFill>
+              <a:latin typeface="Cascadia Mono" panose="020B0609020000020004" pitchFamily="49" charset="0"/>
+            </a:endParaRPr>
+          </a:p>
+          <a:p>
+            <a:r>
+              <a:rPr lang="en-GB" sz="1400" dirty="0">
+                <a:solidFill>
+                  <a:srgbClr val="000000"/>
+                </a:solidFill>
+                <a:latin typeface="Cascadia Mono" panose="020B0609020000020004" pitchFamily="49" charset="0"/>
+              </a:rPr>
+              <a:t>    </a:t>
+            </a:r>
+            <a:r>
+              <a:rPr lang="en-GB" sz="1400" dirty="0">
+                <a:solidFill>
+                  <a:srgbClr val="0000FF"/>
+                </a:solidFill>
+                <a:latin typeface="Cascadia Mono" panose="020B0609020000020004" pitchFamily="49" charset="0"/>
+              </a:rPr>
+              <a:t>public</a:t>
+            </a:r>
+            <a:r>
+              <a:rPr lang="en-GB" sz="1400" dirty="0">
+                <a:solidFill>
+                  <a:srgbClr val="000000"/>
+                </a:solidFill>
+                <a:latin typeface="Cascadia Mono" panose="020B0609020000020004" pitchFamily="49" charset="0"/>
+              </a:rPr>
+              <a:t> </a:t>
+            </a:r>
+            <a:r>
+              <a:rPr lang="en-GB" sz="1400" dirty="0">
+                <a:solidFill>
+                  <a:srgbClr val="0000FF"/>
+                </a:solidFill>
+                <a:latin typeface="Cascadia Mono" panose="020B0609020000020004" pitchFamily="49" charset="0"/>
+              </a:rPr>
+              <a:t>void</a:t>
+            </a:r>
+            <a:r>
+              <a:rPr lang="en-GB" sz="1400" dirty="0">
+                <a:solidFill>
+                  <a:srgbClr val="000000"/>
+                </a:solidFill>
+                <a:latin typeface="Cascadia Mono" panose="020B0609020000020004" pitchFamily="49" charset="0"/>
+              </a:rPr>
+              <a:t> withdraw() {</a:t>
+            </a:r>
+          </a:p>
+          <a:p>
+            <a:r>
+              <a:rPr lang="en-GB" sz="1400" dirty="0">
+                <a:solidFill>
+                  <a:srgbClr val="000000"/>
+                </a:solidFill>
+                <a:latin typeface="Cascadia Mono" panose="020B0609020000020004" pitchFamily="49" charset="0"/>
+              </a:rPr>
+              <a:t>    }</a:t>
+            </a:r>
+          </a:p>
+          <a:p>
+            <a:r>
+              <a:rPr lang="en-GB" sz="1400" dirty="0">
+                <a:solidFill>
+                  <a:srgbClr val="000000"/>
+                </a:solidFill>
+                <a:latin typeface="Cascadia Mono" panose="020B0609020000020004" pitchFamily="49" charset="0"/>
+              </a:rPr>
+              <a:t>}</a:t>
+            </a:r>
+          </a:p>
+        </p:txBody>
+      </p:sp>
+      <p:pic>
+        <p:nvPicPr>
+          <p:cNvPr id="10" name="Picture 9">
+            <a:extLst>
+              <a:ext uri="{FF2B5EF4-FFF2-40B4-BE49-F238E27FC236}">
+                <a16:creationId xmlns:a16="http://schemas.microsoft.com/office/drawing/2014/main" id="{63339A75-2618-7BCE-EB4F-635A168C2CB4}"/>
+              </a:ext>
+            </a:extLst>
+          </p:cNvPr>
+          <p:cNvPicPr>
+            <a:picLocks noChangeAspect="1"/>
+          </p:cNvPicPr>
+          <p:nvPr/>
+        </p:nvPicPr>
+        <p:blipFill>
+          <a:blip r:embed="rId3"/>
+          <a:stretch>
+            <a:fillRect/>
+          </a:stretch>
+        </p:blipFill>
+        <p:spPr>
+          <a:xfrm>
+            <a:off x="2838450" y="4051300"/>
+            <a:ext cx="2266950" cy="1333500"/>
+          </a:xfrm>
+          <a:prstGeom prst="rect">
+            <a:avLst/>
+          </a:prstGeom>
+        </p:spPr>
+      </p:pic>
+    </p:spTree>
+    <p:extLst>
+      <p:ext uri="{BB962C8B-B14F-4D97-AF65-F5344CB8AC3E}">
+        <p14:creationId xmlns:p14="http://schemas.microsoft.com/office/powerpoint/2010/main" val="3211932441"/>
+      </p:ext>
+    </p:extLst>
+  </p:cSld>
+  <p:clrMapOvr>
+    <a:masterClrMapping/>
+  </p:clrMapOvr>
+</p:sld>
+</file>
+
+<file path=ppt/slides/slide11.xml><?xml version="1.0" encoding="utf-8"?>
+<p:sld xmlns:a="http://schemas.openxmlformats.org/drawingml/2006/main" xmlns:r="http://schemas.openxmlformats.org/officeDocument/2006/relationships" xmlns:p="http://schemas.openxmlformats.org/presentationml/2006/main">
+  <p:cSld>
+    <p:spTree>
+      <p:nvGrpSpPr>
+        <p:cNvPr id="1" name=""/>
+        <p:cNvGrpSpPr/>
+        <p:nvPr/>
+      </p:nvGrpSpPr>
+      <p:grpSpPr>
+        <a:xfrm>
+          <a:off x="0" y="0"/>
+          <a:ext cx="0" cy="0"/>
+          <a:chOff x="0" y="0"/>
+          <a:chExt cx="0" cy="0"/>
+        </a:xfrm>
+      </p:grpSpPr>
+      <p:sp>
+        <p:nvSpPr>
           <p:cNvPr id="7" name="Text Placeholder 6"/>
           <p:cNvSpPr>
             <a:spLocks noGrp="1"/>
@@ -29323,7 +30187,7 @@
 </p:sld>
 </file>
 
-<file path=ppt/slides/slide11.xml><?xml version="1.0" encoding="utf-8"?>
+<file path=ppt/slides/slide12.xml><?xml version="1.0" encoding="utf-8"?>
 <p:sld xmlns:a="http://schemas.openxmlformats.org/drawingml/2006/main" xmlns:r="http://schemas.openxmlformats.org/officeDocument/2006/relationships" xmlns:p="http://schemas.openxmlformats.org/presentationml/2006/main">
   <p:cSld>
     <p:spTree>
@@ -33598,6 +34462,666 @@
   <p:cSld>
     <p:spTree>
       <p:nvGrpSpPr>
+        <p:cNvPr id="1" name="">
+          <a:extLst>
+            <a:ext uri="{FF2B5EF4-FFF2-40B4-BE49-F238E27FC236}">
+              <a16:creationId xmlns:a16="http://schemas.microsoft.com/office/drawing/2014/main" id="{8AEC68F7-816D-A3E2-8C29-B271F0F51736}"/>
+            </a:ext>
+          </a:extLst>
+        </p:cNvPr>
+        <p:cNvGrpSpPr/>
+        <p:nvPr/>
+      </p:nvGrpSpPr>
+      <p:grpSpPr>
+        <a:xfrm>
+          <a:off x="0" y="0"/>
+          <a:ext cx="0" cy="0"/>
+          <a:chOff x="0" y="0"/>
+          <a:chExt cx="0" cy="0"/>
+        </a:xfrm>
+      </p:grpSpPr>
+      <p:sp>
+        <p:nvSpPr>
+          <p:cNvPr id="11266" name="Rectangle 2">
+            <a:extLst>
+              <a:ext uri="{FF2B5EF4-FFF2-40B4-BE49-F238E27FC236}">
+                <a16:creationId xmlns:a16="http://schemas.microsoft.com/office/drawing/2014/main" id="{90A4F8F1-60D1-6BE5-1031-FA3AB6A55F0D}"/>
+              </a:ext>
+            </a:extLst>
+          </p:cNvPr>
+          <p:cNvSpPr>
+            <a:spLocks noGrp="1" noChangeArrowheads="1"/>
+          </p:cNvSpPr>
+          <p:nvPr>
+            <p:ph type="title"/>
+          </p:nvPr>
+        </p:nvSpPr>
+        <p:spPr/>
+        <p:txBody>
+          <a:bodyPr/>
+          <a:lstStyle/>
+          <a:p>
+            <a:pPr eaLnBrk="1" hangingPunct="1"/>
+            <a:r>
+              <a:rPr lang="en-GB" dirty="0"/>
+              <a:t>Using     </a:t>
+            </a:r>
+            <a:r>
+              <a:rPr lang="en-GB" b="1" dirty="0">
+                <a:solidFill>
+                  <a:srgbClr val="0000FF"/>
+                </a:solidFill>
+                <a:latin typeface="Consolas" panose="020B0609020204030204" pitchFamily="49" charset="0"/>
+                <a:ea typeface="+mn-ea"/>
+                <a:cs typeface="+mn-cs"/>
+              </a:rPr>
+              <a:t>AS</a:t>
+            </a:r>
+            <a:endParaRPr lang="en-GB" sz="1800" b="1" dirty="0">
+              <a:solidFill>
+                <a:srgbClr val="0000FF"/>
+              </a:solidFill>
+              <a:latin typeface="Consolas" panose="020B0609020204030204" pitchFamily="49" charset="0"/>
+              <a:ea typeface="+mn-ea"/>
+              <a:cs typeface="+mn-cs"/>
+            </a:endParaRPr>
+          </a:p>
+        </p:txBody>
+      </p:sp>
+      <p:sp>
+        <p:nvSpPr>
+          <p:cNvPr id="818180" name="Rectangle 4">
+            <a:extLst>
+              <a:ext uri="{FF2B5EF4-FFF2-40B4-BE49-F238E27FC236}">
+                <a16:creationId xmlns:a16="http://schemas.microsoft.com/office/drawing/2014/main" id="{ED8DA95E-561E-4CE3-7690-214B160CE398}"/>
+              </a:ext>
+            </a:extLst>
+          </p:cNvPr>
+          <p:cNvSpPr>
+            <a:spLocks noChangeArrowheads="1"/>
+          </p:cNvSpPr>
+          <p:nvPr/>
+        </p:nvSpPr>
+        <p:spPr bwMode="auto">
+          <a:xfrm>
+            <a:off x="882317" y="1566469"/>
+            <a:ext cx="8675041" cy="4666021"/>
+          </a:xfrm>
+          <a:prstGeom prst="rect">
+            <a:avLst/>
+          </a:prstGeom>
+          <a:solidFill>
+            <a:schemeClr val="accent5">
+              <a:lumMod val="20000"/>
+              <a:lumOff val="80000"/>
+            </a:schemeClr>
+          </a:solidFill>
+          <a:ln w="19050">
+            <a:noFill/>
+            <a:miter lim="800000"/>
+            <a:headEnd/>
+            <a:tailEnd/>
+          </a:ln>
+          <a:effectLst>
+            <a:outerShdw blurRad="50800" dist="38100" algn="l" rotWithShape="0">
+              <a:prstClr val="black">
+                <a:alpha val="40000"/>
+              </a:prstClr>
+            </a:outerShdw>
+          </a:effectLst>
+        </p:spPr>
+        <p:txBody>
+          <a:bodyPr wrap="square" lIns="90488" tIns="44450" rIns="0" bIns="44450">
+            <a:spAutoFit/>
+          </a:bodyPr>
+          <a:lstStyle/>
+          <a:p>
+            <a:pPr defTabSz="739775" eaLnBrk="0" hangingPunct="0">
+              <a:lnSpc>
+                <a:spcPct val="150000"/>
+              </a:lnSpc>
+              <a:tabLst>
+                <a:tab pos="347663" algn="l"/>
+                <a:tab pos="685800" algn="l"/>
+                <a:tab pos="1033463" algn="l"/>
+                <a:tab pos="1371600" algn="l"/>
+                <a:tab pos="1719263" algn="l"/>
+                <a:tab pos="2057400" algn="l"/>
+                <a:tab pos="2405063" algn="l"/>
+                <a:tab pos="2743200" algn="l"/>
+              </a:tabLst>
+              <a:defRPr/>
+            </a:pPr>
+            <a:r>
+              <a:rPr lang="en-GB" sz="1600" b="1" dirty="0">
+                <a:solidFill>
+                  <a:srgbClr val="0000FF"/>
+                </a:solidFill>
+                <a:latin typeface="Lucida Console" pitchFamily="49" charset="0"/>
+              </a:rPr>
+              <a:t>	private</a:t>
+            </a:r>
+            <a:r>
+              <a:rPr lang="en-GB" sz="1600" b="1" dirty="0">
+                <a:solidFill>
+                  <a:srgbClr val="000000"/>
+                </a:solidFill>
+                <a:latin typeface="Lucida Console" pitchFamily="49" charset="0"/>
+              </a:rPr>
+              <a:t> Shape[] shapes;</a:t>
+            </a:r>
+            <a:br>
+              <a:rPr lang="en-GB" sz="1600" b="1" dirty="0">
+                <a:solidFill>
+                  <a:srgbClr val="000000"/>
+                </a:solidFill>
+                <a:latin typeface="Lucida Console" pitchFamily="49" charset="0"/>
+              </a:rPr>
+            </a:br>
+            <a:endParaRPr lang="en-GB" sz="1600" b="1" dirty="0">
+              <a:solidFill>
+                <a:srgbClr val="008000"/>
+              </a:solidFill>
+              <a:latin typeface="Lucida Console" pitchFamily="49" charset="0"/>
+            </a:endParaRPr>
+          </a:p>
+          <a:p>
+            <a:pPr defTabSz="739775" eaLnBrk="0" hangingPunct="0">
+              <a:lnSpc>
+                <a:spcPct val="150000"/>
+              </a:lnSpc>
+              <a:tabLst>
+                <a:tab pos="347663" algn="l"/>
+                <a:tab pos="685800" algn="l"/>
+                <a:tab pos="1033463" algn="l"/>
+                <a:tab pos="1371600" algn="l"/>
+                <a:tab pos="1719263" algn="l"/>
+                <a:tab pos="2057400" algn="l"/>
+                <a:tab pos="2405063" algn="l"/>
+                <a:tab pos="2743200" algn="l"/>
+              </a:tabLst>
+              <a:defRPr/>
+            </a:pPr>
+            <a:r>
+              <a:rPr lang="en-GB" sz="1600" b="1" dirty="0">
+                <a:solidFill>
+                  <a:srgbClr val="000000"/>
+                </a:solidFill>
+                <a:latin typeface="Lucida Console" pitchFamily="49" charset="0"/>
+              </a:rPr>
+              <a:t>  </a:t>
+            </a:r>
+          </a:p>
+          <a:p>
+            <a:pPr>
+              <a:lnSpc>
+                <a:spcPct val="150000"/>
+              </a:lnSpc>
+            </a:pPr>
+            <a:r>
+              <a:rPr lang="en-GB" sz="1600" b="1" dirty="0">
+                <a:solidFill>
+                  <a:srgbClr val="0000FF"/>
+                </a:solidFill>
+                <a:latin typeface="Lucida Console" pitchFamily="49" charset="0"/>
+              </a:rPr>
+              <a:t>   foreach</a:t>
+            </a:r>
+            <a:r>
+              <a:rPr lang="en-GB" sz="1600" b="1" dirty="0">
+                <a:solidFill>
+                  <a:srgbClr val="000000"/>
+                </a:solidFill>
+                <a:latin typeface="Lucida Console" pitchFamily="49" charset="0"/>
+              </a:rPr>
+              <a:t>( </a:t>
+            </a:r>
+            <a:r>
+              <a:rPr lang="en-GB" sz="1600" b="1" dirty="0">
+                <a:solidFill>
+                  <a:srgbClr val="FF0000"/>
+                </a:solidFill>
+                <a:latin typeface="Lucida Console" pitchFamily="49" charset="0"/>
+              </a:rPr>
+              <a:t>Shape</a:t>
+            </a:r>
+            <a:r>
+              <a:rPr lang="en-GB" sz="1600" b="1" dirty="0">
+                <a:solidFill>
+                  <a:srgbClr val="000000"/>
+                </a:solidFill>
+                <a:latin typeface="Lucida Console" pitchFamily="49" charset="0"/>
+              </a:rPr>
+              <a:t> s in shapes ) {</a:t>
+            </a:r>
+            <a:br>
+              <a:rPr lang="en-GB" sz="1600" b="1" dirty="0">
+                <a:solidFill>
+                  <a:srgbClr val="000000"/>
+                </a:solidFill>
+                <a:latin typeface="Lucida Console" pitchFamily="49" charset="0"/>
+              </a:rPr>
+            </a:br>
+            <a:r>
+              <a:rPr lang="en-GB" sz="1600" b="1" dirty="0">
+                <a:solidFill>
+                  <a:srgbClr val="000000"/>
+                </a:solidFill>
+                <a:latin typeface="Lucida Console" pitchFamily="49" charset="0"/>
+              </a:rPr>
+              <a:t>	</a:t>
+            </a:r>
+          </a:p>
+          <a:p>
+            <a:pPr>
+              <a:lnSpc>
+                <a:spcPct val="150000"/>
+              </a:lnSpc>
+            </a:pPr>
+            <a:r>
+              <a:rPr lang="en-GB" b="1" dirty="0">
+                <a:solidFill>
+                  <a:srgbClr val="000000"/>
+                </a:solidFill>
+                <a:latin typeface="Lucida Console" pitchFamily="49" charset="0"/>
+              </a:rPr>
+              <a:t>	</a:t>
+            </a:r>
+            <a:r>
+              <a:rPr lang="pt-BR" b="1" dirty="0">
+                <a:solidFill>
+                  <a:srgbClr val="0000FF"/>
+                </a:solidFill>
+                <a:latin typeface="Consolas" panose="020B0609020204030204" pitchFamily="49" charset="0"/>
+              </a:rPr>
+              <a:t>var</a:t>
+            </a:r>
+            <a:r>
+              <a:rPr lang="pt-BR" b="1" dirty="0">
+                <a:solidFill>
+                  <a:srgbClr val="000000"/>
+                </a:solidFill>
+                <a:latin typeface="Consolas" panose="020B0609020204030204" pitchFamily="49" charset="0"/>
+              </a:rPr>
+              <a:t> r = s </a:t>
+            </a:r>
+            <a:r>
+              <a:rPr lang="pt-BR" b="1" dirty="0">
+                <a:solidFill>
+                  <a:srgbClr val="0000FF"/>
+                </a:solidFill>
+                <a:latin typeface="Consolas" panose="020B0609020204030204" pitchFamily="49" charset="0"/>
+              </a:rPr>
+              <a:t>as</a:t>
+            </a:r>
+            <a:r>
+              <a:rPr lang="pt-BR" b="1" dirty="0">
+                <a:solidFill>
+                  <a:srgbClr val="000000"/>
+                </a:solidFill>
+                <a:latin typeface="Consolas" panose="020B0609020204030204" pitchFamily="49" charset="0"/>
+              </a:rPr>
+              <a:t> </a:t>
+            </a:r>
+            <a:r>
+              <a:rPr lang="en-GB" b="1" dirty="0" err="1">
+                <a:solidFill>
+                  <a:srgbClr val="000000"/>
+                </a:solidFill>
+                <a:latin typeface="Lucida Console" pitchFamily="49" charset="0"/>
+              </a:rPr>
+              <a:t>Renderable</a:t>
+            </a:r>
+            <a:r>
+              <a:rPr lang="pt-BR" b="1" dirty="0">
+                <a:solidFill>
+                  <a:srgbClr val="000000"/>
+                </a:solidFill>
+                <a:latin typeface="Consolas" panose="020B0609020204030204" pitchFamily="49" charset="0"/>
+              </a:rPr>
+              <a:t>;</a:t>
+            </a:r>
+          </a:p>
+          <a:p>
+            <a:pPr>
+              <a:lnSpc>
+                <a:spcPct val="150000"/>
+              </a:lnSpc>
+            </a:pPr>
+            <a:r>
+              <a:rPr lang="en-GB" b="1" dirty="0">
+                <a:solidFill>
+                  <a:srgbClr val="000000"/>
+                </a:solidFill>
+                <a:latin typeface="Consolas" panose="020B0609020204030204" pitchFamily="49" charset="0"/>
+              </a:rPr>
+              <a:t>        </a:t>
+            </a:r>
+          </a:p>
+          <a:p>
+            <a:pPr>
+              <a:lnSpc>
+                <a:spcPct val="150000"/>
+              </a:lnSpc>
+            </a:pPr>
+            <a:r>
+              <a:rPr lang="en-GB" b="1" dirty="0">
+                <a:solidFill>
+                  <a:srgbClr val="000000"/>
+                </a:solidFill>
+                <a:latin typeface="Consolas" panose="020B0609020204030204" pitchFamily="49" charset="0"/>
+              </a:rPr>
+              <a:t>	</a:t>
+            </a:r>
+            <a:r>
+              <a:rPr lang="en-GB" b="1" dirty="0">
+                <a:solidFill>
+                  <a:srgbClr val="0000FF"/>
+                </a:solidFill>
+                <a:latin typeface="Consolas" panose="020B0609020204030204" pitchFamily="49" charset="0"/>
+              </a:rPr>
+              <a:t>if</a:t>
+            </a:r>
+            <a:r>
+              <a:rPr lang="en-GB" b="1" dirty="0">
+                <a:solidFill>
+                  <a:srgbClr val="000000"/>
+                </a:solidFill>
+                <a:latin typeface="Consolas" panose="020B0609020204030204" pitchFamily="49" charset="0"/>
+              </a:rPr>
+              <a:t>( r != </a:t>
+            </a:r>
+            <a:r>
+              <a:rPr lang="en-GB" b="1" dirty="0">
+                <a:solidFill>
+                  <a:srgbClr val="0000FF"/>
+                </a:solidFill>
+                <a:latin typeface="Consolas" panose="020B0609020204030204" pitchFamily="49" charset="0"/>
+              </a:rPr>
+              <a:t>null </a:t>
+            </a:r>
+            <a:r>
+              <a:rPr lang="en-GB" b="1" dirty="0">
+                <a:solidFill>
+                  <a:srgbClr val="000000"/>
+                </a:solidFill>
+                <a:latin typeface="Consolas" panose="020B0609020204030204" pitchFamily="49" charset="0"/>
+              </a:rPr>
+              <a:t>)</a:t>
+            </a:r>
+          </a:p>
+          <a:p>
+            <a:pPr defTabSz="739775" eaLnBrk="0" hangingPunct="0">
+              <a:lnSpc>
+                <a:spcPct val="150000"/>
+              </a:lnSpc>
+              <a:tabLst>
+                <a:tab pos="347663" algn="l"/>
+                <a:tab pos="685800" algn="l"/>
+                <a:tab pos="1033463" algn="l"/>
+                <a:tab pos="1371600" algn="l"/>
+                <a:tab pos="1719263" algn="l"/>
+                <a:tab pos="2057400" algn="l"/>
+                <a:tab pos="2405063" algn="l"/>
+                <a:tab pos="2743200" algn="l"/>
+              </a:tabLst>
+              <a:defRPr/>
+            </a:pPr>
+            <a:r>
+              <a:rPr lang="en-GB" b="1" dirty="0">
+                <a:solidFill>
+                  <a:srgbClr val="000000"/>
+                </a:solidFill>
+                <a:latin typeface="Lucida Console" pitchFamily="49" charset="0"/>
+              </a:rPr>
+              <a:t>        		</a:t>
+            </a:r>
+            <a:r>
+              <a:rPr lang="en-GB" b="1" dirty="0" err="1">
+                <a:solidFill>
+                  <a:srgbClr val="000000"/>
+                </a:solidFill>
+                <a:latin typeface="Lucida Console" pitchFamily="49" charset="0"/>
+              </a:rPr>
+              <a:t>r.draw</a:t>
+            </a:r>
+            <a:r>
+              <a:rPr lang="en-GB" b="1" dirty="0">
+                <a:solidFill>
+                  <a:srgbClr val="000000"/>
+                </a:solidFill>
+                <a:latin typeface="Lucida Console" pitchFamily="49" charset="0"/>
+              </a:rPr>
+              <a:t>();</a:t>
+            </a:r>
+          </a:p>
+          <a:p>
+            <a:pPr defTabSz="739775" eaLnBrk="0" hangingPunct="0">
+              <a:lnSpc>
+                <a:spcPct val="150000"/>
+              </a:lnSpc>
+              <a:tabLst>
+                <a:tab pos="347663" algn="l"/>
+                <a:tab pos="685800" algn="l"/>
+                <a:tab pos="1033463" algn="l"/>
+                <a:tab pos="1371600" algn="l"/>
+                <a:tab pos="1719263" algn="l"/>
+                <a:tab pos="2057400" algn="l"/>
+                <a:tab pos="2405063" algn="l"/>
+                <a:tab pos="2743200" algn="l"/>
+              </a:tabLst>
+              <a:defRPr/>
+            </a:pPr>
+            <a:r>
+              <a:rPr lang="en-GB" sz="1600" b="1" dirty="0">
+                <a:solidFill>
+                  <a:srgbClr val="000000"/>
+                </a:solidFill>
+                <a:latin typeface="Lucida Console" pitchFamily="49" charset="0"/>
+              </a:rPr>
+              <a:t>    }</a:t>
+            </a:r>
+          </a:p>
+          <a:p>
+            <a:pPr defTabSz="739775" eaLnBrk="0" hangingPunct="0">
+              <a:lnSpc>
+                <a:spcPct val="150000"/>
+              </a:lnSpc>
+              <a:tabLst>
+                <a:tab pos="347663" algn="l"/>
+                <a:tab pos="685800" algn="l"/>
+                <a:tab pos="1033463" algn="l"/>
+                <a:tab pos="1371600" algn="l"/>
+                <a:tab pos="1719263" algn="l"/>
+                <a:tab pos="2057400" algn="l"/>
+                <a:tab pos="2405063" algn="l"/>
+                <a:tab pos="2743200" algn="l"/>
+              </a:tabLst>
+              <a:defRPr/>
+            </a:pPr>
+            <a:r>
+              <a:rPr lang="en-GB" sz="1600" b="1" dirty="0">
+                <a:solidFill>
+                  <a:srgbClr val="000000"/>
+                </a:solidFill>
+                <a:latin typeface="Lucida Console" pitchFamily="49" charset="0"/>
+              </a:rPr>
+              <a:t>  </a:t>
+            </a:r>
+          </a:p>
+          <a:p>
+            <a:pPr defTabSz="739775" eaLnBrk="0" hangingPunct="0">
+              <a:lnSpc>
+                <a:spcPct val="150000"/>
+              </a:lnSpc>
+              <a:tabLst>
+                <a:tab pos="347663" algn="l"/>
+                <a:tab pos="685800" algn="l"/>
+                <a:tab pos="1033463" algn="l"/>
+                <a:tab pos="1371600" algn="l"/>
+                <a:tab pos="1719263" algn="l"/>
+                <a:tab pos="2057400" algn="l"/>
+                <a:tab pos="2405063" algn="l"/>
+                <a:tab pos="2743200" algn="l"/>
+              </a:tabLst>
+              <a:defRPr/>
+            </a:pPr>
+            <a:endParaRPr lang="en-GB" sz="1600" b="1" dirty="0">
+              <a:solidFill>
+                <a:srgbClr val="000000"/>
+              </a:solidFill>
+              <a:latin typeface="Lucida Console" pitchFamily="49" charset="0"/>
+            </a:endParaRPr>
+          </a:p>
+        </p:txBody>
+      </p:sp>
+      <p:sp>
+        <p:nvSpPr>
+          <p:cNvPr id="9" name="AutoShape 7">
+            <a:extLst>
+              <a:ext uri="{FF2B5EF4-FFF2-40B4-BE49-F238E27FC236}">
+                <a16:creationId xmlns:a16="http://schemas.microsoft.com/office/drawing/2014/main" id="{8715B97A-D1B2-D0D2-7B93-9445DA569E95}"/>
+              </a:ext>
+            </a:extLst>
+          </p:cNvPr>
+          <p:cNvSpPr>
+            <a:spLocks/>
+          </p:cNvSpPr>
+          <p:nvPr/>
+        </p:nvSpPr>
+        <p:spPr bwMode="auto">
+          <a:xfrm>
+            <a:off x="5219837" y="3515304"/>
+            <a:ext cx="3677753" cy="384175"/>
+          </a:xfrm>
+          <a:prstGeom prst="borderCallout2">
+            <a:avLst>
+              <a:gd name="adj1" fmla="val 29750"/>
+              <a:gd name="adj2" fmla="val -2833"/>
+              <a:gd name="adj3" fmla="val 29750"/>
+              <a:gd name="adj4" fmla="val -2833"/>
+              <a:gd name="adj5" fmla="val 31167"/>
+              <a:gd name="adj6" fmla="val -24709"/>
+            </a:avLst>
+          </a:prstGeom>
+          <a:solidFill>
+            <a:srgbClr val="FFCCFF"/>
+          </a:solidFill>
+          <a:ln w="19050">
+            <a:noFill/>
+            <a:miter lim="800000"/>
+            <a:headEnd/>
+            <a:tailEnd/>
+          </a:ln>
+          <a:effectLst>
+            <a:outerShdw blurRad="50800" dist="38100" algn="l" rotWithShape="0">
+              <a:prstClr val="black">
+                <a:alpha val="40000"/>
+              </a:prstClr>
+            </a:outerShdw>
+          </a:effectLst>
+        </p:spPr>
+        <p:txBody>
+          <a:bodyPr/>
+          <a:lstStyle/>
+          <a:p>
+            <a:pPr algn="ctr" eaLnBrk="0" hangingPunct="0">
+              <a:defRPr/>
+            </a:pPr>
+            <a:r>
+              <a:rPr lang="en-GB" sz="1400" dirty="0"/>
+              <a:t>Tries to cast to a </a:t>
+            </a:r>
+            <a:r>
+              <a:rPr lang="en-GB" sz="1400" dirty="0" err="1"/>
+              <a:t>Renderable</a:t>
+            </a:r>
+            <a:r>
+              <a:rPr lang="en-GB" sz="1400" dirty="0"/>
+              <a:t> reference </a:t>
+            </a:r>
+          </a:p>
+        </p:txBody>
+      </p:sp>
+      <p:sp>
+        <p:nvSpPr>
+          <p:cNvPr id="4" name="AutoShape 7">
+            <a:extLst>
+              <a:ext uri="{FF2B5EF4-FFF2-40B4-BE49-F238E27FC236}">
+                <a16:creationId xmlns:a16="http://schemas.microsoft.com/office/drawing/2014/main" id="{40A72DA1-5B68-2172-6CE5-74C1CB7C4D0E}"/>
+              </a:ext>
+            </a:extLst>
+          </p:cNvPr>
+          <p:cNvSpPr>
+            <a:spLocks/>
+          </p:cNvSpPr>
+          <p:nvPr/>
+        </p:nvSpPr>
+        <p:spPr bwMode="auto">
+          <a:xfrm>
+            <a:off x="5219836" y="4545798"/>
+            <a:ext cx="3677753" cy="384175"/>
+          </a:xfrm>
+          <a:prstGeom prst="borderCallout2">
+            <a:avLst>
+              <a:gd name="adj1" fmla="val 29750"/>
+              <a:gd name="adj2" fmla="val -2833"/>
+              <a:gd name="adj3" fmla="val 29750"/>
+              <a:gd name="adj4" fmla="val -2833"/>
+              <a:gd name="adj5" fmla="val 31167"/>
+              <a:gd name="adj6" fmla="val -24709"/>
+            </a:avLst>
+          </a:prstGeom>
+          <a:solidFill>
+            <a:srgbClr val="FFCCFF"/>
+          </a:solidFill>
+          <a:ln w="19050">
+            <a:noFill/>
+            <a:miter lim="800000"/>
+            <a:headEnd/>
+            <a:tailEnd/>
+          </a:ln>
+          <a:effectLst>
+            <a:outerShdw blurRad="50800" dist="38100" algn="l" rotWithShape="0">
+              <a:prstClr val="black">
+                <a:alpha val="40000"/>
+              </a:prstClr>
+            </a:outerShdw>
+          </a:effectLst>
+        </p:spPr>
+        <p:txBody>
+          <a:bodyPr/>
+          <a:lstStyle/>
+          <a:p>
+            <a:pPr algn="ctr" eaLnBrk="0" hangingPunct="0">
+              <a:defRPr/>
+            </a:pPr>
+            <a:r>
+              <a:rPr lang="en-GB" sz="1400" dirty="0"/>
+              <a:t>If the Cast was valid</a:t>
+            </a:r>
+          </a:p>
+        </p:txBody>
+      </p:sp>
+    </p:spTree>
+    <p:extLst>
+      <p:ext uri="{BB962C8B-B14F-4D97-AF65-F5344CB8AC3E}">
+        <p14:creationId xmlns:p14="http://schemas.microsoft.com/office/powerpoint/2010/main" val="3705395775"/>
+      </p:ext>
+    </p:extLst>
+  </p:cSld>
+  <p:clrMapOvr>
+    <a:masterClrMapping/>
+  </p:clrMapOvr>
+  <p:transition/>
+</p:sld>
+</file>
+
+<file path=ppt/slides/slide9.xml><?xml version="1.0" encoding="utf-8"?>
+<p:sld xmlns:a="http://schemas.openxmlformats.org/drawingml/2006/main" xmlns:r="http://schemas.openxmlformats.org/officeDocument/2006/relationships" xmlns:p="http://schemas.openxmlformats.org/presentationml/2006/main">
+  <p:cSld>
+    <p:spTree>
+      <p:nvGrpSpPr>
         <p:cNvPr id="1" name=""/>
         <p:cNvGrpSpPr/>
         <p:nvPr/>
@@ -34593,784 +36117,6 @@
     <p:extLst>
       <p:ext uri="{BB962C8B-B14F-4D97-AF65-F5344CB8AC3E}">
         <p14:creationId xmlns:p14="http://schemas.microsoft.com/office/powerpoint/2010/main" val="307950949"/>
-      </p:ext>
-    </p:extLst>
-  </p:cSld>
-  <p:clrMapOvr>
-    <a:masterClrMapping/>
-  </p:clrMapOvr>
-</p:sld>
-</file>
-
-<file path=ppt/slides/slide9.xml><?xml version="1.0" encoding="utf-8"?>
-<p:sld xmlns:a="http://schemas.openxmlformats.org/drawingml/2006/main" xmlns:r="http://schemas.openxmlformats.org/officeDocument/2006/relationships" xmlns:p="http://schemas.openxmlformats.org/presentationml/2006/main">
-  <p:cSld>
-    <p:spTree>
-      <p:nvGrpSpPr>
-        <p:cNvPr id="1" name=""/>
-        <p:cNvGrpSpPr/>
-        <p:nvPr/>
-      </p:nvGrpSpPr>
-      <p:grpSpPr>
-        <a:xfrm>
-          <a:off x="0" y="0"/>
-          <a:ext cx="0" cy="0"/>
-          <a:chOff x="0" y="0"/>
-          <a:chExt cx="0" cy="0"/>
-        </a:xfrm>
-      </p:grpSpPr>
-      <p:sp>
-        <p:nvSpPr>
-          <p:cNvPr id="2" name="Slide Number Placeholder 1">
-            <a:extLst>
-              <a:ext uri="{FF2B5EF4-FFF2-40B4-BE49-F238E27FC236}">
-                <a16:creationId xmlns:a16="http://schemas.microsoft.com/office/drawing/2014/main" id="{EDA65B5B-1413-AFEE-1B19-E1C311D99BC2}"/>
-              </a:ext>
-            </a:extLst>
-          </p:cNvPr>
-          <p:cNvSpPr>
-            <a:spLocks noGrp="1"/>
-          </p:cNvSpPr>
-          <p:nvPr>
-            <p:ph type="sldNum" sz="quarter" idx="4"/>
-          </p:nvPr>
-        </p:nvSpPr>
-        <p:spPr/>
-        <p:txBody>
-          <a:bodyPr/>
-          <a:lstStyle/>
-          <a:p>
-            <a:fld id="{EF892D59-8F09-EF4B-AD6D-DA609442F868}" type="slidenum">
-              <a:rPr lang="en-GB" smtClean="0"/>
-              <a:pPr/>
-              <a:t>9</a:t>
-            </a:fld>
-            <a:endParaRPr lang="en-GB" dirty="0"/>
-          </a:p>
-        </p:txBody>
-      </p:sp>
-      <p:sp>
-        <p:nvSpPr>
-          <p:cNvPr id="3" name="Title 2">
-            <a:extLst>
-              <a:ext uri="{FF2B5EF4-FFF2-40B4-BE49-F238E27FC236}">
-                <a16:creationId xmlns:a16="http://schemas.microsoft.com/office/drawing/2014/main" id="{2B46FBA8-7D51-749A-AE93-EF85E4F8EBDE}"/>
-              </a:ext>
-            </a:extLst>
-          </p:cNvPr>
-          <p:cNvSpPr>
-            <a:spLocks noGrp="1"/>
-          </p:cNvSpPr>
-          <p:nvPr>
-            <p:ph type="title"/>
-          </p:nvPr>
-        </p:nvSpPr>
-        <p:spPr/>
-        <p:txBody>
-          <a:bodyPr/>
-          <a:lstStyle/>
-          <a:p>
-            <a:r>
-              <a:rPr lang="en-GB" dirty="0"/>
-              <a:t>Extending Interfaces</a:t>
-            </a:r>
-          </a:p>
-        </p:txBody>
-      </p:sp>
-      <p:pic>
-        <p:nvPicPr>
-          <p:cNvPr id="6" name="Picture 5">
-            <a:extLst>
-              <a:ext uri="{FF2B5EF4-FFF2-40B4-BE49-F238E27FC236}">
-                <a16:creationId xmlns:a16="http://schemas.microsoft.com/office/drawing/2014/main" id="{168F9B9A-F556-86B2-5A3C-918DF879D30D}"/>
-              </a:ext>
-            </a:extLst>
-          </p:cNvPr>
-          <p:cNvPicPr>
-            <a:picLocks noChangeAspect="1"/>
-          </p:cNvPicPr>
-          <p:nvPr/>
-        </p:nvPicPr>
-        <p:blipFill>
-          <a:blip r:embed="rId2"/>
-          <a:stretch>
-            <a:fillRect/>
-          </a:stretch>
-        </p:blipFill>
-        <p:spPr>
-          <a:xfrm>
-            <a:off x="527050" y="1368256"/>
-            <a:ext cx="1943100" cy="4648200"/>
-          </a:xfrm>
-          <a:prstGeom prst="rect">
-            <a:avLst/>
-          </a:prstGeom>
-        </p:spPr>
-      </p:pic>
-      <p:sp>
-        <p:nvSpPr>
-          <p:cNvPr id="8" name="TextBox 7">
-            <a:extLst>
-              <a:ext uri="{FF2B5EF4-FFF2-40B4-BE49-F238E27FC236}">
-                <a16:creationId xmlns:a16="http://schemas.microsoft.com/office/drawing/2014/main" id="{F4C25988-E75E-1F39-3DB1-FEBE36A503FC}"/>
-              </a:ext>
-            </a:extLst>
-          </p:cNvPr>
-          <p:cNvSpPr txBox="1"/>
-          <p:nvPr/>
-        </p:nvSpPr>
-        <p:spPr>
-          <a:xfrm>
-            <a:off x="5513427" y="1544018"/>
-            <a:ext cx="6287177" cy="4493538"/>
-          </a:xfrm>
-          <a:prstGeom prst="rect">
-            <a:avLst/>
-          </a:prstGeom>
-          <a:solidFill>
-            <a:schemeClr val="accent5">
-              <a:lumMod val="20000"/>
-              <a:lumOff val="80000"/>
-            </a:schemeClr>
-          </a:solidFill>
-          <a:effectLst>
-            <a:outerShdw blurRad="50800" dist="38100" algn="l" rotWithShape="0">
-              <a:prstClr val="black">
-                <a:alpha val="40000"/>
-              </a:prstClr>
-            </a:outerShdw>
-          </a:effectLst>
-        </p:spPr>
-        <p:txBody>
-          <a:bodyPr wrap="square">
-            <a:spAutoFit/>
-          </a:bodyPr>
-          <a:lstStyle/>
-          <a:p>
-            <a:r>
-              <a:rPr lang="en-GB" sz="1600" b="1" dirty="0">
-                <a:solidFill>
-                  <a:srgbClr val="0000FF"/>
-                </a:solidFill>
-                <a:latin typeface="Cascadia Mono" panose="020B0609020000020004" pitchFamily="49" charset="0"/>
-              </a:rPr>
-              <a:t>public</a:t>
-            </a:r>
-            <a:r>
-              <a:rPr lang="en-GB" sz="1600" b="1" dirty="0">
-                <a:solidFill>
-                  <a:srgbClr val="000000"/>
-                </a:solidFill>
-                <a:latin typeface="Cascadia Mono" panose="020B0609020000020004" pitchFamily="49" charset="0"/>
-              </a:rPr>
-              <a:t> </a:t>
-            </a:r>
-            <a:r>
-              <a:rPr lang="en-GB" sz="1600" b="1" dirty="0">
-                <a:solidFill>
-                  <a:srgbClr val="0000FF"/>
-                </a:solidFill>
-                <a:latin typeface="Cascadia Mono" panose="020B0609020000020004" pitchFamily="49" charset="0"/>
-              </a:rPr>
-              <a:t>class</a:t>
-            </a:r>
-            <a:r>
-              <a:rPr lang="en-GB" sz="1600" b="1" dirty="0">
-                <a:solidFill>
-                  <a:srgbClr val="000000"/>
-                </a:solidFill>
-                <a:latin typeface="Cascadia Mono" panose="020B0609020000020004" pitchFamily="49" charset="0"/>
-              </a:rPr>
-              <a:t> </a:t>
-            </a:r>
-            <a:r>
-              <a:rPr lang="en-GB" sz="1600" b="1" dirty="0" err="1">
-                <a:solidFill>
-                  <a:srgbClr val="2B91AF"/>
-                </a:solidFill>
-                <a:latin typeface="Cascadia Mono" panose="020B0609020000020004" pitchFamily="49" charset="0"/>
-              </a:rPr>
-              <a:t>BankAccount</a:t>
-            </a:r>
-            <a:r>
-              <a:rPr lang="en-GB" sz="1600" b="1" dirty="0">
-                <a:solidFill>
-                  <a:srgbClr val="000000"/>
-                </a:solidFill>
-                <a:latin typeface="Cascadia Mono" panose="020B0609020000020004" pitchFamily="49" charset="0"/>
-              </a:rPr>
-              <a:t> </a:t>
-            </a:r>
-            <a:r>
-              <a:rPr lang="en-GB" sz="2000" b="1" dirty="0">
-                <a:solidFill>
-                  <a:srgbClr val="7F0055"/>
-                </a:solidFill>
-                <a:latin typeface="Consolas" panose="020B0609020204030204" pitchFamily="49" charset="0"/>
-              </a:rPr>
-              <a:t>:</a:t>
-            </a:r>
-            <a:r>
-              <a:rPr lang="en-GB" sz="1600" b="1" dirty="0">
-                <a:solidFill>
-                  <a:srgbClr val="000000"/>
-                </a:solidFill>
-                <a:latin typeface="Cascadia Mono" panose="020B0609020000020004" pitchFamily="49" charset="0"/>
-              </a:rPr>
-              <a:t> </a:t>
-            </a:r>
-            <a:r>
-              <a:rPr lang="en-GB" sz="1600" b="1" dirty="0" err="1">
-                <a:solidFill>
-                  <a:srgbClr val="000000"/>
-                </a:solidFill>
-                <a:latin typeface="Cascadia Mono" panose="020B0609020000020004" pitchFamily="49" charset="0"/>
-              </a:rPr>
-              <a:t>IAdminAccount</a:t>
-            </a:r>
-            <a:endParaRPr lang="en-GB" sz="1600" b="1" dirty="0">
-              <a:solidFill>
-                <a:srgbClr val="000000"/>
-              </a:solidFill>
-              <a:latin typeface="Cascadia Mono" panose="020B0609020000020004" pitchFamily="49" charset="0"/>
-            </a:endParaRPr>
-          </a:p>
-          <a:p>
-            <a:r>
-              <a:rPr lang="en-GB" sz="1400" dirty="0">
-                <a:solidFill>
-                  <a:srgbClr val="000000"/>
-                </a:solidFill>
-                <a:latin typeface="Cascadia Mono" panose="020B0609020000020004" pitchFamily="49" charset="0"/>
-              </a:rPr>
-              <a:t>{</a:t>
-            </a:r>
-          </a:p>
-          <a:p>
-            <a:r>
-              <a:rPr lang="en-GB" sz="1400" dirty="0">
-                <a:solidFill>
-                  <a:srgbClr val="000000"/>
-                </a:solidFill>
-                <a:latin typeface="Cascadia Mono" panose="020B0609020000020004" pitchFamily="49" charset="0"/>
-              </a:rPr>
-              <a:t>    </a:t>
-            </a:r>
-            <a:r>
-              <a:rPr lang="en-GB" sz="1400" dirty="0">
-                <a:solidFill>
-                  <a:srgbClr val="0000FF"/>
-                </a:solidFill>
-                <a:latin typeface="Cascadia Mono" panose="020B0609020000020004" pitchFamily="49" charset="0"/>
-              </a:rPr>
-              <a:t>public</a:t>
-            </a:r>
-            <a:r>
-              <a:rPr lang="en-GB" sz="1400" dirty="0">
-                <a:solidFill>
-                  <a:srgbClr val="000000"/>
-                </a:solidFill>
-                <a:latin typeface="Cascadia Mono" panose="020B0609020000020004" pitchFamily="49" charset="0"/>
-              </a:rPr>
-              <a:t> </a:t>
-            </a:r>
-            <a:r>
-              <a:rPr lang="en-GB" sz="1400" dirty="0">
-                <a:solidFill>
-                  <a:srgbClr val="0000FF"/>
-                </a:solidFill>
-                <a:latin typeface="Cascadia Mono" panose="020B0609020000020004" pitchFamily="49" charset="0"/>
-              </a:rPr>
-              <a:t>void</a:t>
-            </a:r>
-            <a:r>
-              <a:rPr lang="en-GB" sz="1400" dirty="0">
-                <a:solidFill>
-                  <a:srgbClr val="000000"/>
-                </a:solidFill>
-                <a:latin typeface="Cascadia Mono" panose="020B0609020000020004" pitchFamily="49" charset="0"/>
-              </a:rPr>
-              <a:t> </a:t>
-            </a:r>
-            <a:r>
-              <a:rPr lang="en-GB" sz="1400" dirty="0" err="1">
-                <a:solidFill>
-                  <a:srgbClr val="000000"/>
-                </a:solidFill>
-                <a:latin typeface="Cascadia Mono" panose="020B0609020000020004" pitchFamily="49" charset="0"/>
-              </a:rPr>
-              <a:t>changeID</a:t>
-            </a:r>
-            <a:r>
-              <a:rPr lang="en-GB" sz="1400" dirty="0">
-                <a:solidFill>
-                  <a:srgbClr val="000000"/>
-                </a:solidFill>
-                <a:latin typeface="Cascadia Mono" panose="020B0609020000020004" pitchFamily="49" charset="0"/>
-              </a:rPr>
-              <a:t>() {</a:t>
-            </a:r>
-          </a:p>
-          <a:p>
-            <a:r>
-              <a:rPr lang="en-GB" sz="1400" dirty="0">
-                <a:solidFill>
-                  <a:srgbClr val="000000"/>
-                </a:solidFill>
-                <a:latin typeface="Cascadia Mono" panose="020B0609020000020004" pitchFamily="49" charset="0"/>
-              </a:rPr>
-              <a:t>    }</a:t>
-            </a:r>
-          </a:p>
-          <a:p>
-            <a:endParaRPr lang="en-GB" sz="1400" dirty="0">
-              <a:solidFill>
-                <a:srgbClr val="000000"/>
-              </a:solidFill>
-              <a:latin typeface="Cascadia Mono" panose="020B0609020000020004" pitchFamily="49" charset="0"/>
-            </a:endParaRPr>
-          </a:p>
-          <a:p>
-            <a:r>
-              <a:rPr lang="en-GB" sz="1400" dirty="0">
-                <a:solidFill>
-                  <a:srgbClr val="000000"/>
-                </a:solidFill>
-                <a:latin typeface="Cascadia Mono" panose="020B0609020000020004" pitchFamily="49" charset="0"/>
-              </a:rPr>
-              <a:t>    </a:t>
-            </a:r>
-            <a:r>
-              <a:rPr lang="en-GB" sz="1400" dirty="0">
-                <a:solidFill>
-                  <a:srgbClr val="0000FF"/>
-                </a:solidFill>
-                <a:latin typeface="Cascadia Mono" panose="020B0609020000020004" pitchFamily="49" charset="0"/>
-              </a:rPr>
-              <a:t>public</a:t>
-            </a:r>
-            <a:r>
-              <a:rPr lang="en-GB" sz="1400" dirty="0">
-                <a:solidFill>
-                  <a:srgbClr val="000000"/>
-                </a:solidFill>
-                <a:latin typeface="Cascadia Mono" panose="020B0609020000020004" pitchFamily="49" charset="0"/>
-              </a:rPr>
-              <a:t> </a:t>
-            </a:r>
-            <a:r>
-              <a:rPr lang="en-GB" sz="1400" dirty="0">
-                <a:solidFill>
-                  <a:srgbClr val="0000FF"/>
-                </a:solidFill>
-                <a:latin typeface="Cascadia Mono" panose="020B0609020000020004" pitchFamily="49" charset="0"/>
-              </a:rPr>
-              <a:t>void</a:t>
-            </a:r>
-            <a:r>
-              <a:rPr lang="en-GB" sz="1400" dirty="0">
-                <a:solidFill>
-                  <a:srgbClr val="000000"/>
-                </a:solidFill>
-                <a:latin typeface="Cascadia Mono" panose="020B0609020000020004" pitchFamily="49" charset="0"/>
-              </a:rPr>
-              <a:t> </a:t>
-            </a:r>
-            <a:r>
-              <a:rPr lang="en-GB" sz="1400" dirty="0" err="1">
-                <a:solidFill>
-                  <a:srgbClr val="000000"/>
-                </a:solidFill>
-                <a:latin typeface="Cascadia Mono" panose="020B0609020000020004" pitchFamily="49" charset="0"/>
-              </a:rPr>
-              <a:t>closeAccount</a:t>
-            </a:r>
-            <a:r>
-              <a:rPr lang="en-GB" sz="1400" dirty="0">
-                <a:solidFill>
-                  <a:srgbClr val="000000"/>
-                </a:solidFill>
-                <a:latin typeface="Cascadia Mono" panose="020B0609020000020004" pitchFamily="49" charset="0"/>
-              </a:rPr>
-              <a:t>() {</a:t>
-            </a:r>
-          </a:p>
-          <a:p>
-            <a:r>
-              <a:rPr lang="en-GB" sz="1400" dirty="0">
-                <a:solidFill>
-                  <a:srgbClr val="000000"/>
-                </a:solidFill>
-                <a:latin typeface="Cascadia Mono" panose="020B0609020000020004" pitchFamily="49" charset="0"/>
-              </a:rPr>
-              <a:t>    }</a:t>
-            </a:r>
-          </a:p>
-          <a:p>
-            <a:endParaRPr lang="en-GB" sz="1400" dirty="0">
-              <a:solidFill>
-                <a:srgbClr val="000000"/>
-              </a:solidFill>
-              <a:latin typeface="Cascadia Mono" panose="020B0609020000020004" pitchFamily="49" charset="0"/>
-            </a:endParaRPr>
-          </a:p>
-          <a:p>
-            <a:r>
-              <a:rPr lang="en-GB" sz="1400" dirty="0">
-                <a:solidFill>
-                  <a:srgbClr val="000000"/>
-                </a:solidFill>
-                <a:latin typeface="Cascadia Mono" panose="020B0609020000020004" pitchFamily="49" charset="0"/>
-              </a:rPr>
-              <a:t>    </a:t>
-            </a:r>
-            <a:r>
-              <a:rPr lang="en-GB" sz="1400" dirty="0">
-                <a:solidFill>
-                  <a:srgbClr val="0000FF"/>
-                </a:solidFill>
-                <a:latin typeface="Cascadia Mono" panose="020B0609020000020004" pitchFamily="49" charset="0"/>
-              </a:rPr>
-              <a:t>public</a:t>
-            </a:r>
-            <a:r>
-              <a:rPr lang="en-GB" sz="1400" dirty="0">
-                <a:solidFill>
-                  <a:srgbClr val="000000"/>
-                </a:solidFill>
-                <a:latin typeface="Cascadia Mono" panose="020B0609020000020004" pitchFamily="49" charset="0"/>
-              </a:rPr>
-              <a:t> </a:t>
-            </a:r>
-            <a:r>
-              <a:rPr lang="en-GB" sz="1400" dirty="0">
-                <a:solidFill>
-                  <a:srgbClr val="0000FF"/>
-                </a:solidFill>
-                <a:latin typeface="Cascadia Mono" panose="020B0609020000020004" pitchFamily="49" charset="0"/>
-              </a:rPr>
-              <a:t>void</a:t>
-            </a:r>
-            <a:r>
-              <a:rPr lang="en-GB" sz="1400" dirty="0">
-                <a:solidFill>
-                  <a:srgbClr val="000000"/>
-                </a:solidFill>
-                <a:latin typeface="Cascadia Mono" panose="020B0609020000020004" pitchFamily="49" charset="0"/>
-              </a:rPr>
-              <a:t> </a:t>
-            </a:r>
-            <a:r>
-              <a:rPr lang="en-GB" sz="1400" dirty="0" err="1">
-                <a:solidFill>
-                  <a:srgbClr val="000000"/>
-                </a:solidFill>
-                <a:latin typeface="Cascadia Mono" panose="020B0609020000020004" pitchFamily="49" charset="0"/>
-              </a:rPr>
-              <a:t>deposite</a:t>
-            </a:r>
-            <a:r>
-              <a:rPr lang="en-GB" sz="1400" dirty="0">
-                <a:solidFill>
-                  <a:srgbClr val="000000"/>
-                </a:solidFill>
-                <a:latin typeface="Cascadia Mono" panose="020B0609020000020004" pitchFamily="49" charset="0"/>
-              </a:rPr>
-              <a:t>() {</a:t>
-            </a:r>
-          </a:p>
-          <a:p>
-            <a:r>
-              <a:rPr lang="en-GB" sz="1400" dirty="0">
-                <a:solidFill>
-                  <a:srgbClr val="000000"/>
-                </a:solidFill>
-                <a:latin typeface="Cascadia Mono" panose="020B0609020000020004" pitchFamily="49" charset="0"/>
-              </a:rPr>
-              <a:t>    }</a:t>
-            </a:r>
-          </a:p>
-          <a:p>
-            <a:endParaRPr lang="en-GB" sz="1400" dirty="0">
-              <a:solidFill>
-                <a:srgbClr val="000000"/>
-              </a:solidFill>
-              <a:latin typeface="Cascadia Mono" panose="020B0609020000020004" pitchFamily="49" charset="0"/>
-            </a:endParaRPr>
-          </a:p>
-          <a:p>
-            <a:r>
-              <a:rPr lang="en-GB" sz="1400" dirty="0">
-                <a:solidFill>
-                  <a:srgbClr val="000000"/>
-                </a:solidFill>
-                <a:latin typeface="Cascadia Mono" panose="020B0609020000020004" pitchFamily="49" charset="0"/>
-              </a:rPr>
-              <a:t>    </a:t>
-            </a:r>
-            <a:r>
-              <a:rPr lang="en-GB" sz="1400" dirty="0">
-                <a:solidFill>
-                  <a:srgbClr val="0000FF"/>
-                </a:solidFill>
-                <a:latin typeface="Cascadia Mono" panose="020B0609020000020004" pitchFamily="49" charset="0"/>
-              </a:rPr>
-              <a:t>public</a:t>
-            </a:r>
-            <a:r>
-              <a:rPr lang="en-GB" sz="1400" dirty="0">
-                <a:solidFill>
-                  <a:srgbClr val="000000"/>
-                </a:solidFill>
-                <a:latin typeface="Cascadia Mono" panose="020B0609020000020004" pitchFamily="49" charset="0"/>
-              </a:rPr>
-              <a:t> </a:t>
-            </a:r>
-            <a:r>
-              <a:rPr lang="en-GB" sz="1400" dirty="0">
-                <a:solidFill>
-                  <a:srgbClr val="0000FF"/>
-                </a:solidFill>
-                <a:latin typeface="Cascadia Mono" panose="020B0609020000020004" pitchFamily="49" charset="0"/>
-              </a:rPr>
-              <a:t>void</a:t>
-            </a:r>
-            <a:r>
-              <a:rPr lang="en-GB" sz="1400" dirty="0">
-                <a:solidFill>
-                  <a:srgbClr val="000000"/>
-                </a:solidFill>
-                <a:latin typeface="Cascadia Mono" panose="020B0609020000020004" pitchFamily="49" charset="0"/>
-              </a:rPr>
-              <a:t> </a:t>
-            </a:r>
-            <a:r>
-              <a:rPr lang="en-GB" sz="1400" dirty="0" err="1">
-                <a:solidFill>
-                  <a:srgbClr val="000000"/>
-                </a:solidFill>
-                <a:latin typeface="Cascadia Mono" panose="020B0609020000020004" pitchFamily="49" charset="0"/>
-              </a:rPr>
-              <a:t>sendNotification</a:t>
-            </a:r>
-            <a:r>
-              <a:rPr lang="en-GB" sz="1400" dirty="0">
-                <a:solidFill>
-                  <a:srgbClr val="000000"/>
-                </a:solidFill>
-                <a:latin typeface="Cascadia Mono" panose="020B0609020000020004" pitchFamily="49" charset="0"/>
-              </a:rPr>
-              <a:t>() {</a:t>
-            </a:r>
-          </a:p>
-          <a:p>
-            <a:r>
-              <a:rPr lang="en-GB" sz="1400" dirty="0">
-                <a:solidFill>
-                  <a:srgbClr val="000000"/>
-                </a:solidFill>
-                <a:latin typeface="Cascadia Mono" panose="020B0609020000020004" pitchFamily="49" charset="0"/>
-              </a:rPr>
-              <a:t>    }</a:t>
-            </a:r>
-          </a:p>
-          <a:p>
-            <a:endParaRPr lang="en-GB" sz="1400" dirty="0">
-              <a:solidFill>
-                <a:srgbClr val="000000"/>
-              </a:solidFill>
-              <a:latin typeface="Cascadia Mono" panose="020B0609020000020004" pitchFamily="49" charset="0"/>
-            </a:endParaRPr>
-          </a:p>
-          <a:p>
-            <a:r>
-              <a:rPr lang="en-GB" sz="1400" dirty="0">
-                <a:solidFill>
-                  <a:srgbClr val="000000"/>
-                </a:solidFill>
-                <a:latin typeface="Cascadia Mono" panose="020B0609020000020004" pitchFamily="49" charset="0"/>
-              </a:rPr>
-              <a:t>    </a:t>
-            </a:r>
-            <a:r>
-              <a:rPr lang="en-GB" sz="1400" dirty="0">
-                <a:solidFill>
-                  <a:srgbClr val="0000FF"/>
-                </a:solidFill>
-                <a:latin typeface="Cascadia Mono" panose="020B0609020000020004" pitchFamily="49" charset="0"/>
-              </a:rPr>
-              <a:t>public</a:t>
-            </a:r>
-            <a:r>
-              <a:rPr lang="en-GB" sz="1400" dirty="0">
-                <a:solidFill>
-                  <a:srgbClr val="000000"/>
-                </a:solidFill>
-                <a:latin typeface="Cascadia Mono" panose="020B0609020000020004" pitchFamily="49" charset="0"/>
-              </a:rPr>
-              <a:t> </a:t>
-            </a:r>
-            <a:r>
-              <a:rPr lang="en-GB" sz="1400" dirty="0">
-                <a:solidFill>
-                  <a:srgbClr val="0000FF"/>
-                </a:solidFill>
-                <a:latin typeface="Cascadia Mono" panose="020B0609020000020004" pitchFamily="49" charset="0"/>
-              </a:rPr>
-              <a:t>void</a:t>
-            </a:r>
-            <a:r>
-              <a:rPr lang="en-GB" sz="1400" dirty="0">
-                <a:solidFill>
-                  <a:srgbClr val="000000"/>
-                </a:solidFill>
-                <a:latin typeface="Cascadia Mono" panose="020B0609020000020004" pitchFamily="49" charset="0"/>
-              </a:rPr>
-              <a:t> </a:t>
-            </a:r>
-            <a:r>
-              <a:rPr lang="en-GB" sz="1400" dirty="0" err="1">
-                <a:solidFill>
-                  <a:srgbClr val="000000"/>
-                </a:solidFill>
-                <a:latin typeface="Cascadia Mono" panose="020B0609020000020004" pitchFamily="49" charset="0"/>
-              </a:rPr>
-              <a:t>viewStatement</a:t>
-            </a:r>
-            <a:r>
-              <a:rPr lang="en-GB" sz="1400" dirty="0">
-                <a:solidFill>
-                  <a:srgbClr val="000000"/>
-                </a:solidFill>
-                <a:latin typeface="Cascadia Mono" panose="020B0609020000020004" pitchFamily="49" charset="0"/>
-              </a:rPr>
-              <a:t>() {</a:t>
-            </a:r>
-          </a:p>
-          <a:p>
-            <a:r>
-              <a:rPr lang="en-GB" sz="1400" dirty="0">
-                <a:solidFill>
-                  <a:srgbClr val="000000"/>
-                </a:solidFill>
-                <a:latin typeface="Cascadia Mono" panose="020B0609020000020004" pitchFamily="49" charset="0"/>
-              </a:rPr>
-              <a:t>    }</a:t>
-            </a:r>
-          </a:p>
-          <a:p>
-            <a:endParaRPr lang="en-GB" sz="1400" dirty="0">
-              <a:solidFill>
-                <a:srgbClr val="000000"/>
-              </a:solidFill>
-              <a:latin typeface="Cascadia Mono" panose="020B0609020000020004" pitchFamily="49" charset="0"/>
-            </a:endParaRPr>
-          </a:p>
-          <a:p>
-            <a:r>
-              <a:rPr lang="en-GB" sz="1400" dirty="0">
-                <a:solidFill>
-                  <a:srgbClr val="000000"/>
-                </a:solidFill>
-                <a:latin typeface="Cascadia Mono" panose="020B0609020000020004" pitchFamily="49" charset="0"/>
-              </a:rPr>
-              <a:t>    </a:t>
-            </a:r>
-            <a:r>
-              <a:rPr lang="en-GB" sz="1400" dirty="0">
-                <a:solidFill>
-                  <a:srgbClr val="0000FF"/>
-                </a:solidFill>
-                <a:latin typeface="Cascadia Mono" panose="020B0609020000020004" pitchFamily="49" charset="0"/>
-              </a:rPr>
-              <a:t>public</a:t>
-            </a:r>
-            <a:r>
-              <a:rPr lang="en-GB" sz="1400" dirty="0">
-                <a:solidFill>
-                  <a:srgbClr val="000000"/>
-                </a:solidFill>
-                <a:latin typeface="Cascadia Mono" panose="020B0609020000020004" pitchFamily="49" charset="0"/>
-              </a:rPr>
-              <a:t> </a:t>
-            </a:r>
-            <a:r>
-              <a:rPr lang="en-GB" sz="1400" dirty="0">
-                <a:solidFill>
-                  <a:srgbClr val="0000FF"/>
-                </a:solidFill>
-                <a:latin typeface="Cascadia Mono" panose="020B0609020000020004" pitchFamily="49" charset="0"/>
-              </a:rPr>
-              <a:t>void</a:t>
-            </a:r>
-            <a:r>
-              <a:rPr lang="en-GB" sz="1400" dirty="0">
-                <a:solidFill>
-                  <a:srgbClr val="000000"/>
-                </a:solidFill>
-                <a:latin typeface="Cascadia Mono" panose="020B0609020000020004" pitchFamily="49" charset="0"/>
-              </a:rPr>
-              <a:t> withdraw() {</a:t>
-            </a:r>
-          </a:p>
-          <a:p>
-            <a:r>
-              <a:rPr lang="en-GB" sz="1400" dirty="0">
-                <a:solidFill>
-                  <a:srgbClr val="000000"/>
-                </a:solidFill>
-                <a:latin typeface="Cascadia Mono" panose="020B0609020000020004" pitchFamily="49" charset="0"/>
-              </a:rPr>
-              <a:t>    }</a:t>
-            </a:r>
-          </a:p>
-          <a:p>
-            <a:r>
-              <a:rPr lang="en-GB" sz="1400" dirty="0">
-                <a:solidFill>
-                  <a:srgbClr val="000000"/>
-                </a:solidFill>
-                <a:latin typeface="Cascadia Mono" panose="020B0609020000020004" pitchFamily="49" charset="0"/>
-              </a:rPr>
-              <a:t>}</a:t>
-            </a:r>
-          </a:p>
-        </p:txBody>
-      </p:sp>
-      <p:pic>
-        <p:nvPicPr>
-          <p:cNvPr id="10" name="Picture 9">
-            <a:extLst>
-              <a:ext uri="{FF2B5EF4-FFF2-40B4-BE49-F238E27FC236}">
-                <a16:creationId xmlns:a16="http://schemas.microsoft.com/office/drawing/2014/main" id="{63339A75-2618-7BCE-EB4F-635A168C2CB4}"/>
-              </a:ext>
-            </a:extLst>
-          </p:cNvPr>
-          <p:cNvPicPr>
-            <a:picLocks noChangeAspect="1"/>
-          </p:cNvPicPr>
-          <p:nvPr/>
-        </p:nvPicPr>
-        <p:blipFill>
-          <a:blip r:embed="rId3"/>
-          <a:stretch>
-            <a:fillRect/>
-          </a:stretch>
-        </p:blipFill>
-        <p:spPr>
-          <a:xfrm>
-            <a:off x="2838450" y="4051300"/>
-            <a:ext cx="2266950" cy="1333500"/>
-          </a:xfrm>
-          <a:prstGeom prst="rect">
-            <a:avLst/>
-          </a:prstGeom>
-        </p:spPr>
-      </p:pic>
-    </p:spTree>
-    <p:extLst>
-      <p:ext uri="{BB962C8B-B14F-4D97-AF65-F5344CB8AC3E}">
-        <p14:creationId xmlns:p14="http://schemas.microsoft.com/office/powerpoint/2010/main" val="3211932441"/>
       </p:ext>
     </p:extLst>
   </p:cSld>
@@ -36188,32 +36934,6 @@
 </file>
 
 <file path=customXml/item1.xml><?xml version="1.0" encoding="utf-8"?>
-<p:properties xmlns:p="http://schemas.microsoft.com/office/2006/metadata/properties" xmlns:xsi="http://www.w3.org/2001/XMLSchema-instance" xmlns:pc="http://schemas.microsoft.com/office/infopath/2007/PartnerControls">
-  <documentManagement>
-    <SequenceNumber xmlns="6794D9DE-4FDF-4DC0-8B2C-5438320C69D5" xsi:nil="true"/>
-    <IsBuildFile xmlns="6794D9DE-4FDF-4DC0-8B2C-5438320C69D5" xsi:nil="true"/>
-    <BookTypeField0 xmlns="6794D9DE-4FDF-4DC0-8B2C-5438320C69D5">
-      <Terms xmlns="http://schemas.microsoft.com/office/infopath/2007/PartnerControls">
-        <TermInfo xmlns="http://schemas.microsoft.com/office/infopath/2007/PartnerControls">
-          <TermName xmlns="http://schemas.microsoft.com/office/infopath/2007/PartnerControls">IK</TermName>
-          <TermId xmlns="http://schemas.microsoft.com/office/infopath/2007/PartnerControls">5abe6401-e87a-4499-80b4-3d21a1a6ebd7</TermId>
-        </TermInfo>
-      </Terms>
-    </BookTypeField0>
-  </documentManagement>
-</p:properties>
-</file>
-
-<file path=customXml/item2.xml><?xml version="1.0" encoding="utf-8"?>
-<?mso-contentType ?>
-<FormTemplates xmlns="http://schemas.microsoft.com/sharepoint/v3/contenttype/forms">
-  <Display>DocumentLibraryForm</Display>
-  <Edit>DocumentLibraryForm</Edit>
-  <New>DocumentLibraryForm</New>
-</FormTemplates>
-</file>
-
-<file path=customXml/item3.xml><?xml version="1.0" encoding="utf-8"?>
 <ct:contentTypeSchema xmlns:ct="http://schemas.microsoft.com/office/2006/metadata/contentType" xmlns:ma="http://schemas.microsoft.com/office/2006/metadata/properties/metaAttributes" ct:_="" ma:_="" ma:contentTypeName="Courseware" ma:contentTypeID="0x010100F0967B7CEE8D417F966757887D9466FB00B3EF5B1D149FDF49B1880C030D548140" ma:contentTypeVersion="0" ma:contentTypeDescription="Base content type which represents courseware documents" ma:contentTypeScope="" ma:versionID="ab0d7ca79e0ea5a537b031f986da336c">
   <xsd:schema xmlns:xsd="http://www.w3.org/2001/XMLSchema" xmlns:xs="http://www.w3.org/2001/XMLSchema" xmlns:p="http://schemas.microsoft.com/office/2006/metadata/properties" xmlns:ns2="6794D9DE-4FDF-4DC0-8B2C-5438320C69D5" targetNamespace="http://schemas.microsoft.com/office/2006/metadata/properties" ma:root="true" ma:fieldsID="7ff8e7c62cc10108c036e94c947d8fb9" ns2:_="">
     <xsd:import namespace="6794D9DE-4FDF-4DC0-8B2C-5438320C69D5"/>
@@ -36353,31 +37073,33 @@
 </ct:contentTypeSchema>
 </file>
 
-<file path=customXml/itemProps1.xml><?xml version="1.0" encoding="utf-8"?>
-<ds:datastoreItem xmlns:ds="http://schemas.openxmlformats.org/officeDocument/2006/customXml" ds:itemID="{B8CA8464-660D-407C-9BC6-65570507D9BC}">
-  <ds:schemaRefs>
-    <ds:schemaRef ds:uri="http://schemas.microsoft.com/office/2006/documentManagement/types"/>
-    <ds:schemaRef ds:uri="http://purl.org/dc/dcmitype/"/>
-    <ds:schemaRef ds:uri="6794D9DE-4FDF-4DC0-8B2C-5438320C69D5"/>
-    <ds:schemaRef ds:uri="http://schemas.microsoft.com/office/2006/metadata/properties"/>
-    <ds:schemaRef ds:uri="http://purl.org/dc/terms/"/>
-    <ds:schemaRef ds:uri="http://purl.org/dc/elements/1.1/"/>
-    <ds:schemaRef ds:uri="http://schemas.openxmlformats.org/package/2006/metadata/core-properties"/>
-    <ds:schemaRef ds:uri="http://schemas.microsoft.com/office/infopath/2007/PartnerControls"/>
-    <ds:schemaRef ds:uri="http://www.w3.org/XML/1998/namespace"/>
-  </ds:schemaRefs>
-</ds:datastoreItem>
+<file path=customXml/item2.xml><?xml version="1.0" encoding="utf-8"?>
+<?mso-contentType ?>
+<FormTemplates xmlns="http://schemas.microsoft.com/sharepoint/v3/contenttype/forms">
+  <Display>DocumentLibraryForm</Display>
+  <Edit>DocumentLibraryForm</Edit>
+  <New>DocumentLibraryForm</New>
+</FormTemplates>
 </file>
 
-<file path=customXml/itemProps2.xml><?xml version="1.0" encoding="utf-8"?>
-<ds:datastoreItem xmlns:ds="http://schemas.openxmlformats.org/officeDocument/2006/customXml" ds:itemID="{F5EE1230-8E06-4B7E-922E-37040E46E781}">
-  <ds:schemaRefs>
-    <ds:schemaRef ds:uri="http://schemas.microsoft.com/sharepoint/v3/contenttype/forms"/>
-  </ds:schemaRefs>
-</ds:datastoreItem>
+<file path=customXml/item3.xml><?xml version="1.0" encoding="utf-8"?>
+<p:properties xmlns:p="http://schemas.microsoft.com/office/2006/metadata/properties" xmlns:xsi="http://www.w3.org/2001/XMLSchema-instance" xmlns:pc="http://schemas.microsoft.com/office/infopath/2007/PartnerControls">
+  <documentManagement>
+    <SequenceNumber xmlns="6794D9DE-4FDF-4DC0-8B2C-5438320C69D5" xsi:nil="true"/>
+    <IsBuildFile xmlns="6794D9DE-4FDF-4DC0-8B2C-5438320C69D5" xsi:nil="true"/>
+    <BookTypeField0 xmlns="6794D9DE-4FDF-4DC0-8B2C-5438320C69D5">
+      <Terms xmlns="http://schemas.microsoft.com/office/infopath/2007/PartnerControls">
+        <TermInfo xmlns="http://schemas.microsoft.com/office/infopath/2007/PartnerControls">
+          <TermName xmlns="http://schemas.microsoft.com/office/infopath/2007/PartnerControls">IK</TermName>
+          <TermId xmlns="http://schemas.microsoft.com/office/infopath/2007/PartnerControls">5abe6401-e87a-4499-80b4-3d21a1a6ebd7</TermId>
+        </TermInfo>
+      </Terms>
+    </BookTypeField0>
+  </documentManagement>
+</p:properties>
 </file>
 
-<file path=customXml/itemProps3.xml><?xml version="1.0" encoding="utf-8"?>
+<file path=customXml/itemProps1.xml><?xml version="1.0" encoding="utf-8"?>
 <ds:datastoreItem xmlns:ds="http://schemas.openxmlformats.org/officeDocument/2006/customXml" ds:itemID="{BA980A2A-027D-4974-B588-4101B49F521D}">
   <ds:schemaRefs>
     <ds:schemaRef ds:uri="http://schemas.microsoft.com/office/2006/metadata/contentType"/>
@@ -36393,4 +37115,28 @@
     <ds:schemaRef ds:uri="http://schemas.microsoft.com/internal/obd"/>
   </ds:schemaRefs>
 </ds:datastoreItem>
+</file>
+
+<file path=customXml/itemProps2.xml><?xml version="1.0" encoding="utf-8"?>
+<ds:datastoreItem xmlns:ds="http://schemas.openxmlformats.org/officeDocument/2006/customXml" ds:itemID="{F5EE1230-8E06-4B7E-922E-37040E46E781}">
+  <ds:schemaRefs>
+    <ds:schemaRef ds:uri="http://schemas.microsoft.com/sharepoint/v3/contenttype/forms"/>
+  </ds:schemaRefs>
+</ds:datastoreItem>
+</file>
+
+<file path=customXml/itemProps3.xml><?xml version="1.0" encoding="utf-8"?>
+<ds:datastoreItem xmlns:ds="http://schemas.openxmlformats.org/officeDocument/2006/customXml" ds:itemID="{B8CA8464-660D-407C-9BC6-65570507D9BC}">
+  <ds:schemaRefs>
+    <ds:schemaRef ds:uri="http://schemas.microsoft.com/office/2006/documentManagement/types"/>
+    <ds:schemaRef ds:uri="http://purl.org/dc/dcmitype/"/>
+    <ds:schemaRef ds:uri="6794D9DE-4FDF-4DC0-8B2C-5438320C69D5"/>
+    <ds:schemaRef ds:uri="http://schemas.microsoft.com/office/2006/metadata/properties"/>
+    <ds:schemaRef ds:uri="http://purl.org/dc/terms/"/>
+    <ds:schemaRef ds:uri="http://purl.org/dc/elements/1.1/"/>
+    <ds:schemaRef ds:uri="http://schemas.openxmlformats.org/package/2006/metadata/core-properties"/>
+    <ds:schemaRef ds:uri="http://schemas.microsoft.com/office/infopath/2007/PartnerControls"/>
+    <ds:schemaRef ds:uri="http://www.w3.org/XML/1998/namespace"/>
+  </ds:schemaRefs>
+</ds:datastoreItem>
 </file>
--- a/10-Interfaces.pptx
+++ b/10-Interfaces.pptx
@@ -5,10 +5,10 @@
     <p:sldMasterId id="2147483648" r:id="rId4"/>
   </p:sldMasterIdLst>
   <p:notesMasterIdLst>
-    <p:notesMasterId r:id="rId17"/>
+    <p:notesMasterId r:id="rId16"/>
   </p:notesMasterIdLst>
   <p:handoutMasterIdLst>
-    <p:handoutMasterId r:id="rId18"/>
+    <p:handoutMasterId r:id="rId17"/>
   </p:handoutMasterIdLst>
   <p:sldIdLst>
     <p:sldId id="299" r:id="rId5"/>
@@ -18,16 +18,15 @@
     <p:sldId id="802" r:id="rId9"/>
     <p:sldId id="803" r:id="rId10"/>
     <p:sldId id="804" r:id="rId11"/>
-    <p:sldId id="825" r:id="rId12"/>
-    <p:sldId id="805" r:id="rId13"/>
-    <p:sldId id="811" r:id="rId14"/>
-    <p:sldId id="824" r:id="rId15"/>
-    <p:sldId id="823" r:id="rId16"/>
+    <p:sldId id="805" r:id="rId12"/>
+    <p:sldId id="811" r:id="rId13"/>
+    <p:sldId id="824" r:id="rId14"/>
+    <p:sldId id="823" r:id="rId15"/>
   </p:sldIdLst>
   <p:sldSz cx="12192000" cy="6858000"/>
   <p:notesSz cx="6645275" cy="9775825"/>
   <p:custDataLst>
-    <p:tags r:id="rId19"/>
+    <p:tags r:id="rId18"/>
   </p:custDataLst>
   <p:defaultTextStyle>
     <a:defPPr>
@@ -136,7 +135,6 @@
             <p14:sldId id="802"/>
             <p14:sldId id="803"/>
             <p14:sldId id="804"/>
-            <p14:sldId id="825"/>
             <p14:sldId id="805"/>
             <p14:sldId id="811"/>
             <p14:sldId id="824"/>
@@ -3415,96 +3413,6 @@
 </p:notes>
 </file>
 
-<file path=ppt/notesSlides/notesSlide10.xml><?xml version="1.0" encoding="utf-8"?>
-<p:notes xmlns:a="http://schemas.openxmlformats.org/drawingml/2006/main" xmlns:r="http://schemas.openxmlformats.org/officeDocument/2006/relationships" xmlns:p="http://schemas.openxmlformats.org/presentationml/2006/main">
-  <p:cSld>
-    <p:spTree>
-      <p:nvGrpSpPr>
-        <p:cNvPr id="1" name=""/>
-        <p:cNvGrpSpPr/>
-        <p:nvPr/>
-      </p:nvGrpSpPr>
-      <p:grpSpPr>
-        <a:xfrm>
-          <a:off x="0" y="0"/>
-          <a:ext cx="0" cy="0"/>
-          <a:chOff x="0" y="0"/>
-          <a:chExt cx="0" cy="0"/>
-        </a:xfrm>
-      </p:grpSpPr>
-      <p:sp>
-        <p:nvSpPr>
-          <p:cNvPr id="58370" name="Rectangle 2"/>
-          <p:cNvSpPr>
-            <a:spLocks noGrp="1" noRot="1" noChangeAspect="1" noChangeArrowheads="1" noTextEdit="1"/>
-          </p:cNvSpPr>
-          <p:nvPr>
-            <p:ph type="sldImg"/>
-          </p:nvPr>
-        </p:nvSpPr>
-        <p:spPr>
-          <a:ln/>
-        </p:spPr>
-      </p:sp>
-      <p:sp>
-        <p:nvSpPr>
-          <p:cNvPr id="58371" name="Rectangle 3"/>
-          <p:cNvSpPr>
-            <a:spLocks noGrp="1" noChangeArrowheads="1"/>
-          </p:cNvSpPr>
-          <p:nvPr>
-            <p:ph type="body" idx="1"/>
-          </p:nvPr>
-        </p:nvSpPr>
-        <p:spPr>
-          <a:noFill/>
-          <a:ln/>
-        </p:spPr>
-        <p:txBody>
-          <a:bodyPr/>
-          <a:lstStyle/>
-          <a:p>
-            <a:endParaRPr lang="en-US"/>
-          </a:p>
-        </p:txBody>
-      </p:sp>
-      <p:sp>
-        <p:nvSpPr>
-          <p:cNvPr id="2" name="Slide Number Placeholder 1"/>
-          <p:cNvSpPr>
-            <a:spLocks noGrp="1"/>
-          </p:cNvSpPr>
-          <p:nvPr>
-            <p:ph type="sldNum" sz="quarter" idx="10"/>
-          </p:nvPr>
-        </p:nvSpPr>
-        <p:spPr/>
-        <p:txBody>
-          <a:bodyPr/>
-          <a:lstStyle/>
-          <a:p>
-            <a:fld id="{548901C6-1DA1-FB44-ABEE-06A0FEB7738E}" type="slidenum">
-              <a:rPr lang="en-GB" smtClean="0"/>
-              <a:pPr/>
-              <a:t>12</a:t>
-            </a:fld>
-            <a:endParaRPr lang="en-GB"/>
-          </a:p>
-        </p:txBody>
-      </p:sp>
-    </p:spTree>
-    <p:extLst>
-      <p:ext uri="{BB962C8B-B14F-4D97-AF65-F5344CB8AC3E}">
-        <p14:creationId xmlns:p14="http://schemas.microsoft.com/office/powerpoint/2010/main" val="1235038837"/>
-      </p:ext>
-    </p:extLst>
-  </p:cSld>
-  <p:clrMapOvr>
-    <a:masterClrMapping/>
-  </p:clrMapOvr>
-</p:notes>
-</file>
-
 <file path=ppt/notesSlides/notesSlide2.xml><?xml version="1.0" encoding="utf-8"?>
 <p:notes xmlns:a="http://schemas.openxmlformats.org/drawingml/2006/main" xmlns:r="http://schemas.openxmlformats.org/officeDocument/2006/relationships" xmlns:p="http://schemas.openxmlformats.org/presentationml/2006/main">
   <p:cSld>
@@ -3965,90 +3873,6 @@
   <p:cSld>
     <p:spTree>
       <p:nvGrpSpPr>
-        <p:cNvPr id="1" name="">
-          <a:extLst>
-            <a:ext uri="{FF2B5EF4-FFF2-40B4-BE49-F238E27FC236}">
-              <a16:creationId xmlns:a16="http://schemas.microsoft.com/office/drawing/2014/main" id="{9687E079-1D71-A738-6A68-15446AC8D0C7}"/>
-            </a:ext>
-          </a:extLst>
-        </p:cNvPr>
-        <p:cNvGrpSpPr/>
-        <p:nvPr/>
-      </p:nvGrpSpPr>
-      <p:grpSpPr>
-        <a:xfrm>
-          <a:off x="0" y="0"/>
-          <a:ext cx="0" cy="0"/>
-          <a:chOff x="0" y="0"/>
-          <a:chExt cx="0" cy="0"/>
-        </a:xfrm>
-      </p:grpSpPr>
-      <p:sp>
-        <p:nvSpPr>
-          <p:cNvPr id="27650" name="Rectangle 2">
-            <a:extLst>
-              <a:ext uri="{FF2B5EF4-FFF2-40B4-BE49-F238E27FC236}">
-                <a16:creationId xmlns:a16="http://schemas.microsoft.com/office/drawing/2014/main" id="{1BF6582D-624A-D533-F951-16C7F50941DD}"/>
-              </a:ext>
-            </a:extLst>
-          </p:cNvPr>
-          <p:cNvSpPr>
-            <a:spLocks noGrp="1" noRot="1" noChangeAspect="1" noChangeArrowheads="1" noTextEdit="1"/>
-          </p:cNvSpPr>
-          <p:nvPr>
-            <p:ph type="sldImg"/>
-          </p:nvPr>
-        </p:nvSpPr>
-        <p:spPr>
-          <a:ln/>
-        </p:spPr>
-      </p:sp>
-      <p:sp>
-        <p:nvSpPr>
-          <p:cNvPr id="27651" name="Rectangle 3">
-            <a:extLst>
-              <a:ext uri="{FF2B5EF4-FFF2-40B4-BE49-F238E27FC236}">
-                <a16:creationId xmlns:a16="http://schemas.microsoft.com/office/drawing/2014/main" id="{5816F3A0-4941-548D-773E-873DAE307D6D}"/>
-              </a:ext>
-            </a:extLst>
-          </p:cNvPr>
-          <p:cNvSpPr>
-            <a:spLocks noGrp="1" noChangeArrowheads="1"/>
-          </p:cNvSpPr>
-          <p:nvPr>
-            <p:ph type="body" idx="1"/>
-          </p:nvPr>
-        </p:nvSpPr>
-        <p:spPr>
-          <a:noFill/>
-          <a:ln/>
-        </p:spPr>
-        <p:txBody>
-          <a:bodyPr/>
-          <a:lstStyle/>
-          <a:p>
-            <a:endParaRPr lang="en-GB" dirty="0"/>
-          </a:p>
-        </p:txBody>
-      </p:sp>
-    </p:spTree>
-    <p:extLst>
-      <p:ext uri="{BB962C8B-B14F-4D97-AF65-F5344CB8AC3E}">
-        <p14:creationId xmlns:p14="http://schemas.microsoft.com/office/powerpoint/2010/main" val="3264251119"/>
-      </p:ext>
-    </p:extLst>
-  </p:cSld>
-  <p:clrMapOvr>
-    <a:masterClrMapping/>
-  </p:clrMapOvr>
-</p:notes>
-</file>
-
-<file path=ppt/notesSlides/notesSlide8.xml><?xml version="1.0" encoding="utf-8"?>
-<p:notes xmlns:a="http://schemas.openxmlformats.org/drawingml/2006/main" xmlns:r="http://schemas.openxmlformats.org/officeDocument/2006/relationships" xmlns:p="http://schemas.openxmlformats.org/presentationml/2006/main">
-  <p:cSld>
-    <p:spTree>
-      <p:nvGrpSpPr>
         <p:cNvPr id="1" name=""/>
         <p:cNvGrpSpPr/>
         <p:nvPr/>
@@ -4116,7 +3940,7 @@
 </p:notes>
 </file>
 
-<file path=ppt/notesSlides/notesSlide9.xml><?xml version="1.0" encoding="utf-8"?>
+<file path=ppt/notesSlides/notesSlide8.xml><?xml version="1.0" encoding="utf-8"?>
 <p:notes xmlns:a="http://schemas.openxmlformats.org/drawingml/2006/main" xmlns:r="http://schemas.openxmlformats.org/officeDocument/2006/relationships" xmlns:p="http://schemas.openxmlformats.org/presentationml/2006/main">
   <p:cSld>
     <p:spTree>
@@ -4187,7 +4011,7 @@
             <a:fld id="{548901C6-1DA1-FB44-ABEE-06A0FEB7738E}" type="slidenum">
               <a:rPr lang="en-GB" smtClean="0"/>
               <a:pPr/>
-              <a:t>11</a:t>
+              <a:t>10</a:t>
             </a:fld>
             <a:endParaRPr lang="en-GB"/>
           </a:p>
@@ -4197,6 +4021,96 @@
     <p:extLst>
       <p:ext uri="{BB962C8B-B14F-4D97-AF65-F5344CB8AC3E}">
         <p14:creationId xmlns:p14="http://schemas.microsoft.com/office/powerpoint/2010/main" val="2280072160"/>
+      </p:ext>
+    </p:extLst>
+  </p:cSld>
+  <p:clrMapOvr>
+    <a:masterClrMapping/>
+  </p:clrMapOvr>
+</p:notes>
+</file>
+
+<file path=ppt/notesSlides/notesSlide9.xml><?xml version="1.0" encoding="utf-8"?>
+<p:notes xmlns:a="http://schemas.openxmlformats.org/drawingml/2006/main" xmlns:r="http://schemas.openxmlformats.org/officeDocument/2006/relationships" xmlns:p="http://schemas.openxmlformats.org/presentationml/2006/main">
+  <p:cSld>
+    <p:spTree>
+      <p:nvGrpSpPr>
+        <p:cNvPr id="1" name=""/>
+        <p:cNvGrpSpPr/>
+        <p:nvPr/>
+      </p:nvGrpSpPr>
+      <p:grpSpPr>
+        <a:xfrm>
+          <a:off x="0" y="0"/>
+          <a:ext cx="0" cy="0"/>
+          <a:chOff x="0" y="0"/>
+          <a:chExt cx="0" cy="0"/>
+        </a:xfrm>
+      </p:grpSpPr>
+      <p:sp>
+        <p:nvSpPr>
+          <p:cNvPr id="58370" name="Rectangle 2"/>
+          <p:cNvSpPr>
+            <a:spLocks noGrp="1" noRot="1" noChangeAspect="1" noChangeArrowheads="1" noTextEdit="1"/>
+          </p:cNvSpPr>
+          <p:nvPr>
+            <p:ph type="sldImg"/>
+          </p:nvPr>
+        </p:nvSpPr>
+        <p:spPr>
+          <a:ln/>
+        </p:spPr>
+      </p:sp>
+      <p:sp>
+        <p:nvSpPr>
+          <p:cNvPr id="58371" name="Rectangle 3"/>
+          <p:cNvSpPr>
+            <a:spLocks noGrp="1" noChangeArrowheads="1"/>
+          </p:cNvSpPr>
+          <p:nvPr>
+            <p:ph type="body" idx="1"/>
+          </p:nvPr>
+        </p:nvSpPr>
+        <p:spPr>
+          <a:noFill/>
+          <a:ln/>
+        </p:spPr>
+        <p:txBody>
+          <a:bodyPr/>
+          <a:lstStyle/>
+          <a:p>
+            <a:endParaRPr lang="en-US"/>
+          </a:p>
+        </p:txBody>
+      </p:sp>
+      <p:sp>
+        <p:nvSpPr>
+          <p:cNvPr id="2" name="Slide Number Placeholder 1"/>
+          <p:cNvSpPr>
+            <a:spLocks noGrp="1"/>
+          </p:cNvSpPr>
+          <p:nvPr>
+            <p:ph type="sldNum" sz="quarter" idx="10"/>
+          </p:nvPr>
+        </p:nvSpPr>
+        <p:spPr/>
+        <p:txBody>
+          <a:bodyPr/>
+          <a:lstStyle/>
+          <a:p>
+            <a:fld id="{548901C6-1DA1-FB44-ABEE-06A0FEB7738E}" type="slidenum">
+              <a:rPr lang="en-GB" smtClean="0"/>
+              <a:pPr/>
+              <a:t>11</a:t>
+            </a:fld>
+            <a:endParaRPr lang="en-GB"/>
+          </a:p>
+        </p:txBody>
+      </p:sp>
+    </p:spTree>
+    <p:extLst>
+      <p:ext uri="{BB962C8B-B14F-4D97-AF65-F5344CB8AC3E}">
+        <p14:creationId xmlns:p14="http://schemas.microsoft.com/office/powerpoint/2010/main" val="1235038837"/>
       </p:ext>
     </p:extLst>
   </p:cSld>
@@ -29282,784 +29196,6 @@
       </p:grpSpPr>
       <p:sp>
         <p:nvSpPr>
-          <p:cNvPr id="2" name="Slide Number Placeholder 1">
-            <a:extLst>
-              <a:ext uri="{FF2B5EF4-FFF2-40B4-BE49-F238E27FC236}">
-                <a16:creationId xmlns:a16="http://schemas.microsoft.com/office/drawing/2014/main" id="{EDA65B5B-1413-AFEE-1B19-E1C311D99BC2}"/>
-              </a:ext>
-            </a:extLst>
-          </p:cNvPr>
-          <p:cNvSpPr>
-            <a:spLocks noGrp="1"/>
-          </p:cNvSpPr>
-          <p:nvPr>
-            <p:ph type="sldNum" sz="quarter" idx="4"/>
-          </p:nvPr>
-        </p:nvSpPr>
-        <p:spPr/>
-        <p:txBody>
-          <a:bodyPr/>
-          <a:lstStyle/>
-          <a:p>
-            <a:fld id="{EF892D59-8F09-EF4B-AD6D-DA609442F868}" type="slidenum">
-              <a:rPr lang="en-GB" smtClean="0"/>
-              <a:pPr/>
-              <a:t>10</a:t>
-            </a:fld>
-            <a:endParaRPr lang="en-GB" dirty="0"/>
-          </a:p>
-        </p:txBody>
-      </p:sp>
-      <p:sp>
-        <p:nvSpPr>
-          <p:cNvPr id="3" name="Title 2">
-            <a:extLst>
-              <a:ext uri="{FF2B5EF4-FFF2-40B4-BE49-F238E27FC236}">
-                <a16:creationId xmlns:a16="http://schemas.microsoft.com/office/drawing/2014/main" id="{2B46FBA8-7D51-749A-AE93-EF85E4F8EBDE}"/>
-              </a:ext>
-            </a:extLst>
-          </p:cNvPr>
-          <p:cNvSpPr>
-            <a:spLocks noGrp="1"/>
-          </p:cNvSpPr>
-          <p:nvPr>
-            <p:ph type="title"/>
-          </p:nvPr>
-        </p:nvSpPr>
-        <p:spPr/>
-        <p:txBody>
-          <a:bodyPr/>
-          <a:lstStyle/>
-          <a:p>
-            <a:r>
-              <a:rPr lang="en-GB" dirty="0"/>
-              <a:t>Extending Interfaces</a:t>
-            </a:r>
-          </a:p>
-        </p:txBody>
-      </p:sp>
-      <p:pic>
-        <p:nvPicPr>
-          <p:cNvPr id="6" name="Picture 5">
-            <a:extLst>
-              <a:ext uri="{FF2B5EF4-FFF2-40B4-BE49-F238E27FC236}">
-                <a16:creationId xmlns:a16="http://schemas.microsoft.com/office/drawing/2014/main" id="{168F9B9A-F556-86B2-5A3C-918DF879D30D}"/>
-              </a:ext>
-            </a:extLst>
-          </p:cNvPr>
-          <p:cNvPicPr>
-            <a:picLocks noChangeAspect="1"/>
-          </p:cNvPicPr>
-          <p:nvPr/>
-        </p:nvPicPr>
-        <p:blipFill>
-          <a:blip r:embed="rId2"/>
-          <a:stretch>
-            <a:fillRect/>
-          </a:stretch>
-        </p:blipFill>
-        <p:spPr>
-          <a:xfrm>
-            <a:off x="527050" y="1368256"/>
-            <a:ext cx="1943100" cy="4648200"/>
-          </a:xfrm>
-          <a:prstGeom prst="rect">
-            <a:avLst/>
-          </a:prstGeom>
-        </p:spPr>
-      </p:pic>
-      <p:sp>
-        <p:nvSpPr>
-          <p:cNvPr id="8" name="TextBox 7">
-            <a:extLst>
-              <a:ext uri="{FF2B5EF4-FFF2-40B4-BE49-F238E27FC236}">
-                <a16:creationId xmlns:a16="http://schemas.microsoft.com/office/drawing/2014/main" id="{F4C25988-E75E-1F39-3DB1-FEBE36A503FC}"/>
-              </a:ext>
-            </a:extLst>
-          </p:cNvPr>
-          <p:cNvSpPr txBox="1"/>
-          <p:nvPr/>
-        </p:nvSpPr>
-        <p:spPr>
-          <a:xfrm>
-            <a:off x="5513427" y="1544018"/>
-            <a:ext cx="6287177" cy="4493538"/>
-          </a:xfrm>
-          <a:prstGeom prst="rect">
-            <a:avLst/>
-          </a:prstGeom>
-          <a:solidFill>
-            <a:schemeClr val="accent5">
-              <a:lumMod val="20000"/>
-              <a:lumOff val="80000"/>
-            </a:schemeClr>
-          </a:solidFill>
-          <a:effectLst>
-            <a:outerShdw blurRad="50800" dist="38100" algn="l" rotWithShape="0">
-              <a:prstClr val="black">
-                <a:alpha val="40000"/>
-              </a:prstClr>
-            </a:outerShdw>
-          </a:effectLst>
-        </p:spPr>
-        <p:txBody>
-          <a:bodyPr wrap="square">
-            <a:spAutoFit/>
-          </a:bodyPr>
-          <a:lstStyle/>
-          <a:p>
-            <a:r>
-              <a:rPr lang="en-GB" sz="1600" b="1" dirty="0">
-                <a:solidFill>
-                  <a:srgbClr val="0000FF"/>
-                </a:solidFill>
-                <a:latin typeface="Cascadia Mono" panose="020B0609020000020004" pitchFamily="49" charset="0"/>
-              </a:rPr>
-              <a:t>public</a:t>
-            </a:r>
-            <a:r>
-              <a:rPr lang="en-GB" sz="1600" b="1" dirty="0">
-                <a:solidFill>
-                  <a:srgbClr val="000000"/>
-                </a:solidFill>
-                <a:latin typeface="Cascadia Mono" panose="020B0609020000020004" pitchFamily="49" charset="0"/>
-              </a:rPr>
-              <a:t> </a:t>
-            </a:r>
-            <a:r>
-              <a:rPr lang="en-GB" sz="1600" b="1" dirty="0">
-                <a:solidFill>
-                  <a:srgbClr val="0000FF"/>
-                </a:solidFill>
-                <a:latin typeface="Cascadia Mono" panose="020B0609020000020004" pitchFamily="49" charset="0"/>
-              </a:rPr>
-              <a:t>class</a:t>
-            </a:r>
-            <a:r>
-              <a:rPr lang="en-GB" sz="1600" b="1" dirty="0">
-                <a:solidFill>
-                  <a:srgbClr val="000000"/>
-                </a:solidFill>
-                <a:latin typeface="Cascadia Mono" panose="020B0609020000020004" pitchFamily="49" charset="0"/>
-              </a:rPr>
-              <a:t> </a:t>
-            </a:r>
-            <a:r>
-              <a:rPr lang="en-GB" sz="1600" b="1" dirty="0" err="1">
-                <a:solidFill>
-                  <a:srgbClr val="2B91AF"/>
-                </a:solidFill>
-                <a:latin typeface="Cascadia Mono" panose="020B0609020000020004" pitchFamily="49" charset="0"/>
-              </a:rPr>
-              <a:t>BankAccount</a:t>
-            </a:r>
-            <a:r>
-              <a:rPr lang="en-GB" sz="1600" b="1" dirty="0">
-                <a:solidFill>
-                  <a:srgbClr val="000000"/>
-                </a:solidFill>
-                <a:latin typeface="Cascadia Mono" panose="020B0609020000020004" pitchFamily="49" charset="0"/>
-              </a:rPr>
-              <a:t> </a:t>
-            </a:r>
-            <a:r>
-              <a:rPr lang="en-GB" sz="2000" b="1" dirty="0">
-                <a:solidFill>
-                  <a:srgbClr val="7F0055"/>
-                </a:solidFill>
-                <a:latin typeface="Consolas" panose="020B0609020204030204" pitchFamily="49" charset="0"/>
-              </a:rPr>
-              <a:t>:</a:t>
-            </a:r>
-            <a:r>
-              <a:rPr lang="en-GB" sz="1600" b="1" dirty="0">
-                <a:solidFill>
-                  <a:srgbClr val="000000"/>
-                </a:solidFill>
-                <a:latin typeface="Cascadia Mono" panose="020B0609020000020004" pitchFamily="49" charset="0"/>
-              </a:rPr>
-              <a:t> </a:t>
-            </a:r>
-            <a:r>
-              <a:rPr lang="en-GB" sz="1600" b="1" dirty="0" err="1">
-                <a:solidFill>
-                  <a:srgbClr val="000000"/>
-                </a:solidFill>
-                <a:latin typeface="Cascadia Mono" panose="020B0609020000020004" pitchFamily="49" charset="0"/>
-              </a:rPr>
-              <a:t>IAdminAccount</a:t>
-            </a:r>
-            <a:endParaRPr lang="en-GB" sz="1600" b="1" dirty="0">
-              <a:solidFill>
-                <a:srgbClr val="000000"/>
-              </a:solidFill>
-              <a:latin typeface="Cascadia Mono" panose="020B0609020000020004" pitchFamily="49" charset="0"/>
-            </a:endParaRPr>
-          </a:p>
-          <a:p>
-            <a:r>
-              <a:rPr lang="en-GB" sz="1400" dirty="0">
-                <a:solidFill>
-                  <a:srgbClr val="000000"/>
-                </a:solidFill>
-                <a:latin typeface="Cascadia Mono" panose="020B0609020000020004" pitchFamily="49" charset="0"/>
-              </a:rPr>
-              <a:t>{</a:t>
-            </a:r>
-          </a:p>
-          <a:p>
-            <a:r>
-              <a:rPr lang="en-GB" sz="1400" dirty="0">
-                <a:solidFill>
-                  <a:srgbClr val="000000"/>
-                </a:solidFill>
-                <a:latin typeface="Cascadia Mono" panose="020B0609020000020004" pitchFamily="49" charset="0"/>
-              </a:rPr>
-              <a:t>    </a:t>
-            </a:r>
-            <a:r>
-              <a:rPr lang="en-GB" sz="1400" dirty="0">
-                <a:solidFill>
-                  <a:srgbClr val="0000FF"/>
-                </a:solidFill>
-                <a:latin typeface="Cascadia Mono" panose="020B0609020000020004" pitchFamily="49" charset="0"/>
-              </a:rPr>
-              <a:t>public</a:t>
-            </a:r>
-            <a:r>
-              <a:rPr lang="en-GB" sz="1400" dirty="0">
-                <a:solidFill>
-                  <a:srgbClr val="000000"/>
-                </a:solidFill>
-                <a:latin typeface="Cascadia Mono" panose="020B0609020000020004" pitchFamily="49" charset="0"/>
-              </a:rPr>
-              <a:t> </a:t>
-            </a:r>
-            <a:r>
-              <a:rPr lang="en-GB" sz="1400" dirty="0">
-                <a:solidFill>
-                  <a:srgbClr val="0000FF"/>
-                </a:solidFill>
-                <a:latin typeface="Cascadia Mono" panose="020B0609020000020004" pitchFamily="49" charset="0"/>
-              </a:rPr>
-              <a:t>void</a:t>
-            </a:r>
-            <a:r>
-              <a:rPr lang="en-GB" sz="1400" dirty="0">
-                <a:solidFill>
-                  <a:srgbClr val="000000"/>
-                </a:solidFill>
-                <a:latin typeface="Cascadia Mono" panose="020B0609020000020004" pitchFamily="49" charset="0"/>
-              </a:rPr>
-              <a:t> </a:t>
-            </a:r>
-            <a:r>
-              <a:rPr lang="en-GB" sz="1400" dirty="0" err="1">
-                <a:solidFill>
-                  <a:srgbClr val="000000"/>
-                </a:solidFill>
-                <a:latin typeface="Cascadia Mono" panose="020B0609020000020004" pitchFamily="49" charset="0"/>
-              </a:rPr>
-              <a:t>changeID</a:t>
-            </a:r>
-            <a:r>
-              <a:rPr lang="en-GB" sz="1400" dirty="0">
-                <a:solidFill>
-                  <a:srgbClr val="000000"/>
-                </a:solidFill>
-                <a:latin typeface="Cascadia Mono" panose="020B0609020000020004" pitchFamily="49" charset="0"/>
-              </a:rPr>
-              <a:t>() {</a:t>
-            </a:r>
-          </a:p>
-          <a:p>
-            <a:r>
-              <a:rPr lang="en-GB" sz="1400" dirty="0">
-                <a:solidFill>
-                  <a:srgbClr val="000000"/>
-                </a:solidFill>
-                <a:latin typeface="Cascadia Mono" panose="020B0609020000020004" pitchFamily="49" charset="0"/>
-              </a:rPr>
-              <a:t>    }</a:t>
-            </a:r>
-          </a:p>
-          <a:p>
-            <a:endParaRPr lang="en-GB" sz="1400" dirty="0">
-              <a:solidFill>
-                <a:srgbClr val="000000"/>
-              </a:solidFill>
-              <a:latin typeface="Cascadia Mono" panose="020B0609020000020004" pitchFamily="49" charset="0"/>
-            </a:endParaRPr>
-          </a:p>
-          <a:p>
-            <a:r>
-              <a:rPr lang="en-GB" sz="1400" dirty="0">
-                <a:solidFill>
-                  <a:srgbClr val="000000"/>
-                </a:solidFill>
-                <a:latin typeface="Cascadia Mono" panose="020B0609020000020004" pitchFamily="49" charset="0"/>
-              </a:rPr>
-              <a:t>    </a:t>
-            </a:r>
-            <a:r>
-              <a:rPr lang="en-GB" sz="1400" dirty="0">
-                <a:solidFill>
-                  <a:srgbClr val="0000FF"/>
-                </a:solidFill>
-                <a:latin typeface="Cascadia Mono" panose="020B0609020000020004" pitchFamily="49" charset="0"/>
-              </a:rPr>
-              <a:t>public</a:t>
-            </a:r>
-            <a:r>
-              <a:rPr lang="en-GB" sz="1400" dirty="0">
-                <a:solidFill>
-                  <a:srgbClr val="000000"/>
-                </a:solidFill>
-                <a:latin typeface="Cascadia Mono" panose="020B0609020000020004" pitchFamily="49" charset="0"/>
-              </a:rPr>
-              <a:t> </a:t>
-            </a:r>
-            <a:r>
-              <a:rPr lang="en-GB" sz="1400" dirty="0">
-                <a:solidFill>
-                  <a:srgbClr val="0000FF"/>
-                </a:solidFill>
-                <a:latin typeface="Cascadia Mono" panose="020B0609020000020004" pitchFamily="49" charset="0"/>
-              </a:rPr>
-              <a:t>void</a:t>
-            </a:r>
-            <a:r>
-              <a:rPr lang="en-GB" sz="1400" dirty="0">
-                <a:solidFill>
-                  <a:srgbClr val="000000"/>
-                </a:solidFill>
-                <a:latin typeface="Cascadia Mono" panose="020B0609020000020004" pitchFamily="49" charset="0"/>
-              </a:rPr>
-              <a:t> </a:t>
-            </a:r>
-            <a:r>
-              <a:rPr lang="en-GB" sz="1400" dirty="0" err="1">
-                <a:solidFill>
-                  <a:srgbClr val="000000"/>
-                </a:solidFill>
-                <a:latin typeface="Cascadia Mono" panose="020B0609020000020004" pitchFamily="49" charset="0"/>
-              </a:rPr>
-              <a:t>closeAccount</a:t>
-            </a:r>
-            <a:r>
-              <a:rPr lang="en-GB" sz="1400" dirty="0">
-                <a:solidFill>
-                  <a:srgbClr val="000000"/>
-                </a:solidFill>
-                <a:latin typeface="Cascadia Mono" panose="020B0609020000020004" pitchFamily="49" charset="0"/>
-              </a:rPr>
-              <a:t>() {</a:t>
-            </a:r>
-          </a:p>
-          <a:p>
-            <a:r>
-              <a:rPr lang="en-GB" sz="1400" dirty="0">
-                <a:solidFill>
-                  <a:srgbClr val="000000"/>
-                </a:solidFill>
-                <a:latin typeface="Cascadia Mono" panose="020B0609020000020004" pitchFamily="49" charset="0"/>
-              </a:rPr>
-              <a:t>    }</a:t>
-            </a:r>
-          </a:p>
-          <a:p>
-            <a:endParaRPr lang="en-GB" sz="1400" dirty="0">
-              <a:solidFill>
-                <a:srgbClr val="000000"/>
-              </a:solidFill>
-              <a:latin typeface="Cascadia Mono" panose="020B0609020000020004" pitchFamily="49" charset="0"/>
-            </a:endParaRPr>
-          </a:p>
-          <a:p>
-            <a:r>
-              <a:rPr lang="en-GB" sz="1400" dirty="0">
-                <a:solidFill>
-                  <a:srgbClr val="000000"/>
-                </a:solidFill>
-                <a:latin typeface="Cascadia Mono" panose="020B0609020000020004" pitchFamily="49" charset="0"/>
-              </a:rPr>
-              <a:t>    </a:t>
-            </a:r>
-            <a:r>
-              <a:rPr lang="en-GB" sz="1400" dirty="0">
-                <a:solidFill>
-                  <a:srgbClr val="0000FF"/>
-                </a:solidFill>
-                <a:latin typeface="Cascadia Mono" panose="020B0609020000020004" pitchFamily="49" charset="0"/>
-              </a:rPr>
-              <a:t>public</a:t>
-            </a:r>
-            <a:r>
-              <a:rPr lang="en-GB" sz="1400" dirty="0">
-                <a:solidFill>
-                  <a:srgbClr val="000000"/>
-                </a:solidFill>
-                <a:latin typeface="Cascadia Mono" panose="020B0609020000020004" pitchFamily="49" charset="0"/>
-              </a:rPr>
-              <a:t> </a:t>
-            </a:r>
-            <a:r>
-              <a:rPr lang="en-GB" sz="1400" dirty="0">
-                <a:solidFill>
-                  <a:srgbClr val="0000FF"/>
-                </a:solidFill>
-                <a:latin typeface="Cascadia Mono" panose="020B0609020000020004" pitchFamily="49" charset="0"/>
-              </a:rPr>
-              <a:t>void</a:t>
-            </a:r>
-            <a:r>
-              <a:rPr lang="en-GB" sz="1400" dirty="0">
-                <a:solidFill>
-                  <a:srgbClr val="000000"/>
-                </a:solidFill>
-                <a:latin typeface="Cascadia Mono" panose="020B0609020000020004" pitchFamily="49" charset="0"/>
-              </a:rPr>
-              <a:t> </a:t>
-            </a:r>
-            <a:r>
-              <a:rPr lang="en-GB" sz="1400" dirty="0" err="1">
-                <a:solidFill>
-                  <a:srgbClr val="000000"/>
-                </a:solidFill>
-                <a:latin typeface="Cascadia Mono" panose="020B0609020000020004" pitchFamily="49" charset="0"/>
-              </a:rPr>
-              <a:t>deposite</a:t>
-            </a:r>
-            <a:r>
-              <a:rPr lang="en-GB" sz="1400" dirty="0">
-                <a:solidFill>
-                  <a:srgbClr val="000000"/>
-                </a:solidFill>
-                <a:latin typeface="Cascadia Mono" panose="020B0609020000020004" pitchFamily="49" charset="0"/>
-              </a:rPr>
-              <a:t>() {</a:t>
-            </a:r>
-          </a:p>
-          <a:p>
-            <a:r>
-              <a:rPr lang="en-GB" sz="1400" dirty="0">
-                <a:solidFill>
-                  <a:srgbClr val="000000"/>
-                </a:solidFill>
-                <a:latin typeface="Cascadia Mono" panose="020B0609020000020004" pitchFamily="49" charset="0"/>
-              </a:rPr>
-              <a:t>    }</a:t>
-            </a:r>
-          </a:p>
-          <a:p>
-            <a:endParaRPr lang="en-GB" sz="1400" dirty="0">
-              <a:solidFill>
-                <a:srgbClr val="000000"/>
-              </a:solidFill>
-              <a:latin typeface="Cascadia Mono" panose="020B0609020000020004" pitchFamily="49" charset="0"/>
-            </a:endParaRPr>
-          </a:p>
-          <a:p>
-            <a:r>
-              <a:rPr lang="en-GB" sz="1400" dirty="0">
-                <a:solidFill>
-                  <a:srgbClr val="000000"/>
-                </a:solidFill>
-                <a:latin typeface="Cascadia Mono" panose="020B0609020000020004" pitchFamily="49" charset="0"/>
-              </a:rPr>
-              <a:t>    </a:t>
-            </a:r>
-            <a:r>
-              <a:rPr lang="en-GB" sz="1400" dirty="0">
-                <a:solidFill>
-                  <a:srgbClr val="0000FF"/>
-                </a:solidFill>
-                <a:latin typeface="Cascadia Mono" panose="020B0609020000020004" pitchFamily="49" charset="0"/>
-              </a:rPr>
-              <a:t>public</a:t>
-            </a:r>
-            <a:r>
-              <a:rPr lang="en-GB" sz="1400" dirty="0">
-                <a:solidFill>
-                  <a:srgbClr val="000000"/>
-                </a:solidFill>
-                <a:latin typeface="Cascadia Mono" panose="020B0609020000020004" pitchFamily="49" charset="0"/>
-              </a:rPr>
-              <a:t> </a:t>
-            </a:r>
-            <a:r>
-              <a:rPr lang="en-GB" sz="1400" dirty="0">
-                <a:solidFill>
-                  <a:srgbClr val="0000FF"/>
-                </a:solidFill>
-                <a:latin typeface="Cascadia Mono" panose="020B0609020000020004" pitchFamily="49" charset="0"/>
-              </a:rPr>
-              <a:t>void</a:t>
-            </a:r>
-            <a:r>
-              <a:rPr lang="en-GB" sz="1400" dirty="0">
-                <a:solidFill>
-                  <a:srgbClr val="000000"/>
-                </a:solidFill>
-                <a:latin typeface="Cascadia Mono" panose="020B0609020000020004" pitchFamily="49" charset="0"/>
-              </a:rPr>
-              <a:t> </a:t>
-            </a:r>
-            <a:r>
-              <a:rPr lang="en-GB" sz="1400" dirty="0" err="1">
-                <a:solidFill>
-                  <a:srgbClr val="000000"/>
-                </a:solidFill>
-                <a:latin typeface="Cascadia Mono" panose="020B0609020000020004" pitchFamily="49" charset="0"/>
-              </a:rPr>
-              <a:t>sendNotification</a:t>
-            </a:r>
-            <a:r>
-              <a:rPr lang="en-GB" sz="1400" dirty="0">
-                <a:solidFill>
-                  <a:srgbClr val="000000"/>
-                </a:solidFill>
-                <a:latin typeface="Cascadia Mono" panose="020B0609020000020004" pitchFamily="49" charset="0"/>
-              </a:rPr>
-              <a:t>() {</a:t>
-            </a:r>
-          </a:p>
-          <a:p>
-            <a:r>
-              <a:rPr lang="en-GB" sz="1400" dirty="0">
-                <a:solidFill>
-                  <a:srgbClr val="000000"/>
-                </a:solidFill>
-                <a:latin typeface="Cascadia Mono" panose="020B0609020000020004" pitchFamily="49" charset="0"/>
-              </a:rPr>
-              <a:t>    }</a:t>
-            </a:r>
-          </a:p>
-          <a:p>
-            <a:endParaRPr lang="en-GB" sz="1400" dirty="0">
-              <a:solidFill>
-                <a:srgbClr val="000000"/>
-              </a:solidFill>
-              <a:latin typeface="Cascadia Mono" panose="020B0609020000020004" pitchFamily="49" charset="0"/>
-            </a:endParaRPr>
-          </a:p>
-          <a:p>
-            <a:r>
-              <a:rPr lang="en-GB" sz="1400" dirty="0">
-                <a:solidFill>
-                  <a:srgbClr val="000000"/>
-                </a:solidFill>
-                <a:latin typeface="Cascadia Mono" panose="020B0609020000020004" pitchFamily="49" charset="0"/>
-              </a:rPr>
-              <a:t>    </a:t>
-            </a:r>
-            <a:r>
-              <a:rPr lang="en-GB" sz="1400" dirty="0">
-                <a:solidFill>
-                  <a:srgbClr val="0000FF"/>
-                </a:solidFill>
-                <a:latin typeface="Cascadia Mono" panose="020B0609020000020004" pitchFamily="49" charset="0"/>
-              </a:rPr>
-              <a:t>public</a:t>
-            </a:r>
-            <a:r>
-              <a:rPr lang="en-GB" sz="1400" dirty="0">
-                <a:solidFill>
-                  <a:srgbClr val="000000"/>
-                </a:solidFill>
-                <a:latin typeface="Cascadia Mono" panose="020B0609020000020004" pitchFamily="49" charset="0"/>
-              </a:rPr>
-              <a:t> </a:t>
-            </a:r>
-            <a:r>
-              <a:rPr lang="en-GB" sz="1400" dirty="0">
-                <a:solidFill>
-                  <a:srgbClr val="0000FF"/>
-                </a:solidFill>
-                <a:latin typeface="Cascadia Mono" panose="020B0609020000020004" pitchFamily="49" charset="0"/>
-              </a:rPr>
-              <a:t>void</a:t>
-            </a:r>
-            <a:r>
-              <a:rPr lang="en-GB" sz="1400" dirty="0">
-                <a:solidFill>
-                  <a:srgbClr val="000000"/>
-                </a:solidFill>
-                <a:latin typeface="Cascadia Mono" panose="020B0609020000020004" pitchFamily="49" charset="0"/>
-              </a:rPr>
-              <a:t> </a:t>
-            </a:r>
-            <a:r>
-              <a:rPr lang="en-GB" sz="1400" dirty="0" err="1">
-                <a:solidFill>
-                  <a:srgbClr val="000000"/>
-                </a:solidFill>
-                <a:latin typeface="Cascadia Mono" panose="020B0609020000020004" pitchFamily="49" charset="0"/>
-              </a:rPr>
-              <a:t>viewStatement</a:t>
-            </a:r>
-            <a:r>
-              <a:rPr lang="en-GB" sz="1400" dirty="0">
-                <a:solidFill>
-                  <a:srgbClr val="000000"/>
-                </a:solidFill>
-                <a:latin typeface="Cascadia Mono" panose="020B0609020000020004" pitchFamily="49" charset="0"/>
-              </a:rPr>
-              <a:t>() {</a:t>
-            </a:r>
-          </a:p>
-          <a:p>
-            <a:r>
-              <a:rPr lang="en-GB" sz="1400" dirty="0">
-                <a:solidFill>
-                  <a:srgbClr val="000000"/>
-                </a:solidFill>
-                <a:latin typeface="Cascadia Mono" panose="020B0609020000020004" pitchFamily="49" charset="0"/>
-              </a:rPr>
-              <a:t>    }</a:t>
-            </a:r>
-          </a:p>
-          <a:p>
-            <a:endParaRPr lang="en-GB" sz="1400" dirty="0">
-              <a:solidFill>
-                <a:srgbClr val="000000"/>
-              </a:solidFill>
-              <a:latin typeface="Cascadia Mono" panose="020B0609020000020004" pitchFamily="49" charset="0"/>
-            </a:endParaRPr>
-          </a:p>
-          <a:p>
-            <a:r>
-              <a:rPr lang="en-GB" sz="1400" dirty="0">
-                <a:solidFill>
-                  <a:srgbClr val="000000"/>
-                </a:solidFill>
-                <a:latin typeface="Cascadia Mono" panose="020B0609020000020004" pitchFamily="49" charset="0"/>
-              </a:rPr>
-              <a:t>    </a:t>
-            </a:r>
-            <a:r>
-              <a:rPr lang="en-GB" sz="1400" dirty="0">
-                <a:solidFill>
-                  <a:srgbClr val="0000FF"/>
-                </a:solidFill>
-                <a:latin typeface="Cascadia Mono" panose="020B0609020000020004" pitchFamily="49" charset="0"/>
-              </a:rPr>
-              <a:t>public</a:t>
-            </a:r>
-            <a:r>
-              <a:rPr lang="en-GB" sz="1400" dirty="0">
-                <a:solidFill>
-                  <a:srgbClr val="000000"/>
-                </a:solidFill>
-                <a:latin typeface="Cascadia Mono" panose="020B0609020000020004" pitchFamily="49" charset="0"/>
-              </a:rPr>
-              <a:t> </a:t>
-            </a:r>
-            <a:r>
-              <a:rPr lang="en-GB" sz="1400" dirty="0">
-                <a:solidFill>
-                  <a:srgbClr val="0000FF"/>
-                </a:solidFill>
-                <a:latin typeface="Cascadia Mono" panose="020B0609020000020004" pitchFamily="49" charset="0"/>
-              </a:rPr>
-              <a:t>void</a:t>
-            </a:r>
-            <a:r>
-              <a:rPr lang="en-GB" sz="1400" dirty="0">
-                <a:solidFill>
-                  <a:srgbClr val="000000"/>
-                </a:solidFill>
-                <a:latin typeface="Cascadia Mono" panose="020B0609020000020004" pitchFamily="49" charset="0"/>
-              </a:rPr>
-              <a:t> withdraw() {</a:t>
-            </a:r>
-          </a:p>
-          <a:p>
-            <a:r>
-              <a:rPr lang="en-GB" sz="1400" dirty="0">
-                <a:solidFill>
-                  <a:srgbClr val="000000"/>
-                </a:solidFill>
-                <a:latin typeface="Cascadia Mono" panose="020B0609020000020004" pitchFamily="49" charset="0"/>
-              </a:rPr>
-              <a:t>    }</a:t>
-            </a:r>
-          </a:p>
-          <a:p>
-            <a:r>
-              <a:rPr lang="en-GB" sz="1400" dirty="0">
-                <a:solidFill>
-                  <a:srgbClr val="000000"/>
-                </a:solidFill>
-                <a:latin typeface="Cascadia Mono" panose="020B0609020000020004" pitchFamily="49" charset="0"/>
-              </a:rPr>
-              <a:t>}</a:t>
-            </a:r>
-          </a:p>
-        </p:txBody>
-      </p:sp>
-      <p:pic>
-        <p:nvPicPr>
-          <p:cNvPr id="10" name="Picture 9">
-            <a:extLst>
-              <a:ext uri="{FF2B5EF4-FFF2-40B4-BE49-F238E27FC236}">
-                <a16:creationId xmlns:a16="http://schemas.microsoft.com/office/drawing/2014/main" id="{63339A75-2618-7BCE-EB4F-635A168C2CB4}"/>
-              </a:ext>
-            </a:extLst>
-          </p:cNvPr>
-          <p:cNvPicPr>
-            <a:picLocks noChangeAspect="1"/>
-          </p:cNvPicPr>
-          <p:nvPr/>
-        </p:nvPicPr>
-        <p:blipFill>
-          <a:blip r:embed="rId3"/>
-          <a:stretch>
-            <a:fillRect/>
-          </a:stretch>
-        </p:blipFill>
-        <p:spPr>
-          <a:xfrm>
-            <a:off x="2838450" y="4051300"/>
-            <a:ext cx="2266950" cy="1333500"/>
-          </a:xfrm>
-          <a:prstGeom prst="rect">
-            <a:avLst/>
-          </a:prstGeom>
-        </p:spPr>
-      </p:pic>
-    </p:spTree>
-    <p:extLst>
-      <p:ext uri="{BB962C8B-B14F-4D97-AF65-F5344CB8AC3E}">
-        <p14:creationId xmlns:p14="http://schemas.microsoft.com/office/powerpoint/2010/main" val="3211932441"/>
-      </p:ext>
-    </p:extLst>
-  </p:cSld>
-  <p:clrMapOvr>
-    <a:masterClrMapping/>
-  </p:clrMapOvr>
-</p:sld>
-</file>
-
-<file path=ppt/slides/slide11.xml><?xml version="1.0" encoding="utf-8"?>
-<p:sld xmlns:a="http://schemas.openxmlformats.org/drawingml/2006/main" xmlns:r="http://schemas.openxmlformats.org/officeDocument/2006/relationships" xmlns:p="http://schemas.openxmlformats.org/presentationml/2006/main">
-  <p:cSld>
-    <p:spTree>
-      <p:nvGrpSpPr>
-        <p:cNvPr id="1" name=""/>
-        <p:cNvGrpSpPr/>
-        <p:nvPr/>
-      </p:nvGrpSpPr>
-      <p:grpSpPr>
-        <a:xfrm>
-          <a:off x="0" y="0"/>
-          <a:ext cx="0" cy="0"/>
-          <a:chOff x="0" y="0"/>
-          <a:chExt cx="0" cy="0"/>
-        </a:xfrm>
-      </p:grpSpPr>
-      <p:sp>
-        <p:nvSpPr>
           <p:cNvPr id="7" name="Text Placeholder 6"/>
           <p:cNvSpPr>
             <a:spLocks noGrp="1"/>
@@ -30187,7 +29323,7 @@
 </p:sld>
 </file>
 
-<file path=ppt/slides/slide12.xml><?xml version="1.0" encoding="utf-8"?>
+<file path=ppt/slides/slide11.xml><?xml version="1.0" encoding="utf-8"?>
 <p:sld xmlns:a="http://schemas.openxmlformats.org/drawingml/2006/main" xmlns:r="http://schemas.openxmlformats.org/officeDocument/2006/relationships" xmlns:p="http://schemas.openxmlformats.org/presentationml/2006/main">
   <p:cSld>
     <p:spTree>
@@ -34462,666 +33598,6 @@
   <p:cSld>
     <p:spTree>
       <p:nvGrpSpPr>
-        <p:cNvPr id="1" name="">
-          <a:extLst>
-            <a:ext uri="{FF2B5EF4-FFF2-40B4-BE49-F238E27FC236}">
-              <a16:creationId xmlns:a16="http://schemas.microsoft.com/office/drawing/2014/main" id="{8AEC68F7-816D-A3E2-8C29-B271F0F51736}"/>
-            </a:ext>
-          </a:extLst>
-        </p:cNvPr>
-        <p:cNvGrpSpPr/>
-        <p:nvPr/>
-      </p:nvGrpSpPr>
-      <p:grpSpPr>
-        <a:xfrm>
-          <a:off x="0" y="0"/>
-          <a:ext cx="0" cy="0"/>
-          <a:chOff x="0" y="0"/>
-          <a:chExt cx="0" cy="0"/>
-        </a:xfrm>
-      </p:grpSpPr>
-      <p:sp>
-        <p:nvSpPr>
-          <p:cNvPr id="11266" name="Rectangle 2">
-            <a:extLst>
-              <a:ext uri="{FF2B5EF4-FFF2-40B4-BE49-F238E27FC236}">
-                <a16:creationId xmlns:a16="http://schemas.microsoft.com/office/drawing/2014/main" id="{90A4F8F1-60D1-6BE5-1031-FA3AB6A55F0D}"/>
-              </a:ext>
-            </a:extLst>
-          </p:cNvPr>
-          <p:cNvSpPr>
-            <a:spLocks noGrp="1" noChangeArrowheads="1"/>
-          </p:cNvSpPr>
-          <p:nvPr>
-            <p:ph type="title"/>
-          </p:nvPr>
-        </p:nvSpPr>
-        <p:spPr/>
-        <p:txBody>
-          <a:bodyPr/>
-          <a:lstStyle/>
-          <a:p>
-            <a:pPr eaLnBrk="1" hangingPunct="1"/>
-            <a:r>
-              <a:rPr lang="en-GB" dirty="0"/>
-              <a:t>Using     </a:t>
-            </a:r>
-            <a:r>
-              <a:rPr lang="en-GB" b="1" dirty="0">
-                <a:solidFill>
-                  <a:srgbClr val="0000FF"/>
-                </a:solidFill>
-                <a:latin typeface="Consolas" panose="020B0609020204030204" pitchFamily="49" charset="0"/>
-                <a:ea typeface="+mn-ea"/>
-                <a:cs typeface="+mn-cs"/>
-              </a:rPr>
-              <a:t>AS</a:t>
-            </a:r>
-            <a:endParaRPr lang="en-GB" sz="1800" b="1" dirty="0">
-              <a:solidFill>
-                <a:srgbClr val="0000FF"/>
-              </a:solidFill>
-              <a:latin typeface="Consolas" panose="020B0609020204030204" pitchFamily="49" charset="0"/>
-              <a:ea typeface="+mn-ea"/>
-              <a:cs typeface="+mn-cs"/>
-            </a:endParaRPr>
-          </a:p>
-        </p:txBody>
-      </p:sp>
-      <p:sp>
-        <p:nvSpPr>
-          <p:cNvPr id="818180" name="Rectangle 4">
-            <a:extLst>
-              <a:ext uri="{FF2B5EF4-FFF2-40B4-BE49-F238E27FC236}">
-                <a16:creationId xmlns:a16="http://schemas.microsoft.com/office/drawing/2014/main" id="{ED8DA95E-561E-4CE3-7690-214B160CE398}"/>
-              </a:ext>
-            </a:extLst>
-          </p:cNvPr>
-          <p:cNvSpPr>
-            <a:spLocks noChangeArrowheads="1"/>
-          </p:cNvSpPr>
-          <p:nvPr/>
-        </p:nvSpPr>
-        <p:spPr bwMode="auto">
-          <a:xfrm>
-            <a:off x="882317" y="1566469"/>
-            <a:ext cx="8675041" cy="4666021"/>
-          </a:xfrm>
-          <a:prstGeom prst="rect">
-            <a:avLst/>
-          </a:prstGeom>
-          <a:solidFill>
-            <a:schemeClr val="accent5">
-              <a:lumMod val="20000"/>
-              <a:lumOff val="80000"/>
-            </a:schemeClr>
-          </a:solidFill>
-          <a:ln w="19050">
-            <a:noFill/>
-            <a:miter lim="800000"/>
-            <a:headEnd/>
-            <a:tailEnd/>
-          </a:ln>
-          <a:effectLst>
-            <a:outerShdw blurRad="50800" dist="38100" algn="l" rotWithShape="0">
-              <a:prstClr val="black">
-                <a:alpha val="40000"/>
-              </a:prstClr>
-            </a:outerShdw>
-          </a:effectLst>
-        </p:spPr>
-        <p:txBody>
-          <a:bodyPr wrap="square" lIns="90488" tIns="44450" rIns="0" bIns="44450">
-            <a:spAutoFit/>
-          </a:bodyPr>
-          <a:lstStyle/>
-          <a:p>
-            <a:pPr defTabSz="739775" eaLnBrk="0" hangingPunct="0">
-              <a:lnSpc>
-                <a:spcPct val="150000"/>
-              </a:lnSpc>
-              <a:tabLst>
-                <a:tab pos="347663" algn="l"/>
-                <a:tab pos="685800" algn="l"/>
-                <a:tab pos="1033463" algn="l"/>
-                <a:tab pos="1371600" algn="l"/>
-                <a:tab pos="1719263" algn="l"/>
-                <a:tab pos="2057400" algn="l"/>
-                <a:tab pos="2405063" algn="l"/>
-                <a:tab pos="2743200" algn="l"/>
-              </a:tabLst>
-              <a:defRPr/>
-            </a:pPr>
-            <a:r>
-              <a:rPr lang="en-GB" sz="1600" b="1" dirty="0">
-                <a:solidFill>
-                  <a:srgbClr val="0000FF"/>
-                </a:solidFill>
-                <a:latin typeface="Lucida Console" pitchFamily="49" charset="0"/>
-              </a:rPr>
-              <a:t>	private</a:t>
-            </a:r>
-            <a:r>
-              <a:rPr lang="en-GB" sz="1600" b="1" dirty="0">
-                <a:solidFill>
-                  <a:srgbClr val="000000"/>
-                </a:solidFill>
-                <a:latin typeface="Lucida Console" pitchFamily="49" charset="0"/>
-              </a:rPr>
-              <a:t> Shape[] shapes;</a:t>
-            </a:r>
-            <a:br>
-              <a:rPr lang="en-GB" sz="1600" b="1" dirty="0">
-                <a:solidFill>
-                  <a:srgbClr val="000000"/>
-                </a:solidFill>
-                <a:latin typeface="Lucida Console" pitchFamily="49" charset="0"/>
-              </a:rPr>
-            </a:br>
-            <a:endParaRPr lang="en-GB" sz="1600" b="1" dirty="0">
-              <a:solidFill>
-                <a:srgbClr val="008000"/>
-              </a:solidFill>
-              <a:latin typeface="Lucida Console" pitchFamily="49" charset="0"/>
-            </a:endParaRPr>
-          </a:p>
-          <a:p>
-            <a:pPr defTabSz="739775" eaLnBrk="0" hangingPunct="0">
-              <a:lnSpc>
-                <a:spcPct val="150000"/>
-              </a:lnSpc>
-              <a:tabLst>
-                <a:tab pos="347663" algn="l"/>
-                <a:tab pos="685800" algn="l"/>
-                <a:tab pos="1033463" algn="l"/>
-                <a:tab pos="1371600" algn="l"/>
-                <a:tab pos="1719263" algn="l"/>
-                <a:tab pos="2057400" algn="l"/>
-                <a:tab pos="2405063" algn="l"/>
-                <a:tab pos="2743200" algn="l"/>
-              </a:tabLst>
-              <a:defRPr/>
-            </a:pPr>
-            <a:r>
-              <a:rPr lang="en-GB" sz="1600" b="1" dirty="0">
-                <a:solidFill>
-                  <a:srgbClr val="000000"/>
-                </a:solidFill>
-                <a:latin typeface="Lucida Console" pitchFamily="49" charset="0"/>
-              </a:rPr>
-              <a:t>  </a:t>
-            </a:r>
-          </a:p>
-          <a:p>
-            <a:pPr>
-              <a:lnSpc>
-                <a:spcPct val="150000"/>
-              </a:lnSpc>
-            </a:pPr>
-            <a:r>
-              <a:rPr lang="en-GB" sz="1600" b="1" dirty="0">
-                <a:solidFill>
-                  <a:srgbClr val="0000FF"/>
-                </a:solidFill>
-                <a:latin typeface="Lucida Console" pitchFamily="49" charset="0"/>
-              </a:rPr>
-              <a:t>   foreach</a:t>
-            </a:r>
-            <a:r>
-              <a:rPr lang="en-GB" sz="1600" b="1" dirty="0">
-                <a:solidFill>
-                  <a:srgbClr val="000000"/>
-                </a:solidFill>
-                <a:latin typeface="Lucida Console" pitchFamily="49" charset="0"/>
-              </a:rPr>
-              <a:t>( </a:t>
-            </a:r>
-            <a:r>
-              <a:rPr lang="en-GB" sz="1600" b="1" dirty="0">
-                <a:solidFill>
-                  <a:srgbClr val="FF0000"/>
-                </a:solidFill>
-                <a:latin typeface="Lucida Console" pitchFamily="49" charset="0"/>
-              </a:rPr>
-              <a:t>Shape</a:t>
-            </a:r>
-            <a:r>
-              <a:rPr lang="en-GB" sz="1600" b="1" dirty="0">
-                <a:solidFill>
-                  <a:srgbClr val="000000"/>
-                </a:solidFill>
-                <a:latin typeface="Lucida Console" pitchFamily="49" charset="0"/>
-              </a:rPr>
-              <a:t> s in shapes ) {</a:t>
-            </a:r>
-            <a:br>
-              <a:rPr lang="en-GB" sz="1600" b="1" dirty="0">
-                <a:solidFill>
-                  <a:srgbClr val="000000"/>
-                </a:solidFill>
-                <a:latin typeface="Lucida Console" pitchFamily="49" charset="0"/>
-              </a:rPr>
-            </a:br>
-            <a:r>
-              <a:rPr lang="en-GB" sz="1600" b="1" dirty="0">
-                <a:solidFill>
-                  <a:srgbClr val="000000"/>
-                </a:solidFill>
-                <a:latin typeface="Lucida Console" pitchFamily="49" charset="0"/>
-              </a:rPr>
-              <a:t>	</a:t>
-            </a:r>
-          </a:p>
-          <a:p>
-            <a:pPr>
-              <a:lnSpc>
-                <a:spcPct val="150000"/>
-              </a:lnSpc>
-            </a:pPr>
-            <a:r>
-              <a:rPr lang="en-GB" b="1" dirty="0">
-                <a:solidFill>
-                  <a:srgbClr val="000000"/>
-                </a:solidFill>
-                <a:latin typeface="Lucida Console" pitchFamily="49" charset="0"/>
-              </a:rPr>
-              <a:t>	</a:t>
-            </a:r>
-            <a:r>
-              <a:rPr lang="pt-BR" b="1" dirty="0">
-                <a:solidFill>
-                  <a:srgbClr val="0000FF"/>
-                </a:solidFill>
-                <a:latin typeface="Consolas" panose="020B0609020204030204" pitchFamily="49" charset="0"/>
-              </a:rPr>
-              <a:t>var</a:t>
-            </a:r>
-            <a:r>
-              <a:rPr lang="pt-BR" b="1" dirty="0">
-                <a:solidFill>
-                  <a:srgbClr val="000000"/>
-                </a:solidFill>
-                <a:latin typeface="Consolas" panose="020B0609020204030204" pitchFamily="49" charset="0"/>
-              </a:rPr>
-              <a:t> r = s </a:t>
-            </a:r>
-            <a:r>
-              <a:rPr lang="pt-BR" b="1" dirty="0">
-                <a:solidFill>
-                  <a:srgbClr val="0000FF"/>
-                </a:solidFill>
-                <a:latin typeface="Consolas" panose="020B0609020204030204" pitchFamily="49" charset="0"/>
-              </a:rPr>
-              <a:t>as</a:t>
-            </a:r>
-            <a:r>
-              <a:rPr lang="pt-BR" b="1" dirty="0">
-                <a:solidFill>
-                  <a:srgbClr val="000000"/>
-                </a:solidFill>
-                <a:latin typeface="Consolas" panose="020B0609020204030204" pitchFamily="49" charset="0"/>
-              </a:rPr>
-              <a:t> </a:t>
-            </a:r>
-            <a:r>
-              <a:rPr lang="en-GB" b="1" dirty="0" err="1">
-                <a:solidFill>
-                  <a:srgbClr val="000000"/>
-                </a:solidFill>
-                <a:latin typeface="Lucida Console" pitchFamily="49" charset="0"/>
-              </a:rPr>
-              <a:t>Renderable</a:t>
-            </a:r>
-            <a:r>
-              <a:rPr lang="pt-BR" b="1" dirty="0">
-                <a:solidFill>
-                  <a:srgbClr val="000000"/>
-                </a:solidFill>
-                <a:latin typeface="Consolas" panose="020B0609020204030204" pitchFamily="49" charset="0"/>
-              </a:rPr>
-              <a:t>;</a:t>
-            </a:r>
-          </a:p>
-          <a:p>
-            <a:pPr>
-              <a:lnSpc>
-                <a:spcPct val="150000"/>
-              </a:lnSpc>
-            </a:pPr>
-            <a:r>
-              <a:rPr lang="en-GB" b="1" dirty="0">
-                <a:solidFill>
-                  <a:srgbClr val="000000"/>
-                </a:solidFill>
-                <a:latin typeface="Consolas" panose="020B0609020204030204" pitchFamily="49" charset="0"/>
-              </a:rPr>
-              <a:t>        </a:t>
-            </a:r>
-          </a:p>
-          <a:p>
-            <a:pPr>
-              <a:lnSpc>
-                <a:spcPct val="150000"/>
-              </a:lnSpc>
-            </a:pPr>
-            <a:r>
-              <a:rPr lang="en-GB" b="1" dirty="0">
-                <a:solidFill>
-                  <a:srgbClr val="000000"/>
-                </a:solidFill>
-                <a:latin typeface="Consolas" panose="020B0609020204030204" pitchFamily="49" charset="0"/>
-              </a:rPr>
-              <a:t>	</a:t>
-            </a:r>
-            <a:r>
-              <a:rPr lang="en-GB" b="1" dirty="0">
-                <a:solidFill>
-                  <a:srgbClr val="0000FF"/>
-                </a:solidFill>
-                <a:latin typeface="Consolas" panose="020B0609020204030204" pitchFamily="49" charset="0"/>
-              </a:rPr>
-              <a:t>if</a:t>
-            </a:r>
-            <a:r>
-              <a:rPr lang="en-GB" b="1" dirty="0">
-                <a:solidFill>
-                  <a:srgbClr val="000000"/>
-                </a:solidFill>
-                <a:latin typeface="Consolas" panose="020B0609020204030204" pitchFamily="49" charset="0"/>
-              </a:rPr>
-              <a:t>( r != </a:t>
-            </a:r>
-            <a:r>
-              <a:rPr lang="en-GB" b="1" dirty="0">
-                <a:solidFill>
-                  <a:srgbClr val="0000FF"/>
-                </a:solidFill>
-                <a:latin typeface="Consolas" panose="020B0609020204030204" pitchFamily="49" charset="0"/>
-              </a:rPr>
-              <a:t>null </a:t>
-            </a:r>
-            <a:r>
-              <a:rPr lang="en-GB" b="1" dirty="0">
-                <a:solidFill>
-                  <a:srgbClr val="000000"/>
-                </a:solidFill>
-                <a:latin typeface="Consolas" panose="020B0609020204030204" pitchFamily="49" charset="0"/>
-              </a:rPr>
-              <a:t>)</a:t>
-            </a:r>
-          </a:p>
-          <a:p>
-            <a:pPr defTabSz="739775" eaLnBrk="0" hangingPunct="0">
-              <a:lnSpc>
-                <a:spcPct val="150000"/>
-              </a:lnSpc>
-              <a:tabLst>
-                <a:tab pos="347663" algn="l"/>
-                <a:tab pos="685800" algn="l"/>
-                <a:tab pos="1033463" algn="l"/>
-                <a:tab pos="1371600" algn="l"/>
-                <a:tab pos="1719263" algn="l"/>
-                <a:tab pos="2057400" algn="l"/>
-                <a:tab pos="2405063" algn="l"/>
-                <a:tab pos="2743200" algn="l"/>
-              </a:tabLst>
-              <a:defRPr/>
-            </a:pPr>
-            <a:r>
-              <a:rPr lang="en-GB" b="1" dirty="0">
-                <a:solidFill>
-                  <a:srgbClr val="000000"/>
-                </a:solidFill>
-                <a:latin typeface="Lucida Console" pitchFamily="49" charset="0"/>
-              </a:rPr>
-              <a:t>        		</a:t>
-            </a:r>
-            <a:r>
-              <a:rPr lang="en-GB" b="1" dirty="0" err="1">
-                <a:solidFill>
-                  <a:srgbClr val="000000"/>
-                </a:solidFill>
-                <a:latin typeface="Lucida Console" pitchFamily="49" charset="0"/>
-              </a:rPr>
-              <a:t>r.draw</a:t>
-            </a:r>
-            <a:r>
-              <a:rPr lang="en-GB" b="1" dirty="0">
-                <a:solidFill>
-                  <a:srgbClr val="000000"/>
-                </a:solidFill>
-                <a:latin typeface="Lucida Console" pitchFamily="49" charset="0"/>
-              </a:rPr>
-              <a:t>();</a:t>
-            </a:r>
-          </a:p>
-          <a:p>
-            <a:pPr defTabSz="739775" eaLnBrk="0" hangingPunct="0">
-              <a:lnSpc>
-                <a:spcPct val="150000"/>
-              </a:lnSpc>
-              <a:tabLst>
-                <a:tab pos="347663" algn="l"/>
-                <a:tab pos="685800" algn="l"/>
-                <a:tab pos="1033463" algn="l"/>
-                <a:tab pos="1371600" algn="l"/>
-                <a:tab pos="1719263" algn="l"/>
-                <a:tab pos="2057400" algn="l"/>
-                <a:tab pos="2405063" algn="l"/>
-                <a:tab pos="2743200" algn="l"/>
-              </a:tabLst>
-              <a:defRPr/>
-            </a:pPr>
-            <a:r>
-              <a:rPr lang="en-GB" sz="1600" b="1" dirty="0">
-                <a:solidFill>
-                  <a:srgbClr val="000000"/>
-                </a:solidFill>
-                <a:latin typeface="Lucida Console" pitchFamily="49" charset="0"/>
-              </a:rPr>
-              <a:t>    }</a:t>
-            </a:r>
-          </a:p>
-          <a:p>
-            <a:pPr defTabSz="739775" eaLnBrk="0" hangingPunct="0">
-              <a:lnSpc>
-                <a:spcPct val="150000"/>
-              </a:lnSpc>
-              <a:tabLst>
-                <a:tab pos="347663" algn="l"/>
-                <a:tab pos="685800" algn="l"/>
-                <a:tab pos="1033463" algn="l"/>
-                <a:tab pos="1371600" algn="l"/>
-                <a:tab pos="1719263" algn="l"/>
-                <a:tab pos="2057400" algn="l"/>
-                <a:tab pos="2405063" algn="l"/>
-                <a:tab pos="2743200" algn="l"/>
-              </a:tabLst>
-              <a:defRPr/>
-            </a:pPr>
-            <a:r>
-              <a:rPr lang="en-GB" sz="1600" b="1" dirty="0">
-                <a:solidFill>
-                  <a:srgbClr val="000000"/>
-                </a:solidFill>
-                <a:latin typeface="Lucida Console" pitchFamily="49" charset="0"/>
-              </a:rPr>
-              <a:t>  </a:t>
-            </a:r>
-          </a:p>
-          <a:p>
-            <a:pPr defTabSz="739775" eaLnBrk="0" hangingPunct="0">
-              <a:lnSpc>
-                <a:spcPct val="150000"/>
-              </a:lnSpc>
-              <a:tabLst>
-                <a:tab pos="347663" algn="l"/>
-                <a:tab pos="685800" algn="l"/>
-                <a:tab pos="1033463" algn="l"/>
-                <a:tab pos="1371600" algn="l"/>
-                <a:tab pos="1719263" algn="l"/>
-                <a:tab pos="2057400" algn="l"/>
-                <a:tab pos="2405063" algn="l"/>
-                <a:tab pos="2743200" algn="l"/>
-              </a:tabLst>
-              <a:defRPr/>
-            </a:pPr>
-            <a:endParaRPr lang="en-GB" sz="1600" b="1" dirty="0">
-              <a:solidFill>
-                <a:srgbClr val="000000"/>
-              </a:solidFill>
-              <a:latin typeface="Lucida Console" pitchFamily="49" charset="0"/>
-            </a:endParaRPr>
-          </a:p>
-        </p:txBody>
-      </p:sp>
-      <p:sp>
-        <p:nvSpPr>
-          <p:cNvPr id="9" name="AutoShape 7">
-            <a:extLst>
-              <a:ext uri="{FF2B5EF4-FFF2-40B4-BE49-F238E27FC236}">
-                <a16:creationId xmlns:a16="http://schemas.microsoft.com/office/drawing/2014/main" id="{8715B97A-D1B2-D0D2-7B93-9445DA569E95}"/>
-              </a:ext>
-            </a:extLst>
-          </p:cNvPr>
-          <p:cNvSpPr>
-            <a:spLocks/>
-          </p:cNvSpPr>
-          <p:nvPr/>
-        </p:nvSpPr>
-        <p:spPr bwMode="auto">
-          <a:xfrm>
-            <a:off x="5219837" y="3515304"/>
-            <a:ext cx="3677753" cy="384175"/>
-          </a:xfrm>
-          <a:prstGeom prst="borderCallout2">
-            <a:avLst>
-              <a:gd name="adj1" fmla="val 29750"/>
-              <a:gd name="adj2" fmla="val -2833"/>
-              <a:gd name="adj3" fmla="val 29750"/>
-              <a:gd name="adj4" fmla="val -2833"/>
-              <a:gd name="adj5" fmla="val 31167"/>
-              <a:gd name="adj6" fmla="val -24709"/>
-            </a:avLst>
-          </a:prstGeom>
-          <a:solidFill>
-            <a:srgbClr val="FFCCFF"/>
-          </a:solidFill>
-          <a:ln w="19050">
-            <a:noFill/>
-            <a:miter lim="800000"/>
-            <a:headEnd/>
-            <a:tailEnd/>
-          </a:ln>
-          <a:effectLst>
-            <a:outerShdw blurRad="50800" dist="38100" algn="l" rotWithShape="0">
-              <a:prstClr val="black">
-                <a:alpha val="40000"/>
-              </a:prstClr>
-            </a:outerShdw>
-          </a:effectLst>
-        </p:spPr>
-        <p:txBody>
-          <a:bodyPr/>
-          <a:lstStyle/>
-          <a:p>
-            <a:pPr algn="ctr" eaLnBrk="0" hangingPunct="0">
-              <a:defRPr/>
-            </a:pPr>
-            <a:r>
-              <a:rPr lang="en-GB" sz="1400" dirty="0"/>
-              <a:t>Tries to cast to a </a:t>
-            </a:r>
-            <a:r>
-              <a:rPr lang="en-GB" sz="1400" dirty="0" err="1"/>
-              <a:t>Renderable</a:t>
-            </a:r>
-            <a:r>
-              <a:rPr lang="en-GB" sz="1400" dirty="0"/>
-              <a:t> reference </a:t>
-            </a:r>
-          </a:p>
-        </p:txBody>
-      </p:sp>
-      <p:sp>
-        <p:nvSpPr>
-          <p:cNvPr id="4" name="AutoShape 7">
-            <a:extLst>
-              <a:ext uri="{FF2B5EF4-FFF2-40B4-BE49-F238E27FC236}">
-                <a16:creationId xmlns:a16="http://schemas.microsoft.com/office/drawing/2014/main" id="{40A72DA1-5B68-2172-6CE5-74C1CB7C4D0E}"/>
-              </a:ext>
-            </a:extLst>
-          </p:cNvPr>
-          <p:cNvSpPr>
-            <a:spLocks/>
-          </p:cNvSpPr>
-          <p:nvPr/>
-        </p:nvSpPr>
-        <p:spPr bwMode="auto">
-          <a:xfrm>
-            <a:off x="5219836" y="4545798"/>
-            <a:ext cx="3677753" cy="384175"/>
-          </a:xfrm>
-          <a:prstGeom prst="borderCallout2">
-            <a:avLst>
-              <a:gd name="adj1" fmla="val 29750"/>
-              <a:gd name="adj2" fmla="val -2833"/>
-              <a:gd name="adj3" fmla="val 29750"/>
-              <a:gd name="adj4" fmla="val -2833"/>
-              <a:gd name="adj5" fmla="val 31167"/>
-              <a:gd name="adj6" fmla="val -24709"/>
-            </a:avLst>
-          </a:prstGeom>
-          <a:solidFill>
-            <a:srgbClr val="FFCCFF"/>
-          </a:solidFill>
-          <a:ln w="19050">
-            <a:noFill/>
-            <a:miter lim="800000"/>
-            <a:headEnd/>
-            <a:tailEnd/>
-          </a:ln>
-          <a:effectLst>
-            <a:outerShdw blurRad="50800" dist="38100" algn="l" rotWithShape="0">
-              <a:prstClr val="black">
-                <a:alpha val="40000"/>
-              </a:prstClr>
-            </a:outerShdw>
-          </a:effectLst>
-        </p:spPr>
-        <p:txBody>
-          <a:bodyPr/>
-          <a:lstStyle/>
-          <a:p>
-            <a:pPr algn="ctr" eaLnBrk="0" hangingPunct="0">
-              <a:defRPr/>
-            </a:pPr>
-            <a:r>
-              <a:rPr lang="en-GB" sz="1400" dirty="0"/>
-              <a:t>If the Cast was valid</a:t>
-            </a:r>
-          </a:p>
-        </p:txBody>
-      </p:sp>
-    </p:spTree>
-    <p:extLst>
-      <p:ext uri="{BB962C8B-B14F-4D97-AF65-F5344CB8AC3E}">
-        <p14:creationId xmlns:p14="http://schemas.microsoft.com/office/powerpoint/2010/main" val="3705395775"/>
-      </p:ext>
-    </p:extLst>
-  </p:cSld>
-  <p:clrMapOvr>
-    <a:masterClrMapping/>
-  </p:clrMapOvr>
-  <p:transition/>
-</p:sld>
-</file>
-
-<file path=ppt/slides/slide9.xml><?xml version="1.0" encoding="utf-8"?>
-<p:sld xmlns:a="http://schemas.openxmlformats.org/drawingml/2006/main" xmlns:r="http://schemas.openxmlformats.org/officeDocument/2006/relationships" xmlns:p="http://schemas.openxmlformats.org/presentationml/2006/main">
-  <p:cSld>
-    <p:spTree>
-      <p:nvGrpSpPr>
         <p:cNvPr id="1" name=""/>
         <p:cNvGrpSpPr/>
         <p:nvPr/>
@@ -36117,6 +34593,784 @@
     <p:extLst>
       <p:ext uri="{BB962C8B-B14F-4D97-AF65-F5344CB8AC3E}">
         <p14:creationId xmlns:p14="http://schemas.microsoft.com/office/powerpoint/2010/main" val="307950949"/>
+      </p:ext>
+    </p:extLst>
+  </p:cSld>
+  <p:clrMapOvr>
+    <a:masterClrMapping/>
+  </p:clrMapOvr>
+</p:sld>
+</file>
+
+<file path=ppt/slides/slide9.xml><?xml version="1.0" encoding="utf-8"?>
+<p:sld xmlns:a="http://schemas.openxmlformats.org/drawingml/2006/main" xmlns:r="http://schemas.openxmlformats.org/officeDocument/2006/relationships" xmlns:p="http://schemas.openxmlformats.org/presentationml/2006/main">
+  <p:cSld>
+    <p:spTree>
+      <p:nvGrpSpPr>
+        <p:cNvPr id="1" name=""/>
+        <p:cNvGrpSpPr/>
+        <p:nvPr/>
+      </p:nvGrpSpPr>
+      <p:grpSpPr>
+        <a:xfrm>
+          <a:off x="0" y="0"/>
+          <a:ext cx="0" cy="0"/>
+          <a:chOff x="0" y="0"/>
+          <a:chExt cx="0" cy="0"/>
+        </a:xfrm>
+      </p:grpSpPr>
+      <p:sp>
+        <p:nvSpPr>
+          <p:cNvPr id="2" name="Slide Number Placeholder 1">
+            <a:extLst>
+              <a:ext uri="{FF2B5EF4-FFF2-40B4-BE49-F238E27FC236}">
+                <a16:creationId xmlns:a16="http://schemas.microsoft.com/office/drawing/2014/main" id="{EDA65B5B-1413-AFEE-1B19-E1C311D99BC2}"/>
+              </a:ext>
+            </a:extLst>
+          </p:cNvPr>
+          <p:cNvSpPr>
+            <a:spLocks noGrp="1"/>
+          </p:cNvSpPr>
+          <p:nvPr>
+            <p:ph type="sldNum" sz="quarter" idx="4"/>
+          </p:nvPr>
+        </p:nvSpPr>
+        <p:spPr/>
+        <p:txBody>
+          <a:bodyPr/>
+          <a:lstStyle/>
+          <a:p>
+            <a:fld id="{EF892D59-8F09-EF4B-AD6D-DA609442F868}" type="slidenum">
+              <a:rPr lang="en-GB" smtClean="0"/>
+              <a:pPr/>
+              <a:t>9</a:t>
+            </a:fld>
+            <a:endParaRPr lang="en-GB" dirty="0"/>
+          </a:p>
+        </p:txBody>
+      </p:sp>
+      <p:sp>
+        <p:nvSpPr>
+          <p:cNvPr id="3" name="Title 2">
+            <a:extLst>
+              <a:ext uri="{FF2B5EF4-FFF2-40B4-BE49-F238E27FC236}">
+                <a16:creationId xmlns:a16="http://schemas.microsoft.com/office/drawing/2014/main" id="{2B46FBA8-7D51-749A-AE93-EF85E4F8EBDE}"/>
+              </a:ext>
+            </a:extLst>
+          </p:cNvPr>
+          <p:cNvSpPr>
+            <a:spLocks noGrp="1"/>
+          </p:cNvSpPr>
+          <p:nvPr>
+            <p:ph type="title"/>
+          </p:nvPr>
+        </p:nvSpPr>
+        <p:spPr/>
+        <p:txBody>
+          <a:bodyPr/>
+          <a:lstStyle/>
+          <a:p>
+            <a:r>
+              <a:rPr lang="en-GB" dirty="0"/>
+              <a:t>Extending Interfaces</a:t>
+            </a:r>
+          </a:p>
+        </p:txBody>
+      </p:sp>
+      <p:pic>
+        <p:nvPicPr>
+          <p:cNvPr id="6" name="Picture 5">
+            <a:extLst>
+              <a:ext uri="{FF2B5EF4-FFF2-40B4-BE49-F238E27FC236}">
+                <a16:creationId xmlns:a16="http://schemas.microsoft.com/office/drawing/2014/main" id="{168F9B9A-F556-86B2-5A3C-918DF879D30D}"/>
+              </a:ext>
+            </a:extLst>
+          </p:cNvPr>
+          <p:cNvPicPr>
+            <a:picLocks noChangeAspect="1"/>
+          </p:cNvPicPr>
+          <p:nvPr/>
+        </p:nvPicPr>
+        <p:blipFill>
+          <a:blip r:embed="rId2"/>
+          <a:stretch>
+            <a:fillRect/>
+          </a:stretch>
+        </p:blipFill>
+        <p:spPr>
+          <a:xfrm>
+            <a:off x="527050" y="1368256"/>
+            <a:ext cx="1943100" cy="4648200"/>
+          </a:xfrm>
+          <a:prstGeom prst="rect">
+            <a:avLst/>
+          </a:prstGeom>
+        </p:spPr>
+      </p:pic>
+      <p:sp>
+        <p:nvSpPr>
+          <p:cNvPr id="8" name="TextBox 7">
+            <a:extLst>
+              <a:ext uri="{FF2B5EF4-FFF2-40B4-BE49-F238E27FC236}">
+                <a16:creationId xmlns:a16="http://schemas.microsoft.com/office/drawing/2014/main" id="{F4C25988-E75E-1F39-3DB1-FEBE36A503FC}"/>
+              </a:ext>
+            </a:extLst>
+          </p:cNvPr>
+          <p:cNvSpPr txBox="1"/>
+          <p:nvPr/>
+        </p:nvSpPr>
+        <p:spPr>
+          <a:xfrm>
+            <a:off x="5513427" y="1544018"/>
+            <a:ext cx="6287177" cy="4493538"/>
+          </a:xfrm>
+          <a:prstGeom prst="rect">
+            <a:avLst/>
+          </a:prstGeom>
+          <a:solidFill>
+            <a:schemeClr val="accent5">
+              <a:lumMod val="20000"/>
+              <a:lumOff val="80000"/>
+            </a:schemeClr>
+          </a:solidFill>
+          <a:effectLst>
+            <a:outerShdw blurRad="50800" dist="38100" algn="l" rotWithShape="0">
+              <a:prstClr val="black">
+                <a:alpha val="40000"/>
+              </a:prstClr>
+            </a:outerShdw>
+          </a:effectLst>
+        </p:spPr>
+        <p:txBody>
+          <a:bodyPr wrap="square">
+            <a:spAutoFit/>
+          </a:bodyPr>
+          <a:lstStyle/>
+          <a:p>
+            <a:r>
+              <a:rPr lang="en-GB" sz="1600" b="1" dirty="0">
+                <a:solidFill>
+                  <a:srgbClr val="0000FF"/>
+                </a:solidFill>
+                <a:latin typeface="Cascadia Mono" panose="020B0609020000020004" pitchFamily="49" charset="0"/>
+              </a:rPr>
+              <a:t>public</a:t>
+            </a:r>
+            <a:r>
+              <a:rPr lang="en-GB" sz="1600" b="1" dirty="0">
+                <a:solidFill>
+                  <a:srgbClr val="000000"/>
+                </a:solidFill>
+                <a:latin typeface="Cascadia Mono" panose="020B0609020000020004" pitchFamily="49" charset="0"/>
+              </a:rPr>
+              <a:t> </a:t>
+            </a:r>
+            <a:r>
+              <a:rPr lang="en-GB" sz="1600" b="1" dirty="0">
+                <a:solidFill>
+                  <a:srgbClr val="0000FF"/>
+                </a:solidFill>
+                <a:latin typeface="Cascadia Mono" panose="020B0609020000020004" pitchFamily="49" charset="0"/>
+              </a:rPr>
+              <a:t>class</a:t>
+            </a:r>
+            <a:r>
+              <a:rPr lang="en-GB" sz="1600" b="1" dirty="0">
+                <a:solidFill>
+                  <a:srgbClr val="000000"/>
+                </a:solidFill>
+                <a:latin typeface="Cascadia Mono" panose="020B0609020000020004" pitchFamily="49" charset="0"/>
+              </a:rPr>
+              <a:t> </a:t>
+            </a:r>
+            <a:r>
+              <a:rPr lang="en-GB" sz="1600" b="1" dirty="0" err="1">
+                <a:solidFill>
+                  <a:srgbClr val="2B91AF"/>
+                </a:solidFill>
+                <a:latin typeface="Cascadia Mono" panose="020B0609020000020004" pitchFamily="49" charset="0"/>
+              </a:rPr>
+              <a:t>BankAccount</a:t>
+            </a:r>
+            <a:r>
+              <a:rPr lang="en-GB" sz="1600" b="1" dirty="0">
+                <a:solidFill>
+                  <a:srgbClr val="000000"/>
+                </a:solidFill>
+                <a:latin typeface="Cascadia Mono" panose="020B0609020000020004" pitchFamily="49" charset="0"/>
+              </a:rPr>
+              <a:t> </a:t>
+            </a:r>
+            <a:r>
+              <a:rPr lang="en-GB" sz="2000" b="1" dirty="0">
+                <a:solidFill>
+                  <a:srgbClr val="7F0055"/>
+                </a:solidFill>
+                <a:latin typeface="Consolas" panose="020B0609020204030204" pitchFamily="49" charset="0"/>
+              </a:rPr>
+              <a:t>:</a:t>
+            </a:r>
+            <a:r>
+              <a:rPr lang="en-GB" sz="1600" b="1" dirty="0">
+                <a:solidFill>
+                  <a:srgbClr val="000000"/>
+                </a:solidFill>
+                <a:latin typeface="Cascadia Mono" panose="020B0609020000020004" pitchFamily="49" charset="0"/>
+              </a:rPr>
+              <a:t> </a:t>
+            </a:r>
+            <a:r>
+              <a:rPr lang="en-GB" sz="1600" b="1" dirty="0" err="1">
+                <a:solidFill>
+                  <a:srgbClr val="000000"/>
+                </a:solidFill>
+                <a:latin typeface="Cascadia Mono" panose="020B0609020000020004" pitchFamily="49" charset="0"/>
+              </a:rPr>
+              <a:t>IAdminAccount</a:t>
+            </a:r>
+            <a:endParaRPr lang="en-GB" sz="1600" b="1" dirty="0">
+              <a:solidFill>
+                <a:srgbClr val="000000"/>
+              </a:solidFill>
+              <a:latin typeface="Cascadia Mono" panose="020B0609020000020004" pitchFamily="49" charset="0"/>
+            </a:endParaRPr>
+          </a:p>
+          <a:p>
+            <a:r>
+              <a:rPr lang="en-GB" sz="1400" dirty="0">
+                <a:solidFill>
+                  <a:srgbClr val="000000"/>
+                </a:solidFill>
+                <a:latin typeface="Cascadia Mono" panose="020B0609020000020004" pitchFamily="49" charset="0"/>
+              </a:rPr>
+              <a:t>{</a:t>
+            </a:r>
+          </a:p>
+          <a:p>
+            <a:r>
+              <a:rPr lang="en-GB" sz="1400" dirty="0">
+                <a:solidFill>
+                  <a:srgbClr val="000000"/>
+                </a:solidFill>
+                <a:latin typeface="Cascadia Mono" panose="020B0609020000020004" pitchFamily="49" charset="0"/>
+              </a:rPr>
+              <a:t>    </a:t>
+            </a:r>
+            <a:r>
+              <a:rPr lang="en-GB" sz="1400" dirty="0">
+                <a:solidFill>
+                  <a:srgbClr val="0000FF"/>
+                </a:solidFill>
+                <a:latin typeface="Cascadia Mono" panose="020B0609020000020004" pitchFamily="49" charset="0"/>
+              </a:rPr>
+              <a:t>public</a:t>
+            </a:r>
+            <a:r>
+              <a:rPr lang="en-GB" sz="1400" dirty="0">
+                <a:solidFill>
+                  <a:srgbClr val="000000"/>
+                </a:solidFill>
+                <a:latin typeface="Cascadia Mono" panose="020B0609020000020004" pitchFamily="49" charset="0"/>
+              </a:rPr>
+              <a:t> </a:t>
+            </a:r>
+            <a:r>
+              <a:rPr lang="en-GB" sz="1400" dirty="0">
+                <a:solidFill>
+                  <a:srgbClr val="0000FF"/>
+                </a:solidFill>
+                <a:latin typeface="Cascadia Mono" panose="020B0609020000020004" pitchFamily="49" charset="0"/>
+              </a:rPr>
+              <a:t>void</a:t>
+            </a:r>
+            <a:r>
+              <a:rPr lang="en-GB" sz="1400" dirty="0">
+                <a:solidFill>
+                  <a:srgbClr val="000000"/>
+                </a:solidFill>
+                <a:latin typeface="Cascadia Mono" panose="020B0609020000020004" pitchFamily="49" charset="0"/>
+              </a:rPr>
+              <a:t> </a:t>
+            </a:r>
+            <a:r>
+              <a:rPr lang="en-GB" sz="1400" dirty="0" err="1">
+                <a:solidFill>
+                  <a:srgbClr val="000000"/>
+                </a:solidFill>
+                <a:latin typeface="Cascadia Mono" panose="020B0609020000020004" pitchFamily="49" charset="0"/>
+              </a:rPr>
+              <a:t>changeID</a:t>
+            </a:r>
+            <a:r>
+              <a:rPr lang="en-GB" sz="1400" dirty="0">
+                <a:solidFill>
+                  <a:srgbClr val="000000"/>
+                </a:solidFill>
+                <a:latin typeface="Cascadia Mono" panose="020B0609020000020004" pitchFamily="49" charset="0"/>
+              </a:rPr>
+              <a:t>() {</a:t>
+            </a:r>
+          </a:p>
+          <a:p>
+            <a:r>
+              <a:rPr lang="en-GB" sz="1400" dirty="0">
+                <a:solidFill>
+                  <a:srgbClr val="000000"/>
+                </a:solidFill>
+                <a:latin typeface="Cascadia Mono" panose="020B0609020000020004" pitchFamily="49" charset="0"/>
+              </a:rPr>
+              <a:t>    }</a:t>
+            </a:r>
+          </a:p>
+          <a:p>
+            <a:endParaRPr lang="en-GB" sz="1400" dirty="0">
+              <a:solidFill>
+                <a:srgbClr val="000000"/>
+              </a:solidFill>
+              <a:latin typeface="Cascadia Mono" panose="020B0609020000020004" pitchFamily="49" charset="0"/>
+            </a:endParaRPr>
+          </a:p>
+          <a:p>
+            <a:r>
+              <a:rPr lang="en-GB" sz="1400" dirty="0">
+                <a:solidFill>
+                  <a:srgbClr val="000000"/>
+                </a:solidFill>
+                <a:latin typeface="Cascadia Mono" panose="020B0609020000020004" pitchFamily="49" charset="0"/>
+              </a:rPr>
+              <a:t>    </a:t>
+            </a:r>
+            <a:r>
+              <a:rPr lang="en-GB" sz="1400" dirty="0">
+                <a:solidFill>
+                  <a:srgbClr val="0000FF"/>
+                </a:solidFill>
+                <a:latin typeface="Cascadia Mono" panose="020B0609020000020004" pitchFamily="49" charset="0"/>
+              </a:rPr>
+              <a:t>public</a:t>
+            </a:r>
+            <a:r>
+              <a:rPr lang="en-GB" sz="1400" dirty="0">
+                <a:solidFill>
+                  <a:srgbClr val="000000"/>
+                </a:solidFill>
+                <a:latin typeface="Cascadia Mono" panose="020B0609020000020004" pitchFamily="49" charset="0"/>
+              </a:rPr>
+              <a:t> </a:t>
+            </a:r>
+            <a:r>
+              <a:rPr lang="en-GB" sz="1400" dirty="0">
+                <a:solidFill>
+                  <a:srgbClr val="0000FF"/>
+                </a:solidFill>
+                <a:latin typeface="Cascadia Mono" panose="020B0609020000020004" pitchFamily="49" charset="0"/>
+              </a:rPr>
+              <a:t>void</a:t>
+            </a:r>
+            <a:r>
+              <a:rPr lang="en-GB" sz="1400" dirty="0">
+                <a:solidFill>
+                  <a:srgbClr val="000000"/>
+                </a:solidFill>
+                <a:latin typeface="Cascadia Mono" panose="020B0609020000020004" pitchFamily="49" charset="0"/>
+              </a:rPr>
+              <a:t> </a:t>
+            </a:r>
+            <a:r>
+              <a:rPr lang="en-GB" sz="1400" dirty="0" err="1">
+                <a:solidFill>
+                  <a:srgbClr val="000000"/>
+                </a:solidFill>
+                <a:latin typeface="Cascadia Mono" panose="020B0609020000020004" pitchFamily="49" charset="0"/>
+              </a:rPr>
+              <a:t>closeAccount</a:t>
+            </a:r>
+            <a:r>
+              <a:rPr lang="en-GB" sz="1400" dirty="0">
+                <a:solidFill>
+                  <a:srgbClr val="000000"/>
+                </a:solidFill>
+                <a:latin typeface="Cascadia Mono" panose="020B0609020000020004" pitchFamily="49" charset="0"/>
+              </a:rPr>
+              <a:t>() {</a:t>
+            </a:r>
+          </a:p>
+          <a:p>
+            <a:r>
+              <a:rPr lang="en-GB" sz="1400" dirty="0">
+                <a:solidFill>
+                  <a:srgbClr val="000000"/>
+                </a:solidFill>
+                <a:latin typeface="Cascadia Mono" panose="020B0609020000020004" pitchFamily="49" charset="0"/>
+              </a:rPr>
+              <a:t>    }</a:t>
+            </a:r>
+          </a:p>
+          <a:p>
+            <a:endParaRPr lang="en-GB" sz="1400" dirty="0">
+              <a:solidFill>
+                <a:srgbClr val="000000"/>
+              </a:solidFill>
+              <a:latin typeface="Cascadia Mono" panose="020B0609020000020004" pitchFamily="49" charset="0"/>
+            </a:endParaRPr>
+          </a:p>
+          <a:p>
+            <a:r>
+              <a:rPr lang="en-GB" sz="1400" dirty="0">
+                <a:solidFill>
+                  <a:srgbClr val="000000"/>
+                </a:solidFill>
+                <a:latin typeface="Cascadia Mono" panose="020B0609020000020004" pitchFamily="49" charset="0"/>
+              </a:rPr>
+              <a:t>    </a:t>
+            </a:r>
+            <a:r>
+              <a:rPr lang="en-GB" sz="1400" dirty="0">
+                <a:solidFill>
+                  <a:srgbClr val="0000FF"/>
+                </a:solidFill>
+                <a:latin typeface="Cascadia Mono" panose="020B0609020000020004" pitchFamily="49" charset="0"/>
+              </a:rPr>
+              <a:t>public</a:t>
+            </a:r>
+            <a:r>
+              <a:rPr lang="en-GB" sz="1400" dirty="0">
+                <a:solidFill>
+                  <a:srgbClr val="000000"/>
+                </a:solidFill>
+                <a:latin typeface="Cascadia Mono" panose="020B0609020000020004" pitchFamily="49" charset="0"/>
+              </a:rPr>
+              <a:t> </a:t>
+            </a:r>
+            <a:r>
+              <a:rPr lang="en-GB" sz="1400" dirty="0">
+                <a:solidFill>
+                  <a:srgbClr val="0000FF"/>
+                </a:solidFill>
+                <a:latin typeface="Cascadia Mono" panose="020B0609020000020004" pitchFamily="49" charset="0"/>
+              </a:rPr>
+              <a:t>void</a:t>
+            </a:r>
+            <a:r>
+              <a:rPr lang="en-GB" sz="1400" dirty="0">
+                <a:solidFill>
+                  <a:srgbClr val="000000"/>
+                </a:solidFill>
+                <a:latin typeface="Cascadia Mono" panose="020B0609020000020004" pitchFamily="49" charset="0"/>
+              </a:rPr>
+              <a:t> </a:t>
+            </a:r>
+            <a:r>
+              <a:rPr lang="en-GB" sz="1400" dirty="0" err="1">
+                <a:solidFill>
+                  <a:srgbClr val="000000"/>
+                </a:solidFill>
+                <a:latin typeface="Cascadia Mono" panose="020B0609020000020004" pitchFamily="49" charset="0"/>
+              </a:rPr>
+              <a:t>deposite</a:t>
+            </a:r>
+            <a:r>
+              <a:rPr lang="en-GB" sz="1400" dirty="0">
+                <a:solidFill>
+                  <a:srgbClr val="000000"/>
+                </a:solidFill>
+                <a:latin typeface="Cascadia Mono" panose="020B0609020000020004" pitchFamily="49" charset="0"/>
+              </a:rPr>
+              <a:t>() {</a:t>
+            </a:r>
+          </a:p>
+          <a:p>
+            <a:r>
+              <a:rPr lang="en-GB" sz="1400" dirty="0">
+                <a:solidFill>
+                  <a:srgbClr val="000000"/>
+                </a:solidFill>
+                <a:latin typeface="Cascadia Mono" panose="020B0609020000020004" pitchFamily="49" charset="0"/>
+              </a:rPr>
+              <a:t>    }</a:t>
+            </a:r>
+          </a:p>
+          <a:p>
+            <a:endParaRPr lang="en-GB" sz="1400" dirty="0">
+              <a:solidFill>
+                <a:srgbClr val="000000"/>
+              </a:solidFill>
+              <a:latin typeface="Cascadia Mono" panose="020B0609020000020004" pitchFamily="49" charset="0"/>
+            </a:endParaRPr>
+          </a:p>
+          <a:p>
+            <a:r>
+              <a:rPr lang="en-GB" sz="1400" dirty="0">
+                <a:solidFill>
+                  <a:srgbClr val="000000"/>
+                </a:solidFill>
+                <a:latin typeface="Cascadia Mono" panose="020B0609020000020004" pitchFamily="49" charset="0"/>
+              </a:rPr>
+              <a:t>    </a:t>
+            </a:r>
+            <a:r>
+              <a:rPr lang="en-GB" sz="1400" dirty="0">
+                <a:solidFill>
+                  <a:srgbClr val="0000FF"/>
+                </a:solidFill>
+                <a:latin typeface="Cascadia Mono" panose="020B0609020000020004" pitchFamily="49" charset="0"/>
+              </a:rPr>
+              <a:t>public</a:t>
+            </a:r>
+            <a:r>
+              <a:rPr lang="en-GB" sz="1400" dirty="0">
+                <a:solidFill>
+                  <a:srgbClr val="000000"/>
+                </a:solidFill>
+                <a:latin typeface="Cascadia Mono" panose="020B0609020000020004" pitchFamily="49" charset="0"/>
+              </a:rPr>
+              <a:t> </a:t>
+            </a:r>
+            <a:r>
+              <a:rPr lang="en-GB" sz="1400" dirty="0">
+                <a:solidFill>
+                  <a:srgbClr val="0000FF"/>
+                </a:solidFill>
+                <a:latin typeface="Cascadia Mono" panose="020B0609020000020004" pitchFamily="49" charset="0"/>
+              </a:rPr>
+              <a:t>void</a:t>
+            </a:r>
+            <a:r>
+              <a:rPr lang="en-GB" sz="1400" dirty="0">
+                <a:solidFill>
+                  <a:srgbClr val="000000"/>
+                </a:solidFill>
+                <a:latin typeface="Cascadia Mono" panose="020B0609020000020004" pitchFamily="49" charset="0"/>
+              </a:rPr>
+              <a:t> </a:t>
+            </a:r>
+            <a:r>
+              <a:rPr lang="en-GB" sz="1400" dirty="0" err="1">
+                <a:solidFill>
+                  <a:srgbClr val="000000"/>
+                </a:solidFill>
+                <a:latin typeface="Cascadia Mono" panose="020B0609020000020004" pitchFamily="49" charset="0"/>
+              </a:rPr>
+              <a:t>sendNotification</a:t>
+            </a:r>
+            <a:r>
+              <a:rPr lang="en-GB" sz="1400" dirty="0">
+                <a:solidFill>
+                  <a:srgbClr val="000000"/>
+                </a:solidFill>
+                <a:latin typeface="Cascadia Mono" panose="020B0609020000020004" pitchFamily="49" charset="0"/>
+              </a:rPr>
+              <a:t>() {</a:t>
+            </a:r>
+          </a:p>
+          <a:p>
+            <a:r>
+              <a:rPr lang="en-GB" sz="1400" dirty="0">
+                <a:solidFill>
+                  <a:srgbClr val="000000"/>
+                </a:solidFill>
+                <a:latin typeface="Cascadia Mono" panose="020B0609020000020004" pitchFamily="49" charset="0"/>
+              </a:rPr>
+              <a:t>    }</a:t>
+            </a:r>
+          </a:p>
+          <a:p>
+            <a:endParaRPr lang="en-GB" sz="1400" dirty="0">
+              <a:solidFill>
+                <a:srgbClr val="000000"/>
+              </a:solidFill>
+              <a:latin typeface="Cascadia Mono" panose="020B0609020000020004" pitchFamily="49" charset="0"/>
+            </a:endParaRPr>
+          </a:p>
+          <a:p>
+            <a:r>
+              <a:rPr lang="en-GB" sz="1400" dirty="0">
+                <a:solidFill>
+                  <a:srgbClr val="000000"/>
+                </a:solidFill>
+                <a:latin typeface="Cascadia Mono" panose="020B0609020000020004" pitchFamily="49" charset="0"/>
+              </a:rPr>
+              <a:t>    </a:t>
+            </a:r>
+            <a:r>
+              <a:rPr lang="en-GB" sz="1400" dirty="0">
+                <a:solidFill>
+                  <a:srgbClr val="0000FF"/>
+                </a:solidFill>
+                <a:latin typeface="Cascadia Mono" panose="020B0609020000020004" pitchFamily="49" charset="0"/>
+              </a:rPr>
+              <a:t>public</a:t>
+            </a:r>
+            <a:r>
+              <a:rPr lang="en-GB" sz="1400" dirty="0">
+                <a:solidFill>
+                  <a:srgbClr val="000000"/>
+                </a:solidFill>
+                <a:latin typeface="Cascadia Mono" panose="020B0609020000020004" pitchFamily="49" charset="0"/>
+              </a:rPr>
+              <a:t> </a:t>
+            </a:r>
+            <a:r>
+              <a:rPr lang="en-GB" sz="1400" dirty="0">
+                <a:solidFill>
+                  <a:srgbClr val="0000FF"/>
+                </a:solidFill>
+                <a:latin typeface="Cascadia Mono" panose="020B0609020000020004" pitchFamily="49" charset="0"/>
+              </a:rPr>
+              <a:t>void</a:t>
+            </a:r>
+            <a:r>
+              <a:rPr lang="en-GB" sz="1400" dirty="0">
+                <a:solidFill>
+                  <a:srgbClr val="000000"/>
+                </a:solidFill>
+                <a:latin typeface="Cascadia Mono" panose="020B0609020000020004" pitchFamily="49" charset="0"/>
+              </a:rPr>
+              <a:t> </a:t>
+            </a:r>
+            <a:r>
+              <a:rPr lang="en-GB" sz="1400" dirty="0" err="1">
+                <a:solidFill>
+                  <a:srgbClr val="000000"/>
+                </a:solidFill>
+                <a:latin typeface="Cascadia Mono" panose="020B0609020000020004" pitchFamily="49" charset="0"/>
+              </a:rPr>
+              <a:t>viewStatement</a:t>
+            </a:r>
+            <a:r>
+              <a:rPr lang="en-GB" sz="1400" dirty="0">
+                <a:solidFill>
+                  <a:srgbClr val="000000"/>
+                </a:solidFill>
+                <a:latin typeface="Cascadia Mono" panose="020B0609020000020004" pitchFamily="49" charset="0"/>
+              </a:rPr>
+              <a:t>() {</a:t>
+            </a:r>
+          </a:p>
+          <a:p>
+            <a:r>
+              <a:rPr lang="en-GB" sz="1400" dirty="0">
+                <a:solidFill>
+                  <a:srgbClr val="000000"/>
+                </a:solidFill>
+                <a:latin typeface="Cascadia Mono" panose="020B0609020000020004" pitchFamily="49" charset="0"/>
+              </a:rPr>
+              <a:t>    }</a:t>
+            </a:r>
+          </a:p>
+          <a:p>
+            <a:endParaRPr lang="en-GB" sz="1400" dirty="0">
+              <a:solidFill>
+                <a:srgbClr val="000000"/>
+              </a:solidFill>
+              <a:latin typeface="Cascadia Mono" panose="020B0609020000020004" pitchFamily="49" charset="0"/>
+            </a:endParaRPr>
+          </a:p>
+          <a:p>
+            <a:r>
+              <a:rPr lang="en-GB" sz="1400" dirty="0">
+                <a:solidFill>
+                  <a:srgbClr val="000000"/>
+                </a:solidFill>
+                <a:latin typeface="Cascadia Mono" panose="020B0609020000020004" pitchFamily="49" charset="0"/>
+              </a:rPr>
+              <a:t>    </a:t>
+            </a:r>
+            <a:r>
+              <a:rPr lang="en-GB" sz="1400" dirty="0">
+                <a:solidFill>
+                  <a:srgbClr val="0000FF"/>
+                </a:solidFill>
+                <a:latin typeface="Cascadia Mono" panose="020B0609020000020004" pitchFamily="49" charset="0"/>
+              </a:rPr>
+              <a:t>public</a:t>
+            </a:r>
+            <a:r>
+              <a:rPr lang="en-GB" sz="1400" dirty="0">
+                <a:solidFill>
+                  <a:srgbClr val="000000"/>
+                </a:solidFill>
+                <a:latin typeface="Cascadia Mono" panose="020B0609020000020004" pitchFamily="49" charset="0"/>
+              </a:rPr>
+              <a:t> </a:t>
+            </a:r>
+            <a:r>
+              <a:rPr lang="en-GB" sz="1400" dirty="0">
+                <a:solidFill>
+                  <a:srgbClr val="0000FF"/>
+                </a:solidFill>
+                <a:latin typeface="Cascadia Mono" panose="020B0609020000020004" pitchFamily="49" charset="0"/>
+              </a:rPr>
+              <a:t>void</a:t>
+            </a:r>
+            <a:r>
+              <a:rPr lang="en-GB" sz="1400" dirty="0">
+                <a:solidFill>
+                  <a:srgbClr val="000000"/>
+                </a:solidFill>
+                <a:latin typeface="Cascadia Mono" panose="020B0609020000020004" pitchFamily="49" charset="0"/>
+              </a:rPr>
+              <a:t> withdraw() {</a:t>
+            </a:r>
+          </a:p>
+          <a:p>
+            <a:r>
+              <a:rPr lang="en-GB" sz="1400" dirty="0">
+                <a:solidFill>
+                  <a:srgbClr val="000000"/>
+                </a:solidFill>
+                <a:latin typeface="Cascadia Mono" panose="020B0609020000020004" pitchFamily="49" charset="0"/>
+              </a:rPr>
+              <a:t>    }</a:t>
+            </a:r>
+          </a:p>
+          <a:p>
+            <a:r>
+              <a:rPr lang="en-GB" sz="1400" dirty="0">
+                <a:solidFill>
+                  <a:srgbClr val="000000"/>
+                </a:solidFill>
+                <a:latin typeface="Cascadia Mono" panose="020B0609020000020004" pitchFamily="49" charset="0"/>
+              </a:rPr>
+              <a:t>}</a:t>
+            </a:r>
+          </a:p>
+        </p:txBody>
+      </p:sp>
+      <p:pic>
+        <p:nvPicPr>
+          <p:cNvPr id="10" name="Picture 9">
+            <a:extLst>
+              <a:ext uri="{FF2B5EF4-FFF2-40B4-BE49-F238E27FC236}">
+                <a16:creationId xmlns:a16="http://schemas.microsoft.com/office/drawing/2014/main" id="{63339A75-2618-7BCE-EB4F-635A168C2CB4}"/>
+              </a:ext>
+            </a:extLst>
+          </p:cNvPr>
+          <p:cNvPicPr>
+            <a:picLocks noChangeAspect="1"/>
+          </p:cNvPicPr>
+          <p:nvPr/>
+        </p:nvPicPr>
+        <p:blipFill>
+          <a:blip r:embed="rId3"/>
+          <a:stretch>
+            <a:fillRect/>
+          </a:stretch>
+        </p:blipFill>
+        <p:spPr>
+          <a:xfrm>
+            <a:off x="2838450" y="4051300"/>
+            <a:ext cx="2266950" cy="1333500"/>
+          </a:xfrm>
+          <a:prstGeom prst="rect">
+            <a:avLst/>
+          </a:prstGeom>
+        </p:spPr>
+      </p:pic>
+    </p:spTree>
+    <p:extLst>
+      <p:ext uri="{BB962C8B-B14F-4D97-AF65-F5344CB8AC3E}">
+        <p14:creationId xmlns:p14="http://schemas.microsoft.com/office/powerpoint/2010/main" val="3211932441"/>
       </p:ext>
     </p:extLst>
   </p:cSld>
@@ -36934,6 +36188,32 @@
 </file>
 
 <file path=customXml/item1.xml><?xml version="1.0" encoding="utf-8"?>
+<p:properties xmlns:p="http://schemas.microsoft.com/office/2006/metadata/properties" xmlns:xsi="http://www.w3.org/2001/XMLSchema-instance" xmlns:pc="http://schemas.microsoft.com/office/infopath/2007/PartnerControls">
+  <documentManagement>
+    <SequenceNumber xmlns="6794D9DE-4FDF-4DC0-8B2C-5438320C69D5" xsi:nil="true"/>
+    <IsBuildFile xmlns="6794D9DE-4FDF-4DC0-8B2C-5438320C69D5" xsi:nil="true"/>
+    <BookTypeField0 xmlns="6794D9DE-4FDF-4DC0-8B2C-5438320C69D5">
+      <Terms xmlns="http://schemas.microsoft.com/office/infopath/2007/PartnerControls">
+        <TermInfo xmlns="http://schemas.microsoft.com/office/infopath/2007/PartnerControls">
+          <TermName xmlns="http://schemas.microsoft.com/office/infopath/2007/PartnerControls">IK</TermName>
+          <TermId xmlns="http://schemas.microsoft.com/office/infopath/2007/PartnerControls">5abe6401-e87a-4499-80b4-3d21a1a6ebd7</TermId>
+        </TermInfo>
+      </Terms>
+    </BookTypeField0>
+  </documentManagement>
+</p:properties>
+</file>
+
+<file path=customXml/item2.xml><?xml version="1.0" encoding="utf-8"?>
+<?mso-contentType ?>
+<FormTemplates xmlns="http://schemas.microsoft.com/sharepoint/v3/contenttype/forms">
+  <Display>DocumentLibraryForm</Display>
+  <Edit>DocumentLibraryForm</Edit>
+  <New>DocumentLibraryForm</New>
+</FormTemplates>
+</file>
+
+<file path=customXml/item3.xml><?xml version="1.0" encoding="utf-8"?>
 <ct:contentTypeSchema xmlns:ct="http://schemas.microsoft.com/office/2006/metadata/contentType" xmlns:ma="http://schemas.microsoft.com/office/2006/metadata/properties/metaAttributes" ct:_="" ma:_="" ma:contentTypeName="Courseware" ma:contentTypeID="0x010100F0967B7CEE8D417F966757887D9466FB00B3EF5B1D149FDF49B1880C030D548140" ma:contentTypeVersion="0" ma:contentTypeDescription="Base content type which represents courseware documents" ma:contentTypeScope="" ma:versionID="ab0d7ca79e0ea5a537b031f986da336c">
   <xsd:schema xmlns:xsd="http://www.w3.org/2001/XMLSchema" xmlns:xs="http://www.w3.org/2001/XMLSchema" xmlns:p="http://schemas.microsoft.com/office/2006/metadata/properties" xmlns:ns2="6794D9DE-4FDF-4DC0-8B2C-5438320C69D5" targetNamespace="http://schemas.microsoft.com/office/2006/metadata/properties" ma:root="true" ma:fieldsID="7ff8e7c62cc10108c036e94c947d8fb9" ns2:_="">
     <xsd:import namespace="6794D9DE-4FDF-4DC0-8B2C-5438320C69D5"/>
@@ -37073,33 +36353,31 @@
 </ct:contentTypeSchema>
 </file>
 
-<file path=customXml/item2.xml><?xml version="1.0" encoding="utf-8"?>
-<?mso-contentType ?>
-<FormTemplates xmlns="http://schemas.microsoft.com/sharepoint/v3/contenttype/forms">
-  <Display>DocumentLibraryForm</Display>
-  <Edit>DocumentLibraryForm</Edit>
-  <New>DocumentLibraryForm</New>
-</FormTemplates>
+<file path=customXml/itemProps1.xml><?xml version="1.0" encoding="utf-8"?>
+<ds:datastoreItem xmlns:ds="http://schemas.openxmlformats.org/officeDocument/2006/customXml" ds:itemID="{B8CA8464-660D-407C-9BC6-65570507D9BC}">
+  <ds:schemaRefs>
+    <ds:schemaRef ds:uri="http://schemas.microsoft.com/office/2006/documentManagement/types"/>
+    <ds:schemaRef ds:uri="http://purl.org/dc/dcmitype/"/>
+    <ds:schemaRef ds:uri="6794D9DE-4FDF-4DC0-8B2C-5438320C69D5"/>
+    <ds:schemaRef ds:uri="http://schemas.microsoft.com/office/2006/metadata/properties"/>
+    <ds:schemaRef ds:uri="http://purl.org/dc/terms/"/>
+    <ds:schemaRef ds:uri="http://purl.org/dc/elements/1.1/"/>
+    <ds:schemaRef ds:uri="http://schemas.openxmlformats.org/package/2006/metadata/core-properties"/>
+    <ds:schemaRef ds:uri="http://schemas.microsoft.com/office/infopath/2007/PartnerControls"/>
+    <ds:schemaRef ds:uri="http://www.w3.org/XML/1998/namespace"/>
+  </ds:schemaRefs>
+</ds:datastoreItem>
 </file>
 
-<file path=customXml/item3.xml><?xml version="1.0" encoding="utf-8"?>
-<p:properties xmlns:p="http://schemas.microsoft.com/office/2006/metadata/properties" xmlns:xsi="http://www.w3.org/2001/XMLSchema-instance" xmlns:pc="http://schemas.microsoft.com/office/infopath/2007/PartnerControls">
-  <documentManagement>
-    <SequenceNumber xmlns="6794D9DE-4FDF-4DC0-8B2C-5438320C69D5" xsi:nil="true"/>
-    <IsBuildFile xmlns="6794D9DE-4FDF-4DC0-8B2C-5438320C69D5" xsi:nil="true"/>
-    <BookTypeField0 xmlns="6794D9DE-4FDF-4DC0-8B2C-5438320C69D5">
-      <Terms xmlns="http://schemas.microsoft.com/office/infopath/2007/PartnerControls">
-        <TermInfo xmlns="http://schemas.microsoft.com/office/infopath/2007/PartnerControls">
-          <TermName xmlns="http://schemas.microsoft.com/office/infopath/2007/PartnerControls">IK</TermName>
-          <TermId xmlns="http://schemas.microsoft.com/office/infopath/2007/PartnerControls">5abe6401-e87a-4499-80b4-3d21a1a6ebd7</TermId>
-        </TermInfo>
-      </Terms>
-    </BookTypeField0>
-  </documentManagement>
-</p:properties>
+<file path=customXml/itemProps2.xml><?xml version="1.0" encoding="utf-8"?>
+<ds:datastoreItem xmlns:ds="http://schemas.openxmlformats.org/officeDocument/2006/customXml" ds:itemID="{F5EE1230-8E06-4B7E-922E-37040E46E781}">
+  <ds:schemaRefs>
+    <ds:schemaRef ds:uri="http://schemas.microsoft.com/sharepoint/v3/contenttype/forms"/>
+  </ds:schemaRefs>
+</ds:datastoreItem>
 </file>
 
-<file path=customXml/itemProps1.xml><?xml version="1.0" encoding="utf-8"?>
+<file path=customXml/itemProps3.xml><?xml version="1.0" encoding="utf-8"?>
 <ds:datastoreItem xmlns:ds="http://schemas.openxmlformats.org/officeDocument/2006/customXml" ds:itemID="{BA980A2A-027D-4974-B588-4101B49F521D}">
   <ds:schemaRefs>
     <ds:schemaRef ds:uri="http://schemas.microsoft.com/office/2006/metadata/contentType"/>
@@ -37115,28 +36393,4 @@
     <ds:schemaRef ds:uri="http://schemas.microsoft.com/internal/obd"/>
   </ds:schemaRefs>
 </ds:datastoreItem>
-</file>
-
-<file path=customXml/itemProps2.xml><?xml version="1.0" encoding="utf-8"?>
-<ds:datastoreItem xmlns:ds="http://schemas.openxmlformats.org/officeDocument/2006/customXml" ds:itemID="{F5EE1230-8E06-4B7E-922E-37040E46E781}">
-  <ds:schemaRefs>
-    <ds:schemaRef ds:uri="http://schemas.microsoft.com/sharepoint/v3/contenttype/forms"/>
-  </ds:schemaRefs>
-</ds:datastoreItem>
-</file>
-
-<file path=customXml/itemProps3.xml><?xml version="1.0" encoding="utf-8"?>
-<ds:datastoreItem xmlns:ds="http://schemas.openxmlformats.org/officeDocument/2006/customXml" ds:itemID="{B8CA8464-660D-407C-9BC6-65570507D9BC}">
-  <ds:schemaRefs>
-    <ds:schemaRef ds:uri="http://schemas.microsoft.com/office/2006/documentManagement/types"/>
-    <ds:schemaRef ds:uri="http://purl.org/dc/dcmitype/"/>
-    <ds:schemaRef ds:uri="6794D9DE-4FDF-4DC0-8B2C-5438320C69D5"/>
-    <ds:schemaRef ds:uri="http://schemas.microsoft.com/office/2006/metadata/properties"/>
-    <ds:schemaRef ds:uri="http://purl.org/dc/terms/"/>
-    <ds:schemaRef ds:uri="http://purl.org/dc/elements/1.1/"/>
-    <ds:schemaRef ds:uri="http://schemas.openxmlformats.org/package/2006/metadata/core-properties"/>
-    <ds:schemaRef ds:uri="http://schemas.microsoft.com/office/infopath/2007/PartnerControls"/>
-    <ds:schemaRef ds:uri="http://www.w3.org/XML/1998/namespace"/>
-  </ds:schemaRefs>
-</ds:datastoreItem>
 </file>
--- a/10-Interfaces.pptx
+++ b/10-Interfaces.pptx
@@ -2886,7 +2886,7 @@
           <a:p>
             <a:fld id="{86D088FE-3E68-47FE-8BA4-634CD34BABBC}" type="datetimeFigureOut">
               <a:rPr lang="en-GB" smtClean="0"/>
-              <a:t>10/12/2025</a:t>
+              <a:t>11/12/2025</a:t>
             </a:fld>
             <a:endParaRPr lang="en-GB"/>
           </a:p>
@@ -3056,7 +3056,7 @@
             <a:fld id="{1D6B66C6-1E92-0F4E-A300-9D4ED1F0C23F}" type="datetimeFigureOut">
               <a:rPr lang="en-GB" smtClean="0"/>
               <a:pPr/>
-              <a:t>10/12/2025</a:t>
+              <a:t>11/12/2025</a:t>
             </a:fld>
             <a:endParaRPr lang="en-GB"/>
           </a:p>
@@ -31847,7 +31847,25 @@
                 </a:solidFill>
                 <a:latin typeface="Lucida Console" pitchFamily="49" charset="0"/>
               </a:rPr>
-              <a:t>public abstract class</a:t>
+              <a:t>public </a:t>
+            </a:r>
+            <a:r>
+              <a:rPr lang="en-GB" sz="1600" b="1" dirty="0">
+                <a:solidFill>
+                  <a:srgbClr val="0000C8"/>
+                </a:solidFill>
+                <a:latin typeface="Lucida Console" pitchFamily="49" charset="0"/>
+              </a:rPr>
+              <a:t>abstract</a:t>
+            </a:r>
+            <a:r>
+              <a:rPr lang="en-GB" sz="1600" dirty="0">
+                <a:solidFill>
+                  <a:srgbClr val="0000C8"/>
+                </a:solidFill>
+                <a:latin typeface="Lucida Console" pitchFamily="49" charset="0"/>
+              </a:rPr>
+              <a:t> class</a:t>
             </a:r>
             <a:r>
               <a:rPr lang="en-GB" sz="1600" dirty="0">
@@ -32094,7 +32112,16 @@
                 </a:solidFill>
                 <a:latin typeface="Lucida Console" pitchFamily="49" charset="0"/>
               </a:rPr>
-              <a:t>public interface</a:t>
+              <a:t>public </a:t>
+            </a:r>
+            <a:r>
+              <a:rPr lang="en-GB" sz="1600" b="1" dirty="0">
+                <a:solidFill>
+                  <a:srgbClr val="0000C8"/>
+                </a:solidFill>
+                <a:latin typeface="Lucida Console" pitchFamily="49" charset="0"/>
+              </a:rPr>
+              <a:t>interface</a:t>
             </a:r>
             <a:r>
               <a:rPr lang="en-GB" sz="1600" dirty="0">
@@ -32791,7 +32818,7 @@
         <p:spPr>
           <a:xfrm>
             <a:off x="341273" y="1368256"/>
-            <a:ext cx="11338110" cy="1351770"/>
+            <a:ext cx="11338110" cy="525991"/>
           </a:xfrm>
         </p:spPr>
         <p:txBody>
@@ -32803,28 +32830,6 @@
             <a:r>
               <a:rPr lang="en-GB" b="1" dirty="0"/>
               <a:t>An interface defines a new type, just like a class</a:t>
-            </a:r>
-          </a:p>
-          <a:p>
-            <a:pPr marL="342900" lvl="1" indent="-342900">
-              <a:buSzPct val="115000"/>
-              <a:buFont typeface="Arial" panose="020B0604020202020204" pitchFamily="34" charset="0"/>
-              <a:buChar char="•"/>
-            </a:pPr>
-            <a:r>
-              <a:rPr lang="en-GB" dirty="0"/>
-              <a:t>If method has parameter of an interface type, it can be passed a reference to an object of any class that implements the interface</a:t>
-            </a:r>
-          </a:p>
-          <a:p>
-            <a:pPr marL="342900" lvl="1" indent="-342900">
-              <a:buSzPct val="115000"/>
-              <a:buFont typeface="Arial" panose="020B0604020202020204" pitchFamily="34" charset="0"/>
-              <a:buChar char="•"/>
-            </a:pPr>
-            <a:r>
-              <a:rPr lang="en-GB" dirty="0"/>
-              <a:t>Can also have collections of objects that implement a specific interface  </a:t>
             </a:r>
           </a:p>
         </p:txBody>
@@ -32839,8 +32844,8 @@
         </p:nvSpPr>
         <p:spPr bwMode="auto">
           <a:xfrm>
-            <a:off x="2022186" y="3168136"/>
-            <a:ext cx="5645150" cy="2551981"/>
+            <a:off x="732004" y="2103554"/>
+            <a:ext cx="9338921" cy="2265364"/>
           </a:xfrm>
           <a:prstGeom prst="rect">
             <a:avLst/>
@@ -32866,12 +32871,15 @@
           </a:effectLst>
         </p:spPr>
         <p:txBody>
-          <a:bodyPr lIns="90488" tIns="44450" rIns="0" bIns="44450">
+          <a:bodyPr wrap="square" lIns="90488" tIns="44450" rIns="0" bIns="44450">
             <a:spAutoFit/>
           </a:bodyPr>
           <a:lstStyle/>
           <a:p>
             <a:pPr defTabSz="739775" eaLnBrk="0" hangingPunct="0">
+              <a:lnSpc>
+                <a:spcPct val="150000"/>
+              </a:lnSpc>
               <a:tabLst>
                 <a:tab pos="347663" algn="l"/>
                 <a:tab pos="685800" algn="l"/>
@@ -32884,54 +32892,6 @@
               </a:tabLst>
               <a:defRPr/>
             </a:pPr>
-            <a:r>
-              <a:rPr lang="en-GB" sz="1600" dirty="0">
-                <a:solidFill>
-                  <a:srgbClr val="0000FF"/>
-                </a:solidFill>
-                <a:latin typeface="Lucida Console" pitchFamily="49" charset="0"/>
-              </a:rPr>
-              <a:t>public class</a:t>
-            </a:r>
-            <a:r>
-              <a:rPr lang="en-GB" sz="1600" dirty="0">
-                <a:latin typeface="Lucida Console" pitchFamily="49" charset="0"/>
-              </a:rPr>
-              <a:t> </a:t>
-            </a:r>
-            <a:r>
-              <a:rPr lang="en-GB" sz="1600" dirty="0">
-                <a:solidFill>
-                  <a:srgbClr val="000000"/>
-                </a:solidFill>
-                <a:latin typeface="Lucida Console" pitchFamily="49" charset="0"/>
-              </a:rPr>
-              <a:t>Canvas {</a:t>
-            </a:r>
-          </a:p>
-          <a:p>
-            <a:pPr defTabSz="739775" eaLnBrk="0" hangingPunct="0">
-              <a:tabLst>
-                <a:tab pos="347663" algn="l"/>
-                <a:tab pos="685800" algn="l"/>
-                <a:tab pos="1033463" algn="l"/>
-                <a:tab pos="1371600" algn="l"/>
-                <a:tab pos="1719263" algn="l"/>
-                <a:tab pos="2057400" algn="l"/>
-                <a:tab pos="2405063" algn="l"/>
-                <a:tab pos="2743200" algn="l"/>
-              </a:tabLst>
-              <a:defRPr/>
-            </a:pPr>
-            <a:r>
-              <a:rPr lang="en-GB" sz="1600" dirty="0">
-                <a:solidFill>
-                  <a:srgbClr val="000000"/>
-                </a:solidFill>
-                <a:latin typeface="Lucida Console" pitchFamily="49" charset="0"/>
-              </a:rPr>
-              <a:t>  </a:t>
-            </a:r>
             <a:r>
               <a:rPr lang="en-GB" sz="1600" dirty="0">
                 <a:solidFill>
@@ -32967,6 +32927,9 @@
           </a:p>
           <a:p>
             <a:pPr defTabSz="739775" eaLnBrk="0" hangingPunct="0">
+              <a:lnSpc>
+                <a:spcPct val="150000"/>
+              </a:lnSpc>
               <a:tabLst>
                 <a:tab pos="347663" algn="l"/>
                 <a:tab pos="685800" algn="l"/>
@@ -32982,20 +32945,11 @@
             <a:r>
               <a:rPr lang="en-GB" sz="1600" dirty="0">
                 <a:solidFill>
-                  <a:srgbClr val="000000"/>
-                </a:solidFill>
-                <a:latin typeface="Lucida Console" pitchFamily="49" charset="0"/>
-              </a:rPr>
-              <a:t>  </a:t>
-            </a:r>
-            <a:r>
-              <a:rPr lang="en-GB" sz="1600" dirty="0">
-                <a:solidFill>
                   <a:srgbClr val="0000FF"/>
                 </a:solidFill>
                 <a:latin typeface="Lucida Console" pitchFamily="49" charset="0"/>
               </a:rPr>
-              <a:t>private void</a:t>
+              <a:t>foreach</a:t>
             </a:r>
             <a:r>
               <a:rPr lang="en-GB" sz="1600" dirty="0">
@@ -33004,16 +32958,16 @@
                 </a:solidFill>
                 <a:latin typeface="Lucida Console" pitchFamily="49" charset="0"/>
               </a:rPr>
-              <a:t> </a:t>
-            </a:r>
-            <a:r>
-              <a:rPr lang="en-GB" sz="1600" dirty="0" err="1">
+              <a:t>( </a:t>
+            </a:r>
+            <a:r>
+              <a:rPr lang="en-GB" sz="1600" dirty="0">
                 <a:solidFill>
-                  <a:srgbClr val="000000"/>
+                  <a:srgbClr val="FF0000"/>
                 </a:solidFill>
                 <a:latin typeface="Lucida Console" pitchFamily="49" charset="0"/>
               </a:rPr>
-              <a:t>renderRenderables</a:t>
+              <a:t>Shape</a:t>
             </a:r>
             <a:r>
               <a:rPr lang="en-GB" sz="1600" dirty="0">
@@ -33022,11 +32976,14 @@
                 </a:solidFill>
                 <a:latin typeface="Lucida Console" pitchFamily="49" charset="0"/>
               </a:rPr>
-              <a:t>() {</a:t>
+              <a:t> s in shapes ) {</a:t>
             </a:r>
           </a:p>
           <a:p>
             <a:pPr defTabSz="739775" eaLnBrk="0" hangingPunct="0">
+              <a:lnSpc>
+                <a:spcPct val="150000"/>
+              </a:lnSpc>
               <a:tabLst>
                 <a:tab pos="347663" algn="l"/>
                 <a:tab pos="685800" algn="l"/>
@@ -33042,11 +32999,20 @@
             <a:r>
               <a:rPr lang="en-GB" sz="1600" dirty="0">
                 <a:solidFill>
+                  <a:srgbClr val="0000FF"/>
+                </a:solidFill>
+                <a:latin typeface="Lucida Console" pitchFamily="49" charset="0"/>
+              </a:rPr>
+              <a:t>      if</a:t>
+            </a:r>
+            <a:r>
+              <a:rPr lang="en-GB" sz="1600" dirty="0">
+                <a:solidFill>
                   <a:srgbClr val="000000"/>
                 </a:solidFill>
                 <a:latin typeface="Lucida Console" pitchFamily="49" charset="0"/>
               </a:rPr>
-              <a:t>    </a:t>
+              <a:t> (s </a:t>
             </a:r>
             <a:r>
               <a:rPr lang="en-GB" sz="1600" dirty="0">
@@ -33055,7 +33021,7 @@
                 </a:solidFill>
                 <a:latin typeface="Lucida Console" pitchFamily="49" charset="0"/>
               </a:rPr>
-              <a:t>foreach</a:t>
+              <a:t>is</a:t>
             </a:r>
             <a:r>
               <a:rPr lang="en-GB" sz="1600" dirty="0">
@@ -33064,16 +33030,16 @@
                 </a:solidFill>
                 <a:latin typeface="Lucida Console" pitchFamily="49" charset="0"/>
               </a:rPr>
-              <a:t>( </a:t>
-            </a:r>
-            <a:r>
-              <a:rPr lang="en-GB" sz="1600" dirty="0">
+              <a:t> </a:t>
+            </a:r>
+            <a:r>
+              <a:rPr lang="en-GB" sz="1600" dirty="0" err="1">
                 <a:solidFill>
-                  <a:srgbClr val="FF0000"/>
+                  <a:srgbClr val="000000"/>
                 </a:solidFill>
                 <a:latin typeface="Lucida Console" pitchFamily="49" charset="0"/>
               </a:rPr>
-              <a:t>Shape</a:t>
+              <a:t>Renderable</a:t>
             </a:r>
             <a:r>
               <a:rPr lang="en-GB" sz="1600" dirty="0">
@@ -33082,11 +33048,14 @@
                 </a:solidFill>
                 <a:latin typeface="Lucida Console" pitchFamily="49" charset="0"/>
               </a:rPr>
-              <a:t> s in shapes ) {</a:t>
+              <a:t>)</a:t>
             </a:r>
           </a:p>
           <a:p>
             <a:pPr defTabSz="739775" eaLnBrk="0" hangingPunct="0">
+              <a:lnSpc>
+                <a:spcPct val="150000"/>
+              </a:lnSpc>
               <a:tabLst>
                 <a:tab pos="347663" algn="l"/>
                 <a:tab pos="685800" algn="l"/>
@@ -33102,38 +33071,11 @@
             <a:r>
               <a:rPr lang="en-GB" sz="1600" dirty="0">
                 <a:solidFill>
-                  <a:srgbClr val="0000FF"/>
-                </a:solidFill>
-                <a:latin typeface="Lucida Console" pitchFamily="49" charset="0"/>
-              </a:rPr>
-              <a:t>      if</a:t>
-            </a:r>
-            <a:r>
-              <a:rPr lang="en-GB" sz="1600" dirty="0">
-                <a:solidFill>
                   <a:srgbClr val="000000"/>
                 </a:solidFill>
                 <a:latin typeface="Lucida Console" pitchFamily="49" charset="0"/>
               </a:rPr>
-              <a:t> (s </a:t>
-            </a:r>
-            <a:r>
-              <a:rPr lang="en-GB" sz="1600" dirty="0">
-                <a:solidFill>
-                  <a:srgbClr val="0000FF"/>
-                </a:solidFill>
-                <a:latin typeface="Lucida Console" pitchFamily="49" charset="0"/>
-              </a:rPr>
-              <a:t>is</a:t>
-            </a:r>
-            <a:r>
-              <a:rPr lang="en-GB" sz="1600" dirty="0">
-                <a:solidFill>
-                  <a:srgbClr val="000000"/>
-                </a:solidFill>
-                <a:latin typeface="Lucida Console" pitchFamily="49" charset="0"/>
-              </a:rPr>
-              <a:t> </a:t>
+              <a:t>        		((</a:t>
             </a:r>
             <a:r>
               <a:rPr lang="en-GB" sz="1600" dirty="0" err="1">
@@ -33151,11 +33093,14 @@
                 </a:solidFill>
                 <a:latin typeface="Lucida Console" pitchFamily="49" charset="0"/>
               </a:rPr>
-              <a:t>)</a:t>
+              <a:t>)s).draw();</a:t>
             </a:r>
           </a:p>
           <a:p>
             <a:pPr defTabSz="739775" eaLnBrk="0" hangingPunct="0">
+              <a:lnSpc>
+                <a:spcPct val="150000"/>
+              </a:lnSpc>
               <a:tabLst>
                 <a:tab pos="347663" algn="l"/>
                 <a:tab pos="685800" algn="l"/>
@@ -33175,96 +33120,6 @@
                 </a:solidFill>
                 <a:latin typeface="Lucida Console" pitchFamily="49" charset="0"/>
               </a:rPr>
-              <a:t>        ((</a:t>
-            </a:r>
-            <a:r>
-              <a:rPr lang="en-GB" sz="1600" dirty="0" err="1">
-                <a:solidFill>
-                  <a:srgbClr val="000000"/>
-                </a:solidFill>
-                <a:latin typeface="Lucida Console" pitchFamily="49" charset="0"/>
-              </a:rPr>
-              <a:t>Renderable</a:t>
-            </a:r>
-            <a:r>
-              <a:rPr lang="en-GB" sz="1600" dirty="0">
-                <a:solidFill>
-                  <a:srgbClr val="000000"/>
-                </a:solidFill>
-                <a:latin typeface="Lucida Console" pitchFamily="49" charset="0"/>
-              </a:rPr>
-              <a:t>)s).draw();</a:t>
-            </a:r>
-          </a:p>
-          <a:p>
-            <a:pPr defTabSz="739775" eaLnBrk="0" hangingPunct="0">
-              <a:tabLst>
-                <a:tab pos="347663" algn="l"/>
-                <a:tab pos="685800" algn="l"/>
-                <a:tab pos="1033463" algn="l"/>
-                <a:tab pos="1371600" algn="l"/>
-                <a:tab pos="1719263" algn="l"/>
-                <a:tab pos="2057400" algn="l"/>
-                <a:tab pos="2405063" algn="l"/>
-                <a:tab pos="2743200" algn="l"/>
-              </a:tabLst>
-              <a:defRPr/>
-            </a:pPr>
-            <a:r>
-              <a:rPr lang="en-GB" sz="1600" dirty="0">
-                <a:solidFill>
-                  <a:srgbClr val="000000"/>
-                </a:solidFill>
-                <a:latin typeface="Lucida Console" pitchFamily="49" charset="0"/>
-              </a:rPr>
-              <a:t>    }</a:t>
-            </a:r>
-          </a:p>
-          <a:p>
-            <a:pPr defTabSz="739775" eaLnBrk="0" hangingPunct="0">
-              <a:tabLst>
-                <a:tab pos="347663" algn="l"/>
-                <a:tab pos="685800" algn="l"/>
-                <a:tab pos="1033463" algn="l"/>
-                <a:tab pos="1371600" algn="l"/>
-                <a:tab pos="1719263" algn="l"/>
-                <a:tab pos="2057400" algn="l"/>
-                <a:tab pos="2405063" algn="l"/>
-                <a:tab pos="2743200" algn="l"/>
-              </a:tabLst>
-              <a:defRPr/>
-            </a:pPr>
-            <a:r>
-              <a:rPr lang="en-GB" sz="1600" dirty="0">
-                <a:solidFill>
-                  <a:srgbClr val="000000"/>
-                </a:solidFill>
-                <a:latin typeface="Lucida Console" pitchFamily="49" charset="0"/>
-              </a:rPr>
-              <a:t>  }</a:t>
-            </a:r>
-          </a:p>
-          <a:p>
-            <a:pPr defTabSz="739775" eaLnBrk="0" hangingPunct="0">
-              <a:tabLst>
-                <a:tab pos="347663" algn="l"/>
-                <a:tab pos="685800" algn="l"/>
-                <a:tab pos="1033463" algn="l"/>
-                <a:tab pos="1371600" algn="l"/>
-                <a:tab pos="1719263" algn="l"/>
-                <a:tab pos="2057400" algn="l"/>
-                <a:tab pos="2405063" algn="l"/>
-                <a:tab pos="2743200" algn="l"/>
-              </a:tabLst>
-              <a:defRPr/>
-            </a:pPr>
-            <a:r>
-              <a:rPr lang="en-GB" sz="1600" dirty="0">
-                <a:solidFill>
-                  <a:srgbClr val="000000"/>
-                </a:solidFill>
-                <a:latin typeface="Lucida Console" pitchFamily="49" charset="0"/>
-              </a:rPr>
               <a:t>}</a:t>
             </a:r>
           </a:p>
@@ -33280,7 +33135,7 @@
         </p:nvSpPr>
         <p:spPr bwMode="auto">
           <a:xfrm>
-            <a:off x="4844761" y="5489744"/>
+            <a:off x="6010328" y="5702811"/>
             <a:ext cx="5879845" cy="828432"/>
           </a:xfrm>
           <a:prstGeom prst="rect">
@@ -33473,7 +33328,7 @@
         </p:nvSpPr>
         <p:spPr bwMode="auto">
           <a:xfrm>
-            <a:off x="7164139" y="3481333"/>
+            <a:off x="5460600" y="2416985"/>
             <a:ext cx="2689225" cy="384175"/>
           </a:xfrm>
           <a:prstGeom prst="borderCallout2">
@@ -33527,8 +33382,8 @@
         </p:nvSpPr>
         <p:spPr bwMode="auto">
           <a:xfrm>
-            <a:off x="6669874" y="4534373"/>
-            <a:ext cx="3677753" cy="384175"/>
+            <a:off x="5774498" y="3672666"/>
+            <a:ext cx="3945699" cy="384175"/>
           </a:xfrm>
           <a:prstGeom prst="borderCallout2">
             <a:avLst>
@@ -33579,6 +33434,222 @@
           </a:p>
         </p:txBody>
       </p:sp>
+      <p:sp>
+        <p:nvSpPr>
+          <p:cNvPr id="3" name="Speech Bubble: Rectangle with Corners Rounded 2">
+            <a:extLst>
+              <a:ext uri="{FF2B5EF4-FFF2-40B4-BE49-F238E27FC236}">
+                <a16:creationId xmlns:a16="http://schemas.microsoft.com/office/drawing/2014/main" id="{20515A9A-2DC2-2C5E-664B-16D22FB1B639}"/>
+              </a:ext>
+            </a:extLst>
+          </p:cNvPr>
+          <p:cNvSpPr/>
+          <p:nvPr/>
+        </p:nvSpPr>
+        <p:spPr>
+          <a:xfrm>
+            <a:off x="864296" y="4522000"/>
+            <a:ext cx="4321479" cy="525991"/>
+          </a:xfrm>
+          <a:prstGeom prst="wedgeRoundRectCallout">
+            <a:avLst>
+              <a:gd name="adj1" fmla="val -10702"/>
+              <a:gd name="adj2" fmla="val -70557"/>
+              <a:gd name="adj3" fmla="val 16667"/>
+            </a:avLst>
+          </a:prstGeom>
+          <a:ln>
+            <a:solidFill>
+              <a:schemeClr val="bg1">
+                <a:lumMod val="75000"/>
+              </a:schemeClr>
+            </a:solidFill>
+          </a:ln>
+          <a:effectLst>
+            <a:outerShdw blurRad="50800" dist="38100" dir="5400000" algn="t" rotWithShape="0">
+              <a:prstClr val="black">
+                <a:alpha val="40000"/>
+              </a:prstClr>
+            </a:outerShdw>
+          </a:effectLst>
+        </p:spPr>
+        <p:style>
+          <a:lnRef idx="2">
+            <a:schemeClr val="dk1"/>
+          </a:lnRef>
+          <a:fillRef idx="1">
+            <a:schemeClr val="lt1"/>
+          </a:fillRef>
+          <a:effectRef idx="0">
+            <a:schemeClr val="dk1"/>
+          </a:effectRef>
+          <a:fontRef idx="minor">
+            <a:schemeClr val="dk1"/>
+          </a:fontRef>
+        </p:style>
+        <p:txBody>
+          <a:bodyPr rtlCol="0" anchor="ctr"/>
+          <a:lstStyle/>
+          <a:p>
+            <a:pPr marL="0" marR="0" lvl="0" indent="0" algn="l" defTabSz="739775" rtl="0" eaLnBrk="0" fontAlgn="auto" latinLnBrk="0" hangingPunct="0">
+              <a:lnSpc>
+                <a:spcPct val="150000"/>
+              </a:lnSpc>
+              <a:spcBef>
+                <a:spcPts val="0"/>
+              </a:spcBef>
+              <a:spcAft>
+                <a:spcPts val="0"/>
+              </a:spcAft>
+              <a:buClrTx/>
+              <a:buSzTx/>
+              <a:buFontTx/>
+              <a:buNone/>
+              <a:tabLst>
+                <a:tab pos="347663" algn="l"/>
+                <a:tab pos="685800" algn="l"/>
+                <a:tab pos="1033463" algn="l"/>
+                <a:tab pos="1371600" algn="l"/>
+                <a:tab pos="1719263" algn="l"/>
+                <a:tab pos="2057400" algn="l"/>
+                <a:tab pos="2405063" algn="l"/>
+                <a:tab pos="2743200" algn="l"/>
+              </a:tabLst>
+              <a:defRPr/>
+            </a:pPr>
+            <a:r>
+              <a:rPr kumimoji="0" lang="en-GB" sz="1600" b="1" i="0" u="none" strike="noStrike" kern="1200" cap="none" spc="0" normalizeH="0" baseline="0" noProof="0">
+                <a:ln>
+                  <a:noFill/>
+                </a:ln>
+                <a:solidFill>
+                  <a:srgbClr val="0000FF"/>
+                </a:solidFill>
+                <a:effectLst/>
+                <a:uLnTx/>
+                <a:uFillTx/>
+                <a:latin typeface="Lucida Console" pitchFamily="49" charset="0"/>
+              </a:rPr>
+              <a:t>Or</a:t>
+            </a:r>
+            <a:r>
+              <a:rPr kumimoji="0" lang="en-GB" sz="1600" b="1" i="0" u="none" strike="noStrike" kern="1200" cap="none" spc="0" normalizeH="0" baseline="0" noProof="0">
+                <a:ln>
+                  <a:noFill/>
+                </a:ln>
+                <a:solidFill>
+                  <a:srgbClr val="000000"/>
+                </a:solidFill>
+                <a:effectLst/>
+                <a:uLnTx/>
+                <a:uFillTx/>
+                <a:latin typeface="Lucida Console" pitchFamily="49" charset="0"/>
+              </a:rPr>
+              <a:t>   (s </a:t>
+            </a:r>
+            <a:r>
+              <a:rPr lang="en-GB" sz="1600" b="1">
+                <a:solidFill>
+                  <a:srgbClr val="0000FF"/>
+                </a:solidFill>
+                <a:latin typeface="Lucida Console" pitchFamily="49" charset="0"/>
+              </a:rPr>
+              <a:t>as</a:t>
+            </a:r>
+            <a:r>
+              <a:rPr kumimoji="0" lang="en-GB" sz="1600" b="1" i="0" u="none" strike="noStrike" kern="1200" cap="none" spc="0" normalizeH="0" baseline="0" noProof="0">
+                <a:ln>
+                  <a:noFill/>
+                </a:ln>
+                <a:solidFill>
+                  <a:srgbClr val="000000"/>
+                </a:solidFill>
+                <a:effectLst/>
+                <a:uLnTx/>
+                <a:uFillTx/>
+                <a:latin typeface="Lucida Console" pitchFamily="49" charset="0"/>
+              </a:rPr>
+              <a:t> Renderable).draw();</a:t>
+            </a:r>
+            <a:endParaRPr kumimoji="0" lang="en-GB" sz="1600" b="1" i="0" u="none" strike="noStrike" kern="1200" cap="none" spc="0" normalizeH="0" baseline="0" noProof="0" dirty="0">
+              <a:ln>
+                <a:noFill/>
+              </a:ln>
+              <a:solidFill>
+                <a:srgbClr val="000000"/>
+              </a:solidFill>
+              <a:effectLst/>
+              <a:uLnTx/>
+              <a:uFillTx/>
+              <a:latin typeface="Lucida Console" pitchFamily="49" charset="0"/>
+            </a:endParaRPr>
+          </a:p>
+        </p:txBody>
+      </p:sp>
+      <p:sp>
+        <p:nvSpPr>
+          <p:cNvPr id="6" name="Speech Bubble: Rectangle with Corners Rounded 5">
+            <a:extLst>
+              <a:ext uri="{FF2B5EF4-FFF2-40B4-BE49-F238E27FC236}">
+                <a16:creationId xmlns:a16="http://schemas.microsoft.com/office/drawing/2014/main" id="{F18ECA7E-2F68-D8CD-6C6A-E0BE4799E031}"/>
+              </a:ext>
+            </a:extLst>
+          </p:cNvPr>
+          <p:cNvSpPr/>
+          <p:nvPr/>
+        </p:nvSpPr>
+        <p:spPr>
+          <a:xfrm>
+            <a:off x="341273" y="5967000"/>
+            <a:ext cx="5433225" cy="525991"/>
+          </a:xfrm>
+          <a:prstGeom prst="wedgeRoundRectCallout">
+            <a:avLst>
+              <a:gd name="adj1" fmla="val 54515"/>
+              <a:gd name="adj2" fmla="val -27692"/>
+              <a:gd name="adj3" fmla="val 16667"/>
+            </a:avLst>
+          </a:prstGeom>
+          <a:ln>
+            <a:solidFill>
+              <a:schemeClr val="bg1">
+                <a:lumMod val="75000"/>
+              </a:schemeClr>
+            </a:solidFill>
+          </a:ln>
+          <a:effectLst>
+            <a:outerShdw blurRad="50800" dist="38100" dir="5400000" algn="t" rotWithShape="0">
+              <a:prstClr val="black">
+                <a:alpha val="40000"/>
+              </a:prstClr>
+            </a:outerShdw>
+          </a:effectLst>
+        </p:spPr>
+        <p:style>
+          <a:lnRef idx="2">
+            <a:schemeClr val="dk1"/>
+          </a:lnRef>
+          <a:fillRef idx="1">
+            <a:schemeClr val="lt1"/>
+          </a:fillRef>
+          <a:effectRef idx="0">
+            <a:schemeClr val="dk1"/>
+          </a:effectRef>
+          <a:fontRef idx="minor">
+            <a:schemeClr val="dk1"/>
+          </a:fontRef>
+        </p:style>
+        <p:txBody>
+          <a:bodyPr rtlCol="0" anchor="ctr"/>
+          <a:lstStyle/>
+          <a:p>
+            <a:r>
+              <a:rPr lang="en-GB" sz="1600" dirty="0"/>
+              <a:t>Can pass any object that implements the interface</a:t>
+            </a:r>
+          </a:p>
+        </p:txBody>
+      </p:sp>
     </p:spTree>
     <p:extLst>
       <p:ext uri="{BB962C8B-B14F-4D97-AF65-F5344CB8AC3E}">
@@ -33590,6 +33661,182 @@
     <a:masterClrMapping/>
   </p:clrMapOvr>
   <p:transition/>
+  <p:timing>
+    <p:tnLst>
+      <p:par>
+        <p:cTn id="1" dur="indefinite" restart="never" nodeType="tmRoot">
+          <p:childTnLst>
+            <p:seq concurrent="1" nextAc="seek">
+              <p:cTn id="2" dur="indefinite" nodeType="mainSeq">
+                <p:childTnLst>
+                  <p:par>
+                    <p:cTn id="3" fill="hold">
+                      <p:stCondLst>
+                        <p:cond delay="indefinite"/>
+                      </p:stCondLst>
+                      <p:childTnLst>
+                        <p:par>
+                          <p:cTn id="4" fill="hold">
+                            <p:stCondLst>
+                              <p:cond delay="0"/>
+                            </p:stCondLst>
+                            <p:childTnLst>
+                              <p:par>
+                                <p:cTn id="5" presetID="10" presetClass="entr" presetSubtype="0" fill="hold" grpId="0" nodeType="clickEffect">
+                                  <p:stCondLst>
+                                    <p:cond delay="0"/>
+                                  </p:stCondLst>
+                                  <p:childTnLst>
+                                    <p:set>
+                                      <p:cBhvr>
+                                        <p:cTn id="6" dur="1" fill="hold">
+                                          <p:stCondLst>
+                                            <p:cond delay="0"/>
+                                          </p:stCondLst>
+                                        </p:cTn>
+                                        <p:tgtEl>
+                                          <p:spTgt spid="3"/>
+                                        </p:tgtEl>
+                                        <p:attrNameLst>
+                                          <p:attrName>style.visibility</p:attrName>
+                                        </p:attrNameLst>
+                                      </p:cBhvr>
+                                      <p:to>
+                                        <p:strVal val="visible"/>
+                                      </p:to>
+                                    </p:set>
+                                    <p:animEffect transition="in" filter="fade">
+                                      <p:cBhvr>
+                                        <p:cTn id="7" dur="500"/>
+                                        <p:tgtEl>
+                                          <p:spTgt spid="3"/>
+                                        </p:tgtEl>
+                                      </p:cBhvr>
+                                    </p:animEffect>
+                                  </p:childTnLst>
+                                </p:cTn>
+                              </p:par>
+                            </p:childTnLst>
+                          </p:cTn>
+                        </p:par>
+                      </p:childTnLst>
+                    </p:cTn>
+                  </p:par>
+                  <p:par>
+                    <p:cTn id="8" fill="hold">
+                      <p:stCondLst>
+                        <p:cond delay="indefinite"/>
+                      </p:stCondLst>
+                      <p:childTnLst>
+                        <p:par>
+                          <p:cTn id="9" fill="hold">
+                            <p:stCondLst>
+                              <p:cond delay="0"/>
+                            </p:stCondLst>
+                            <p:childTnLst>
+                              <p:par>
+                                <p:cTn id="10" presetID="10" presetClass="entr" presetSubtype="0" fill="hold" grpId="0" nodeType="clickEffect">
+                                  <p:stCondLst>
+                                    <p:cond delay="0"/>
+                                  </p:stCondLst>
+                                  <p:childTnLst>
+                                    <p:set>
+                                      <p:cBhvr>
+                                        <p:cTn id="11" dur="1" fill="hold">
+                                          <p:stCondLst>
+                                            <p:cond delay="0"/>
+                                          </p:stCondLst>
+                                        </p:cTn>
+                                        <p:tgtEl>
+                                          <p:spTgt spid="6"/>
+                                        </p:tgtEl>
+                                        <p:attrNameLst>
+                                          <p:attrName>style.visibility</p:attrName>
+                                        </p:attrNameLst>
+                                      </p:cBhvr>
+                                      <p:to>
+                                        <p:strVal val="visible"/>
+                                      </p:to>
+                                    </p:set>
+                                    <p:animEffect transition="in" filter="fade">
+                                      <p:cBhvr>
+                                        <p:cTn id="12" dur="500"/>
+                                        <p:tgtEl>
+                                          <p:spTgt spid="6"/>
+                                        </p:tgtEl>
+                                      </p:cBhvr>
+                                    </p:animEffect>
+                                  </p:childTnLst>
+                                </p:cTn>
+                              </p:par>
+                              <p:par>
+                                <p:cTn id="13" presetID="10" presetClass="entr" presetSubtype="0" fill="hold" grpId="0" nodeType="withEffect">
+                                  <p:stCondLst>
+                                    <p:cond delay="0"/>
+                                  </p:stCondLst>
+                                  <p:childTnLst>
+                                    <p:set>
+                                      <p:cBhvr>
+                                        <p:cTn id="14" dur="1" fill="hold">
+                                          <p:stCondLst>
+                                            <p:cond delay="0"/>
+                                          </p:stCondLst>
+                                        </p:cTn>
+                                        <p:tgtEl>
+                                          <p:spTgt spid="818181"/>
+                                        </p:tgtEl>
+                                        <p:attrNameLst>
+                                          <p:attrName>style.visibility</p:attrName>
+                                        </p:attrNameLst>
+                                      </p:cBhvr>
+                                      <p:to>
+                                        <p:strVal val="visible"/>
+                                      </p:to>
+                                    </p:set>
+                                    <p:animEffect transition="in" filter="fade">
+                                      <p:cBhvr>
+                                        <p:cTn id="15" dur="500"/>
+                                        <p:tgtEl>
+                                          <p:spTgt spid="818181"/>
+                                        </p:tgtEl>
+                                      </p:cBhvr>
+                                    </p:animEffect>
+                                  </p:childTnLst>
+                                </p:cTn>
+                              </p:par>
+                            </p:childTnLst>
+                          </p:cTn>
+                        </p:par>
+                      </p:childTnLst>
+                    </p:cTn>
+                  </p:par>
+                </p:childTnLst>
+              </p:cTn>
+              <p:prevCondLst>
+                <p:cond evt="onPrev" delay="0">
+                  <p:tgtEl>
+                    <p:sldTgt/>
+                  </p:tgtEl>
+                </p:cond>
+              </p:prevCondLst>
+              <p:nextCondLst>
+                <p:cond evt="onNext" delay="0">
+                  <p:tgtEl>
+                    <p:sldTgt/>
+                  </p:tgtEl>
+                </p:cond>
+              </p:nextCondLst>
+            </p:seq>
+          </p:childTnLst>
+        </p:cTn>
+      </p:par>
+    </p:tnLst>
+    <p:bldLst>
+      <p:bldP spid="818181" grpId="0" animBg="1"/>
+      <p:bldP spid="3" grpId="0" animBg="1"/>
+      <p:bldP spid="6" grpId="0" animBg="1"/>
+    </p:bldLst>
+  </p:timing>
 </p:sld>
 </file>
 
@@ -36188,32 +36435,6 @@
 </file>
 
 <file path=customXml/item1.xml><?xml version="1.0" encoding="utf-8"?>
-<p:properties xmlns:p="http://schemas.microsoft.com/office/2006/metadata/properties" xmlns:xsi="http://www.w3.org/2001/XMLSchema-instance" xmlns:pc="http://schemas.microsoft.com/office/infopath/2007/PartnerControls">
-  <documentManagement>
-    <SequenceNumber xmlns="6794D9DE-4FDF-4DC0-8B2C-5438320C69D5" xsi:nil="true"/>
-    <IsBuildFile xmlns="6794D9DE-4FDF-4DC0-8B2C-5438320C69D5" xsi:nil="true"/>
-    <BookTypeField0 xmlns="6794D9DE-4FDF-4DC0-8B2C-5438320C69D5">
-      <Terms xmlns="http://schemas.microsoft.com/office/infopath/2007/PartnerControls">
-        <TermInfo xmlns="http://schemas.microsoft.com/office/infopath/2007/PartnerControls">
-          <TermName xmlns="http://schemas.microsoft.com/office/infopath/2007/PartnerControls">IK</TermName>
-          <TermId xmlns="http://schemas.microsoft.com/office/infopath/2007/PartnerControls">5abe6401-e87a-4499-80b4-3d21a1a6ebd7</TermId>
-        </TermInfo>
-      </Terms>
-    </BookTypeField0>
-  </documentManagement>
-</p:properties>
-</file>
-
-<file path=customXml/item2.xml><?xml version="1.0" encoding="utf-8"?>
-<?mso-contentType ?>
-<FormTemplates xmlns="http://schemas.microsoft.com/sharepoint/v3/contenttype/forms">
-  <Display>DocumentLibraryForm</Display>
-  <Edit>DocumentLibraryForm</Edit>
-  <New>DocumentLibraryForm</New>
-</FormTemplates>
-</file>
-
-<file path=customXml/item3.xml><?xml version="1.0" encoding="utf-8"?>
 <ct:contentTypeSchema xmlns:ct="http://schemas.microsoft.com/office/2006/metadata/contentType" xmlns:ma="http://schemas.microsoft.com/office/2006/metadata/properties/metaAttributes" ct:_="" ma:_="" ma:contentTypeName="Courseware" ma:contentTypeID="0x010100F0967B7CEE8D417F966757887D9466FB00B3EF5B1D149FDF49B1880C030D548140" ma:contentTypeVersion="0" ma:contentTypeDescription="Base content type which represents courseware documents" ma:contentTypeScope="" ma:versionID="ab0d7ca79e0ea5a537b031f986da336c">
   <xsd:schema xmlns:xsd="http://www.w3.org/2001/XMLSchema" xmlns:xs="http://www.w3.org/2001/XMLSchema" xmlns:p="http://schemas.microsoft.com/office/2006/metadata/properties" xmlns:ns2="6794D9DE-4FDF-4DC0-8B2C-5438320C69D5" targetNamespace="http://schemas.microsoft.com/office/2006/metadata/properties" ma:root="true" ma:fieldsID="7ff8e7c62cc10108c036e94c947d8fb9" ns2:_="">
     <xsd:import namespace="6794D9DE-4FDF-4DC0-8B2C-5438320C69D5"/>
@@ -36353,31 +36574,33 @@
 </ct:contentTypeSchema>
 </file>
 
-<file path=customXml/itemProps1.xml><?xml version="1.0" encoding="utf-8"?>
-<ds:datastoreItem xmlns:ds="http://schemas.openxmlformats.org/officeDocument/2006/customXml" ds:itemID="{B8CA8464-660D-407C-9BC6-65570507D9BC}">
-  <ds:schemaRefs>
-    <ds:schemaRef ds:uri="http://schemas.microsoft.com/office/2006/documentManagement/types"/>
-    <ds:schemaRef ds:uri="http://purl.org/dc/dcmitype/"/>
-    <ds:schemaRef ds:uri="6794D9DE-4FDF-4DC0-8B2C-5438320C69D5"/>
-    <ds:schemaRef ds:uri="http://schemas.microsoft.com/office/2006/metadata/properties"/>
-    <ds:schemaRef ds:uri="http://purl.org/dc/terms/"/>
-    <ds:schemaRef ds:uri="http://purl.org/dc/elements/1.1/"/>
-    <ds:schemaRef ds:uri="http://schemas.openxmlformats.org/package/2006/metadata/core-properties"/>
-    <ds:schemaRef ds:uri="http://schemas.microsoft.com/office/infopath/2007/PartnerControls"/>
-    <ds:schemaRef ds:uri="http://www.w3.org/XML/1998/namespace"/>
-  </ds:schemaRefs>
-</ds:datastoreItem>
+<file path=customXml/item2.xml><?xml version="1.0" encoding="utf-8"?>
+<?mso-contentType ?>
+<FormTemplates xmlns="http://schemas.microsoft.com/sharepoint/v3/contenttype/forms">
+  <Display>DocumentLibraryForm</Display>
+  <Edit>DocumentLibraryForm</Edit>
+  <New>DocumentLibraryForm</New>
+</FormTemplates>
 </file>
 
-<file path=customXml/itemProps2.xml><?xml version="1.0" encoding="utf-8"?>
-<ds:datastoreItem xmlns:ds="http://schemas.openxmlformats.org/officeDocument/2006/customXml" ds:itemID="{F5EE1230-8E06-4B7E-922E-37040E46E781}">
-  <ds:schemaRefs>
-    <ds:schemaRef ds:uri="http://schemas.microsoft.com/sharepoint/v3/contenttype/forms"/>
-  </ds:schemaRefs>
-</ds:datastoreItem>
+<file path=customXml/item3.xml><?xml version="1.0" encoding="utf-8"?>
+<p:properties xmlns:p="http://schemas.microsoft.com/office/2006/metadata/properties" xmlns:xsi="http://www.w3.org/2001/XMLSchema-instance" xmlns:pc="http://schemas.microsoft.com/office/infopath/2007/PartnerControls">
+  <documentManagement>
+    <SequenceNumber xmlns="6794D9DE-4FDF-4DC0-8B2C-5438320C69D5" xsi:nil="true"/>
+    <IsBuildFile xmlns="6794D9DE-4FDF-4DC0-8B2C-5438320C69D5" xsi:nil="true"/>
+    <BookTypeField0 xmlns="6794D9DE-4FDF-4DC0-8B2C-5438320C69D5">
+      <Terms xmlns="http://schemas.microsoft.com/office/infopath/2007/PartnerControls">
+        <TermInfo xmlns="http://schemas.microsoft.com/office/infopath/2007/PartnerControls">
+          <TermName xmlns="http://schemas.microsoft.com/office/infopath/2007/PartnerControls">IK</TermName>
+          <TermId xmlns="http://schemas.microsoft.com/office/infopath/2007/PartnerControls">5abe6401-e87a-4499-80b4-3d21a1a6ebd7</TermId>
+        </TermInfo>
+      </Terms>
+    </BookTypeField0>
+  </documentManagement>
+</p:properties>
 </file>
 
-<file path=customXml/itemProps3.xml><?xml version="1.0" encoding="utf-8"?>
+<file path=customXml/itemProps1.xml><?xml version="1.0" encoding="utf-8"?>
 <ds:datastoreItem xmlns:ds="http://schemas.openxmlformats.org/officeDocument/2006/customXml" ds:itemID="{BA980A2A-027D-4974-B588-4101B49F521D}">
   <ds:schemaRefs>
     <ds:schemaRef ds:uri="http://schemas.microsoft.com/office/2006/metadata/contentType"/>
@@ -36393,4 +36616,28 @@
     <ds:schemaRef ds:uri="http://schemas.microsoft.com/internal/obd"/>
   </ds:schemaRefs>
 </ds:datastoreItem>
+</file>
+
+<file path=customXml/itemProps2.xml><?xml version="1.0" encoding="utf-8"?>
+<ds:datastoreItem xmlns:ds="http://schemas.openxmlformats.org/officeDocument/2006/customXml" ds:itemID="{F5EE1230-8E06-4B7E-922E-37040E46E781}">
+  <ds:schemaRefs>
+    <ds:schemaRef ds:uri="http://schemas.microsoft.com/sharepoint/v3/contenttype/forms"/>
+  </ds:schemaRefs>
+</ds:datastoreItem>
+</file>
+
+<file path=customXml/itemProps3.xml><?xml version="1.0" encoding="utf-8"?>
+<ds:datastoreItem xmlns:ds="http://schemas.openxmlformats.org/officeDocument/2006/customXml" ds:itemID="{B8CA8464-660D-407C-9BC6-65570507D9BC}">
+  <ds:schemaRefs>
+    <ds:schemaRef ds:uri="http://schemas.microsoft.com/office/2006/documentManagement/types"/>
+    <ds:schemaRef ds:uri="http://purl.org/dc/dcmitype/"/>
+    <ds:schemaRef ds:uri="6794D9DE-4FDF-4DC0-8B2C-5438320C69D5"/>
+    <ds:schemaRef ds:uri="http://schemas.microsoft.com/office/2006/metadata/properties"/>
+    <ds:schemaRef ds:uri="http://purl.org/dc/terms/"/>
+    <ds:schemaRef ds:uri="http://purl.org/dc/elements/1.1/"/>
+    <ds:schemaRef ds:uri="http://schemas.openxmlformats.org/package/2006/metadata/core-properties"/>
+    <ds:schemaRef ds:uri="http://schemas.microsoft.com/office/infopath/2007/PartnerControls"/>
+    <ds:schemaRef ds:uri="http://www.w3.org/XML/1998/namespace"/>
+  </ds:schemaRefs>
+</ds:datastoreItem>
 </file>